--- a/slides/iotschema-update-ietf104.pptx
+++ b/slides/iotschema-update-ietf104.pptx
@@ -10,17 +10,17 @@
   <p:sldIdLst>
     <p:sldId id="256" r:id="rId2"/>
     <p:sldId id="258" r:id="rId3"/>
-    <p:sldId id="267" r:id="rId4"/>
-    <p:sldId id="268" r:id="rId5"/>
-    <p:sldId id="271" r:id="rId6"/>
-    <p:sldId id="272" r:id="rId7"/>
-    <p:sldId id="273" r:id="rId8"/>
-    <p:sldId id="275" r:id="rId9"/>
-    <p:sldId id="276" r:id="rId10"/>
-    <p:sldId id="269" r:id="rId11"/>
-    <p:sldId id="278" r:id="rId12"/>
-    <p:sldId id="277" r:id="rId13"/>
-    <p:sldId id="279" r:id="rId14"/>
+    <p:sldId id="281" r:id="rId4"/>
+    <p:sldId id="282" r:id="rId5"/>
+    <p:sldId id="283" r:id="rId6"/>
+    <p:sldId id="284" r:id="rId7"/>
+    <p:sldId id="267" r:id="rId8"/>
+    <p:sldId id="268" r:id="rId9"/>
+    <p:sldId id="271" r:id="rId10"/>
+    <p:sldId id="272" r:id="rId11"/>
+    <p:sldId id="273" r:id="rId12"/>
+    <p:sldId id="275" r:id="rId13"/>
+    <p:sldId id="276" r:id="rId14"/>
     <p:sldId id="264" r:id="rId15"/>
     <p:sldId id="259" r:id="rId16"/>
     <p:sldId id="280" r:id="rId17"/>
@@ -3407,7 +3407,7 @@
         </p:nvSpPr>
         <p:spPr>
           <a:xfrm>
-            <a:off x="628650" y="48780"/>
+            <a:off x="441613" y="84572"/>
             <a:ext cx="7886700" cy="1325563"/>
           </a:xfrm>
         </p:spPr>
@@ -3416,155 +3416,756 @@
           <a:lstStyle/>
           <a:p>
             <a:r>
-              <a:rPr lang="en-US" dirty="0" err="1" smtClean="0"/>
-              <a:t>Schema.org</a:t>
-            </a:r>
-            <a:r>
-              <a:rPr lang="en-US" dirty="0" smtClean="0"/>
-              <a:t> integration</a:t>
-            </a:r>
-            <a:endParaRPr lang="en-US" dirty="0"/>
-          </a:p>
-        </p:txBody>
-      </p:sp>
-      <p:sp>
-        <p:nvSpPr>
-          <p:cNvPr id="3" name="Content Placeholder 2"/>
-          <p:cNvSpPr>
-            <a:spLocks noGrp="1"/>
-          </p:cNvSpPr>
-          <p:nvPr>
-            <p:ph idx="1"/>
-          </p:nvPr>
+              <a:rPr lang="en-US" dirty="0"/>
+              <a:t>Properties, Actions, Events</a:t>
+            </a:r>
+          </a:p>
+        </p:txBody>
+      </p:sp>
+      <p:sp>
+        <p:nvSpPr>
+          <p:cNvPr id="4" name="Rectangle 3"/>
+          <p:cNvSpPr/>
+          <p:nvPr/>
         </p:nvSpPr>
         <p:spPr>
           <a:xfrm>
-            <a:off x="628650" y="1280823"/>
-            <a:ext cx="7886700" cy="5016067"/>
+            <a:off x="1070263" y="1410135"/>
+            <a:ext cx="6400800" cy="4770537"/>
           </a:xfrm>
+          <a:prstGeom prst="rect">
+            <a:avLst/>
+          </a:prstGeom>
         </p:spPr>
         <p:txBody>
-          <a:bodyPr/>
+          <a:bodyPr wrap="square">
+            <a:spAutoFit/>
+          </a:bodyPr>
           <a:lstStyle/>
           <a:p>
             <a:r>
-              <a:rPr lang="en-US" dirty="0" smtClean="0"/>
-              <a:t>Contribution to </a:t>
-            </a:r>
-            <a:r>
-              <a:rPr lang="en-US" dirty="0" err="1" smtClean="0"/>
-              <a:t>schema.org</a:t>
-            </a:r>
-            <a:r>
-              <a:rPr lang="en-US" dirty="0" smtClean="0"/>
-              <a:t> based on our prototype definition ontology </a:t>
-            </a:r>
-            <a:r>
-              <a:rPr lang="en-US" dirty="0"/>
-              <a:t>(</a:t>
-            </a:r>
-            <a:r>
-              <a:rPr lang="en-US" dirty="0" smtClean="0"/>
-              <a:t>the terms need work)</a:t>
-            </a:r>
-          </a:p>
-          <a:p>
-            <a:r>
-              <a:rPr lang="en-US" dirty="0" smtClean="0"/>
-              <a:t>Capability, </a:t>
-            </a:r>
-            <a:r>
-              <a:rPr lang="en-US" dirty="0" err="1" smtClean="0"/>
-              <a:t>InteractionAffordance</a:t>
-            </a:r>
-            <a:r>
-              <a:rPr lang="en-US" dirty="0" smtClean="0"/>
-              <a:t>, Event, Action, Property, </a:t>
-            </a:r>
-            <a:r>
-              <a:rPr lang="en-US" dirty="0" err="1" smtClean="0"/>
-              <a:t>DataItem</a:t>
-            </a:r>
-            <a:r>
-              <a:rPr lang="en-US" dirty="0" smtClean="0"/>
-              <a:t> classes</a:t>
-            </a:r>
-          </a:p>
-          <a:p>
-            <a:r>
-              <a:rPr lang="en-US" dirty="0" err="1" smtClean="0"/>
-              <a:t>ProvidesInteractionPattern</a:t>
-            </a:r>
-            <a:r>
-              <a:rPr lang="en-US" dirty="0" smtClean="0"/>
-              <a:t>, </a:t>
-            </a:r>
-            <a:r>
-              <a:rPr lang="en-US" dirty="0" err="1" smtClean="0"/>
-              <a:t>AcceptsInputData</a:t>
-            </a:r>
-            <a:r>
-              <a:rPr lang="en-US" dirty="0" smtClean="0"/>
-              <a:t>, </a:t>
-            </a:r>
-            <a:r>
-              <a:rPr lang="en-US" dirty="0" err="1" smtClean="0"/>
-              <a:t>ProvidesOutputData</a:t>
-            </a:r>
-            <a:r>
-              <a:rPr lang="en-US" dirty="0" smtClean="0"/>
-              <a:t> property types</a:t>
-            </a:r>
-          </a:p>
-          <a:p>
-            <a:r>
-              <a:rPr lang="en-US" dirty="0" err="1" smtClean="0"/>
-              <a:t>DataItem</a:t>
-            </a:r>
-            <a:r>
-              <a:rPr lang="en-US" dirty="0" smtClean="0"/>
-              <a:t> constraints using </a:t>
-            </a:r>
-            <a:r>
-              <a:rPr lang="en-US" dirty="0" err="1" smtClean="0"/>
-              <a:t>PropertyValueConstraint</a:t>
-            </a:r>
-            <a:r>
-              <a:rPr lang="en-US" dirty="0" smtClean="0"/>
-              <a:t> or other suitable </a:t>
-            </a:r>
-            <a:r>
-              <a:rPr lang="en-US" dirty="0" err="1" smtClean="0"/>
-              <a:t>vocabilaries</a:t>
-            </a:r>
-            <a:r>
-              <a:rPr lang="en-US" dirty="0" smtClean="0"/>
-              <a:t> (e.g. JSON Schema)</a:t>
-            </a:r>
-          </a:p>
-          <a:p>
-            <a:r>
-              <a:rPr lang="en-US" dirty="0" err="1" smtClean="0"/>
-              <a:t>FoI</a:t>
-            </a:r>
-            <a:r>
-              <a:rPr lang="en-US" dirty="0" smtClean="0"/>
-              <a:t> property types</a:t>
-            </a:r>
-          </a:p>
-          <a:p>
-            <a:r>
-              <a:rPr lang="en-US" dirty="0" smtClean="0"/>
-              <a:t>The definitions can be in external namespaces, only the core model needs to be accepted to start</a:t>
-            </a:r>
-            <a:endParaRPr lang="en-US" dirty="0"/>
+              <a:rPr lang="en-US" sz="1600" dirty="0">
+                <a:solidFill>
+                  <a:srgbClr val="000000"/>
+                </a:solidFill>
+                <a:latin typeface="Courier" charset="0"/>
+                <a:ea typeface="Courier" charset="0"/>
+                <a:cs typeface="Courier" charset="0"/>
+              </a:rPr>
+              <a:t>{</a:t>
+            </a:r>
+          </a:p>
+          <a:p>
+            <a:r>
+              <a:rPr lang="en-US" sz="1600" dirty="0">
+                <a:solidFill>
+                  <a:srgbClr val="000000"/>
+                </a:solidFill>
+                <a:latin typeface="Courier" charset="0"/>
+                <a:ea typeface="Courier" charset="0"/>
+                <a:cs typeface="Courier" charset="0"/>
+              </a:rPr>
+              <a:t>  "@id": "</a:t>
+            </a:r>
+            <a:r>
+              <a:rPr lang="en-US" sz="1600" dirty="0" err="1">
+                <a:solidFill>
+                  <a:srgbClr val="000000"/>
+                </a:solidFill>
+                <a:latin typeface="Courier" charset="0"/>
+                <a:ea typeface="Courier" charset="0"/>
+                <a:cs typeface="Courier" charset="0"/>
+              </a:rPr>
+              <a:t>st:SwitchLevel.levelProperty</a:t>
+            </a:r>
+            <a:r>
+              <a:rPr lang="en-US" sz="1600" dirty="0">
+                <a:solidFill>
+                  <a:srgbClr val="000000"/>
+                </a:solidFill>
+                <a:latin typeface="Courier" charset="0"/>
+                <a:ea typeface="Courier" charset="0"/>
+                <a:cs typeface="Courier" charset="0"/>
+              </a:rPr>
+              <a:t>",</a:t>
+            </a:r>
+          </a:p>
+          <a:p>
+            <a:r>
+              <a:rPr lang="en-US" sz="1600" dirty="0">
+                <a:solidFill>
+                  <a:srgbClr val="000000"/>
+                </a:solidFill>
+                <a:latin typeface="Courier" charset="0"/>
+                <a:ea typeface="Courier" charset="0"/>
+                <a:cs typeface="Courier" charset="0"/>
+              </a:rPr>
+              <a:t>  "</a:t>
+            </a:r>
+            <a:r>
+              <a:rPr lang="en-US" sz="1600" dirty="0" err="1">
+                <a:solidFill>
+                  <a:srgbClr val="000000"/>
+                </a:solidFill>
+                <a:latin typeface="Courier" charset="0"/>
+                <a:ea typeface="Courier" charset="0"/>
+                <a:cs typeface="Courier" charset="0"/>
+              </a:rPr>
+              <a:t>rdfs:comment</a:t>
+            </a:r>
+            <a:r>
+              <a:rPr lang="en-US" sz="1600" dirty="0">
+                <a:solidFill>
+                  <a:srgbClr val="000000"/>
+                </a:solidFill>
+                <a:latin typeface="Courier" charset="0"/>
+                <a:ea typeface="Courier" charset="0"/>
+                <a:cs typeface="Courier" charset="0"/>
+              </a:rPr>
+              <a:t>": "The current level setting",</a:t>
+            </a:r>
+          </a:p>
+          <a:p>
+            <a:r>
+              <a:rPr lang="en-US" sz="1600" dirty="0">
+                <a:solidFill>
+                  <a:srgbClr val="000000"/>
+                </a:solidFill>
+                <a:latin typeface="Courier" charset="0"/>
+                <a:ea typeface="Courier" charset="0"/>
+                <a:cs typeface="Courier" charset="0"/>
+              </a:rPr>
+              <a:t>  "</a:t>
+            </a:r>
+            <a:r>
+              <a:rPr lang="en-US" sz="1600" dirty="0" err="1">
+                <a:solidFill>
+                  <a:srgbClr val="000000"/>
+                </a:solidFill>
+                <a:latin typeface="Courier" charset="0"/>
+                <a:ea typeface="Courier" charset="0"/>
+                <a:cs typeface="Courier" charset="0"/>
+              </a:rPr>
+              <a:t>rdfs:label</a:t>
+            </a:r>
+            <a:r>
+              <a:rPr lang="en-US" sz="1600" dirty="0">
+                <a:solidFill>
+                  <a:srgbClr val="000000"/>
+                </a:solidFill>
+                <a:latin typeface="Courier" charset="0"/>
+                <a:ea typeface="Courier" charset="0"/>
+                <a:cs typeface="Courier" charset="0"/>
+              </a:rPr>
+              <a:t>": "</a:t>
+            </a:r>
+            <a:r>
+              <a:rPr lang="en-US" sz="1600" dirty="0" err="1">
+                <a:solidFill>
+                  <a:srgbClr val="000000"/>
+                </a:solidFill>
+                <a:latin typeface="Courier" charset="0"/>
+                <a:ea typeface="Courier" charset="0"/>
+                <a:cs typeface="Courier" charset="0"/>
+              </a:rPr>
+              <a:t>SwitchLevel</a:t>
+            </a:r>
+            <a:r>
+              <a:rPr lang="en-US" sz="1600" dirty="0">
+                <a:solidFill>
+                  <a:srgbClr val="000000"/>
+                </a:solidFill>
+                <a:latin typeface="Courier" charset="0"/>
+                <a:ea typeface="Courier" charset="0"/>
+                <a:cs typeface="Courier" charset="0"/>
+              </a:rPr>
+              <a:t> </a:t>
+            </a:r>
+            <a:r>
+              <a:rPr lang="en-US" sz="1600" dirty="0" err="1">
+                <a:solidFill>
+                  <a:srgbClr val="000000"/>
+                </a:solidFill>
+                <a:latin typeface="Courier" charset="0"/>
+                <a:ea typeface="Courier" charset="0"/>
+                <a:cs typeface="Courier" charset="0"/>
+              </a:rPr>
+              <a:t>levelProperty</a:t>
+            </a:r>
+            <a:r>
+              <a:rPr lang="en-US" sz="1600" dirty="0">
+                <a:solidFill>
+                  <a:srgbClr val="000000"/>
+                </a:solidFill>
+                <a:latin typeface="Courier" charset="0"/>
+                <a:ea typeface="Courier" charset="0"/>
+                <a:cs typeface="Courier" charset="0"/>
+              </a:rPr>
+              <a:t>",</a:t>
+            </a:r>
+          </a:p>
+          <a:p>
+            <a:r>
+              <a:rPr lang="en-US" sz="1600" dirty="0">
+                <a:solidFill>
+                  <a:srgbClr val="000000"/>
+                </a:solidFill>
+                <a:latin typeface="Courier" charset="0"/>
+                <a:ea typeface="Courier" charset="0"/>
+                <a:cs typeface="Courier" charset="0"/>
+              </a:rPr>
+              <a:t>  "@type": "</a:t>
+            </a:r>
+            <a:r>
+              <a:rPr lang="en-US" sz="1600" dirty="0" err="1">
+                <a:solidFill>
+                  <a:srgbClr val="000000"/>
+                </a:solidFill>
+                <a:latin typeface="Courier" charset="0"/>
+                <a:ea typeface="Courier" charset="0"/>
+                <a:cs typeface="Courier" charset="0"/>
+              </a:rPr>
+              <a:t>odm.PropertyInteraction</a:t>
+            </a:r>
+            <a:r>
+              <a:rPr lang="en-US" sz="1600" dirty="0">
+                <a:solidFill>
+                  <a:srgbClr val="000000"/>
+                </a:solidFill>
+                <a:latin typeface="Courier" charset="0"/>
+                <a:ea typeface="Courier" charset="0"/>
+                <a:cs typeface="Courier" charset="0"/>
+              </a:rPr>
+              <a:t>",</a:t>
+            </a:r>
+          </a:p>
+          <a:p>
+            <a:r>
+              <a:rPr lang="en-US" sz="1600" dirty="0">
+                <a:solidFill>
+                  <a:srgbClr val="000000"/>
+                </a:solidFill>
+                <a:latin typeface="Courier" charset="0"/>
+                <a:ea typeface="Courier" charset="0"/>
+                <a:cs typeface="Courier" charset="0"/>
+              </a:rPr>
+              <a:t>  "</a:t>
+            </a:r>
+            <a:r>
+              <a:rPr lang="en-US" sz="1600" dirty="0" err="1">
+                <a:solidFill>
+                  <a:srgbClr val="000000"/>
+                </a:solidFill>
+                <a:latin typeface="Courier" charset="0"/>
+                <a:ea typeface="Courier" charset="0"/>
+                <a:cs typeface="Courier" charset="0"/>
+              </a:rPr>
+              <a:t>rdfs:subClassOf</a:t>
+            </a:r>
+            <a:r>
+              <a:rPr lang="en-US" sz="1600" dirty="0">
+                <a:solidFill>
+                  <a:srgbClr val="000000"/>
+                </a:solidFill>
+                <a:latin typeface="Courier" charset="0"/>
+                <a:ea typeface="Courier" charset="0"/>
+                <a:cs typeface="Courier" charset="0"/>
+              </a:rPr>
+              <a:t>": "</a:t>
+            </a:r>
+            <a:r>
+              <a:rPr lang="en-US" sz="1600" dirty="0" err="1">
+                <a:solidFill>
+                  <a:srgbClr val="000000"/>
+                </a:solidFill>
+                <a:latin typeface="Courier" charset="0"/>
+                <a:ea typeface="Courier" charset="0"/>
+                <a:cs typeface="Courier" charset="0"/>
+              </a:rPr>
+              <a:t>odm:InteractionAffordance</a:t>
+            </a:r>
+            <a:r>
+              <a:rPr lang="en-US" sz="1600" dirty="0">
+                <a:solidFill>
+                  <a:srgbClr val="000000"/>
+                </a:solidFill>
+                <a:latin typeface="Courier" charset="0"/>
+                <a:ea typeface="Courier" charset="0"/>
+                <a:cs typeface="Courier" charset="0"/>
+              </a:rPr>
+              <a:t>",</a:t>
+            </a:r>
+          </a:p>
+          <a:p>
+            <a:r>
+              <a:rPr lang="en-US" sz="1600" dirty="0">
+                <a:solidFill>
+                  <a:srgbClr val="000000"/>
+                </a:solidFill>
+                <a:latin typeface="Courier" charset="0"/>
+                <a:ea typeface="Courier" charset="0"/>
+                <a:cs typeface="Courier" charset="0"/>
+              </a:rPr>
+              <a:t>  "</a:t>
+            </a:r>
+            <a:r>
+              <a:rPr lang="en-US" sz="1600" dirty="0" err="1">
+                <a:solidFill>
+                  <a:srgbClr val="000000"/>
+                </a:solidFill>
+                <a:latin typeface="Courier" charset="0"/>
+                <a:ea typeface="Courier" charset="0"/>
+                <a:cs typeface="Courier" charset="0"/>
+              </a:rPr>
+              <a:t>odm:hasDataItem</a:t>
+            </a:r>
+            <a:r>
+              <a:rPr lang="en-US" sz="1600" dirty="0">
+                <a:solidFill>
+                  <a:srgbClr val="000000"/>
+                </a:solidFill>
+                <a:latin typeface="Courier" charset="0"/>
+                <a:ea typeface="Courier" charset="0"/>
+                <a:cs typeface="Courier" charset="0"/>
+              </a:rPr>
+              <a:t>": "</a:t>
+            </a:r>
+            <a:r>
+              <a:rPr lang="en-US" sz="1600" dirty="0" err="1">
+                <a:solidFill>
+                  <a:srgbClr val="000000"/>
+                </a:solidFill>
+                <a:latin typeface="Courier" charset="0"/>
+                <a:ea typeface="Courier" charset="0"/>
+                <a:cs typeface="Courier" charset="0"/>
+              </a:rPr>
+              <a:t>st:SwitchLevel.levelData</a:t>
+            </a:r>
+            <a:r>
+              <a:rPr lang="en-US" sz="1600" dirty="0">
+                <a:solidFill>
+                  <a:srgbClr val="000000"/>
+                </a:solidFill>
+                <a:latin typeface="Courier" charset="0"/>
+                <a:ea typeface="Courier" charset="0"/>
+                <a:cs typeface="Courier" charset="0"/>
+              </a:rPr>
+              <a:t>"</a:t>
+            </a:r>
+          </a:p>
+          <a:p>
+            <a:r>
+              <a:rPr lang="en-US" sz="1600" dirty="0">
+                <a:solidFill>
+                  <a:srgbClr val="000000"/>
+                </a:solidFill>
+                <a:latin typeface="Courier" charset="0"/>
+                <a:ea typeface="Courier" charset="0"/>
+                <a:cs typeface="Courier" charset="0"/>
+              </a:rPr>
+              <a:t>},</a:t>
+            </a:r>
+          </a:p>
+          <a:p>
+            <a:r>
+              <a:rPr lang="en-US" sz="1600" dirty="0">
+                <a:solidFill>
+                  <a:srgbClr val="000000"/>
+                </a:solidFill>
+                <a:latin typeface="Courier" charset="0"/>
+                <a:ea typeface="Courier" charset="0"/>
+                <a:cs typeface="Courier" charset="0"/>
+              </a:rPr>
+              <a:t>{</a:t>
+            </a:r>
+          </a:p>
+          <a:p>
+            <a:r>
+              <a:rPr lang="en-US" sz="1600" dirty="0">
+                <a:solidFill>
+                  <a:srgbClr val="000000"/>
+                </a:solidFill>
+                <a:latin typeface="Courier" charset="0"/>
+                <a:ea typeface="Courier" charset="0"/>
+                <a:cs typeface="Courier" charset="0"/>
+              </a:rPr>
+              <a:t>  "@id": "</a:t>
+            </a:r>
+            <a:r>
+              <a:rPr lang="en-US" sz="1600" dirty="0" err="1">
+                <a:solidFill>
+                  <a:srgbClr val="000000"/>
+                </a:solidFill>
+                <a:latin typeface="Courier" charset="0"/>
+                <a:ea typeface="Courier" charset="0"/>
+                <a:cs typeface="Courier" charset="0"/>
+              </a:rPr>
+              <a:t>st:SwitchLevel.setLevelAction</a:t>
+            </a:r>
+            <a:r>
+              <a:rPr lang="en-US" sz="1600" dirty="0">
+                <a:solidFill>
+                  <a:srgbClr val="000000"/>
+                </a:solidFill>
+                <a:latin typeface="Courier" charset="0"/>
+                <a:ea typeface="Courier" charset="0"/>
+                <a:cs typeface="Courier" charset="0"/>
+              </a:rPr>
+              <a:t>",</a:t>
+            </a:r>
+          </a:p>
+          <a:p>
+            <a:r>
+              <a:rPr lang="en-US" sz="1600" dirty="0">
+                <a:solidFill>
+                  <a:srgbClr val="000000"/>
+                </a:solidFill>
+                <a:latin typeface="Courier" charset="0"/>
+                <a:ea typeface="Courier" charset="0"/>
+                <a:cs typeface="Courier" charset="0"/>
+              </a:rPr>
+              <a:t>  "</a:t>
+            </a:r>
+            <a:r>
+              <a:rPr lang="en-US" sz="1600" dirty="0" err="1">
+                <a:solidFill>
+                  <a:srgbClr val="000000"/>
+                </a:solidFill>
+                <a:latin typeface="Courier" charset="0"/>
+                <a:ea typeface="Courier" charset="0"/>
+                <a:cs typeface="Courier" charset="0"/>
+              </a:rPr>
+              <a:t>rdfs:comment</a:t>
+            </a:r>
+            <a:r>
+              <a:rPr lang="en-US" sz="1600" dirty="0">
+                <a:solidFill>
+                  <a:srgbClr val="000000"/>
+                </a:solidFill>
+                <a:latin typeface="Courier" charset="0"/>
+                <a:ea typeface="Courier" charset="0"/>
+                <a:cs typeface="Courier" charset="0"/>
+              </a:rPr>
+              <a:t>": "Action to set the level",</a:t>
+            </a:r>
+          </a:p>
+          <a:p>
+            <a:r>
+              <a:rPr lang="en-US" sz="1600" dirty="0">
+                <a:solidFill>
+                  <a:srgbClr val="000000"/>
+                </a:solidFill>
+                <a:latin typeface="Courier" charset="0"/>
+                <a:ea typeface="Courier" charset="0"/>
+                <a:cs typeface="Courier" charset="0"/>
+              </a:rPr>
+              <a:t>  "</a:t>
+            </a:r>
+            <a:r>
+              <a:rPr lang="en-US" sz="1600" dirty="0" err="1">
+                <a:solidFill>
+                  <a:srgbClr val="000000"/>
+                </a:solidFill>
+                <a:latin typeface="Courier" charset="0"/>
+                <a:ea typeface="Courier" charset="0"/>
+                <a:cs typeface="Courier" charset="0"/>
+              </a:rPr>
+              <a:t>rdfs:label</a:t>
+            </a:r>
+            <a:r>
+              <a:rPr lang="en-US" sz="1600" dirty="0">
+                <a:solidFill>
+                  <a:srgbClr val="000000"/>
+                </a:solidFill>
+                <a:latin typeface="Courier" charset="0"/>
+                <a:ea typeface="Courier" charset="0"/>
+                <a:cs typeface="Courier" charset="0"/>
+              </a:rPr>
+              <a:t>": "</a:t>
+            </a:r>
+            <a:r>
+              <a:rPr lang="en-US" sz="1600" dirty="0" err="1">
+                <a:solidFill>
+                  <a:srgbClr val="000000"/>
+                </a:solidFill>
+                <a:latin typeface="Courier" charset="0"/>
+                <a:ea typeface="Courier" charset="0"/>
+                <a:cs typeface="Courier" charset="0"/>
+              </a:rPr>
+              <a:t>SwitchLevel</a:t>
+            </a:r>
+            <a:r>
+              <a:rPr lang="en-US" sz="1600" dirty="0">
+                <a:solidFill>
+                  <a:srgbClr val="000000"/>
+                </a:solidFill>
+                <a:latin typeface="Courier" charset="0"/>
+                <a:ea typeface="Courier" charset="0"/>
+                <a:cs typeface="Courier" charset="0"/>
+              </a:rPr>
+              <a:t> </a:t>
+            </a:r>
+            <a:r>
+              <a:rPr lang="en-US" sz="1600" dirty="0" err="1">
+                <a:solidFill>
+                  <a:srgbClr val="000000"/>
+                </a:solidFill>
+                <a:latin typeface="Courier" charset="0"/>
+                <a:ea typeface="Courier" charset="0"/>
+                <a:cs typeface="Courier" charset="0"/>
+              </a:rPr>
+              <a:t>setLevelAction</a:t>
+            </a:r>
+            <a:r>
+              <a:rPr lang="en-US" sz="1600" dirty="0">
+                <a:solidFill>
+                  <a:srgbClr val="000000"/>
+                </a:solidFill>
+                <a:latin typeface="Courier" charset="0"/>
+                <a:ea typeface="Courier" charset="0"/>
+                <a:cs typeface="Courier" charset="0"/>
+              </a:rPr>
+              <a:t>",</a:t>
+            </a:r>
+          </a:p>
+          <a:p>
+            <a:r>
+              <a:rPr lang="en-US" sz="1600" dirty="0">
+                <a:solidFill>
+                  <a:srgbClr val="000000"/>
+                </a:solidFill>
+                <a:latin typeface="Courier" charset="0"/>
+                <a:ea typeface="Courier" charset="0"/>
+                <a:cs typeface="Courier" charset="0"/>
+              </a:rPr>
+              <a:t>  "@type": "</a:t>
+            </a:r>
+            <a:r>
+              <a:rPr lang="en-US" sz="1600" dirty="0" err="1">
+                <a:solidFill>
+                  <a:srgbClr val="000000"/>
+                </a:solidFill>
+                <a:latin typeface="Courier" charset="0"/>
+                <a:ea typeface="Courier" charset="0"/>
+                <a:cs typeface="Courier" charset="0"/>
+              </a:rPr>
+              <a:t>odm:ActionInteraction</a:t>
+            </a:r>
+            <a:r>
+              <a:rPr lang="en-US" sz="1600" dirty="0">
+                <a:solidFill>
+                  <a:srgbClr val="000000"/>
+                </a:solidFill>
+                <a:latin typeface="Courier" charset="0"/>
+                <a:ea typeface="Courier" charset="0"/>
+                <a:cs typeface="Courier" charset="0"/>
+              </a:rPr>
+              <a:t>",</a:t>
+            </a:r>
+          </a:p>
+          <a:p>
+            <a:r>
+              <a:rPr lang="en-US" sz="1600" dirty="0">
+                <a:solidFill>
+                  <a:srgbClr val="000000"/>
+                </a:solidFill>
+                <a:latin typeface="Courier" charset="0"/>
+                <a:ea typeface="Courier" charset="0"/>
+                <a:cs typeface="Courier" charset="0"/>
+              </a:rPr>
+              <a:t>  "</a:t>
+            </a:r>
+            <a:r>
+              <a:rPr lang="en-US" sz="1600" dirty="0" err="1">
+                <a:solidFill>
+                  <a:srgbClr val="000000"/>
+                </a:solidFill>
+                <a:latin typeface="Courier" charset="0"/>
+                <a:ea typeface="Courier" charset="0"/>
+                <a:cs typeface="Courier" charset="0"/>
+              </a:rPr>
+              <a:t>rdfs:subClassOf</a:t>
+            </a:r>
+            <a:r>
+              <a:rPr lang="en-US" sz="1600" dirty="0">
+                <a:solidFill>
+                  <a:srgbClr val="000000"/>
+                </a:solidFill>
+                <a:latin typeface="Courier" charset="0"/>
+                <a:ea typeface="Courier" charset="0"/>
+                <a:cs typeface="Courier" charset="0"/>
+              </a:rPr>
+              <a:t>":"</a:t>
+            </a:r>
+            <a:r>
+              <a:rPr lang="en-US" sz="1600" dirty="0" err="1">
+                <a:solidFill>
+                  <a:srgbClr val="000000"/>
+                </a:solidFill>
+                <a:latin typeface="Courier" charset="0"/>
+                <a:ea typeface="Courier" charset="0"/>
+                <a:cs typeface="Courier" charset="0"/>
+              </a:rPr>
+              <a:t>odm:InteractionAffordance</a:t>
+            </a:r>
+            <a:r>
+              <a:rPr lang="en-US" sz="1600" dirty="0">
+                <a:solidFill>
+                  <a:srgbClr val="000000"/>
+                </a:solidFill>
+                <a:latin typeface="Courier" charset="0"/>
+                <a:ea typeface="Courier" charset="0"/>
+                <a:cs typeface="Courier" charset="0"/>
+              </a:rPr>
+              <a:t>",</a:t>
+            </a:r>
+          </a:p>
+          <a:p>
+            <a:r>
+              <a:rPr lang="en-US" sz="1600" dirty="0">
+                <a:solidFill>
+                  <a:srgbClr val="000000"/>
+                </a:solidFill>
+                <a:latin typeface="Courier" charset="0"/>
+                <a:ea typeface="Courier" charset="0"/>
+                <a:cs typeface="Courier" charset="0"/>
+              </a:rPr>
+              <a:t>  "</a:t>
+            </a:r>
+            <a:r>
+              <a:rPr lang="en-US" sz="1600" dirty="0" err="1">
+                <a:solidFill>
+                  <a:srgbClr val="000000"/>
+                </a:solidFill>
+                <a:latin typeface="Courier" charset="0"/>
+                <a:ea typeface="Courier" charset="0"/>
+                <a:cs typeface="Courier" charset="0"/>
+              </a:rPr>
+              <a:t>odm:hasDataItem</a:t>
+            </a:r>
+            <a:r>
+              <a:rPr lang="en-US" sz="1600" dirty="0">
+                <a:solidFill>
+                  <a:srgbClr val="000000"/>
+                </a:solidFill>
+                <a:latin typeface="Courier" charset="0"/>
+                <a:ea typeface="Courier" charset="0"/>
+                <a:cs typeface="Courier" charset="0"/>
+              </a:rPr>
+              <a:t>": [</a:t>
+            </a:r>
+          </a:p>
+          <a:p>
+            <a:r>
+              <a:rPr lang="en-US" sz="1600" dirty="0">
+                <a:solidFill>
+                  <a:srgbClr val="000000"/>
+                </a:solidFill>
+                <a:latin typeface="Courier" charset="0"/>
+                <a:ea typeface="Courier" charset="0"/>
+                <a:cs typeface="Courier" charset="0"/>
+              </a:rPr>
+              <a:t>    "</a:t>
+            </a:r>
+            <a:r>
+              <a:rPr lang="en-US" sz="1600" dirty="0" err="1">
+                <a:solidFill>
+                  <a:srgbClr val="000000"/>
+                </a:solidFill>
+                <a:latin typeface="Courier" charset="0"/>
+                <a:ea typeface="Courier" charset="0"/>
+                <a:cs typeface="Courier" charset="0"/>
+              </a:rPr>
+              <a:t>st:SwitchLevel.levelData</a:t>
+            </a:r>
+            <a:r>
+              <a:rPr lang="en-US" sz="1600" dirty="0">
+                <a:solidFill>
+                  <a:srgbClr val="000000"/>
+                </a:solidFill>
+                <a:latin typeface="Courier" charset="0"/>
+                <a:ea typeface="Courier" charset="0"/>
+                <a:cs typeface="Courier" charset="0"/>
+              </a:rPr>
+              <a:t>"</a:t>
+            </a:r>
+          </a:p>
+          <a:p>
+            <a:r>
+              <a:rPr lang="en-US" sz="1600" dirty="0">
+                <a:solidFill>
+                  <a:srgbClr val="000000"/>
+                </a:solidFill>
+                <a:latin typeface="Courier" charset="0"/>
+                <a:ea typeface="Courier" charset="0"/>
+                <a:cs typeface="Courier" charset="0"/>
+              </a:rPr>
+              <a:t>    "</a:t>
+            </a:r>
+            <a:r>
+              <a:rPr lang="en-US" sz="1600" dirty="0" err="1">
+                <a:solidFill>
+                  <a:srgbClr val="000000"/>
+                </a:solidFill>
+                <a:latin typeface="Courier" charset="0"/>
+                <a:ea typeface="Courier" charset="0"/>
+                <a:cs typeface="Courier" charset="0"/>
+              </a:rPr>
+              <a:t>st:SwitchLevel.rateData</a:t>
+            </a:r>
+            <a:r>
+              <a:rPr lang="en-US" sz="1600" dirty="0">
+                <a:solidFill>
+                  <a:srgbClr val="000000"/>
+                </a:solidFill>
+                <a:latin typeface="Courier" charset="0"/>
+                <a:ea typeface="Courier" charset="0"/>
+                <a:cs typeface="Courier" charset="0"/>
+              </a:rPr>
+              <a:t>"</a:t>
+            </a:r>
+          </a:p>
+          <a:p>
+            <a:r>
+              <a:rPr lang="en-US" sz="1600" dirty="0">
+                <a:solidFill>
+                  <a:srgbClr val="000000"/>
+                </a:solidFill>
+                <a:latin typeface="Courier" charset="0"/>
+                <a:ea typeface="Courier" charset="0"/>
+                <a:cs typeface="Courier" charset="0"/>
+              </a:rPr>
+              <a:t>  ]</a:t>
+            </a:r>
+          </a:p>
+          <a:p>
+            <a:r>
+              <a:rPr lang="en-US" sz="1600" dirty="0">
+                <a:solidFill>
+                  <a:srgbClr val="000000"/>
+                </a:solidFill>
+                <a:latin typeface="Courier" charset="0"/>
+                <a:ea typeface="Courier" charset="0"/>
+                <a:cs typeface="Courier" charset="0"/>
+              </a:rPr>
+              <a:t>}</a:t>
+            </a:r>
+            <a:endParaRPr lang="en-US" sz="1600" b="0" i="0" dirty="0">
+              <a:solidFill>
+                <a:srgbClr val="000000"/>
+              </a:solidFill>
+              <a:effectLst/>
+              <a:latin typeface="Courier" charset="0"/>
+              <a:ea typeface="Courier" charset="0"/>
+              <a:cs typeface="Courier" charset="0"/>
+            </a:endParaRPr>
           </a:p>
         </p:txBody>
       </p:sp>
     </p:spTree>
     <p:extLst>
       <p:ext uri="{BB962C8B-B14F-4D97-AF65-F5344CB8AC3E}">
-        <p14:creationId xmlns:p14="http://schemas.microsoft.com/office/powerpoint/2010/main" val="313925757"/>
+        <p14:creationId xmlns:p14="http://schemas.microsoft.com/office/powerpoint/2010/main" val="2070722297"/>
       </p:ext>
     </p:extLst>
   </p:cSld>
@@ -3582,6 +4183,2846 @@
 </file>
 
 <file path=ppt/slides/slide11.xml><?xml version="1.0" encoding="utf-8"?>
+<p:sld xmlns:a="http://schemas.openxmlformats.org/drawingml/2006/main" xmlns:r="http://schemas.openxmlformats.org/officeDocument/2006/relationships" xmlns:p="http://schemas.openxmlformats.org/presentationml/2006/main">
+  <p:cSld>
+    <p:spTree>
+      <p:nvGrpSpPr>
+        <p:cNvPr id="1" name=""/>
+        <p:cNvGrpSpPr/>
+        <p:nvPr/>
+      </p:nvGrpSpPr>
+      <p:grpSpPr>
+        <a:xfrm>
+          <a:off x="0" y="0"/>
+          <a:ext cx="0" cy="0"/>
+          <a:chOff x="0" y="0"/>
+          <a:chExt cx="0" cy="0"/>
+        </a:xfrm>
+      </p:grpSpPr>
+      <p:sp>
+        <p:nvSpPr>
+          <p:cNvPr id="2" name="Title 1"/>
+          <p:cNvSpPr>
+            <a:spLocks noGrp="1"/>
+          </p:cNvSpPr>
+          <p:nvPr>
+            <p:ph type="title"/>
+          </p:nvPr>
+        </p:nvSpPr>
+        <p:spPr>
+          <a:xfrm>
+            <a:off x="83127" y="0"/>
+            <a:ext cx="7886700" cy="1325563"/>
+          </a:xfrm>
+        </p:spPr>
+        <p:txBody>
+          <a:bodyPr/>
+          <a:lstStyle/>
+          <a:p>
+            <a:r>
+              <a:rPr lang="en-US" dirty="0"/>
+              <a:t>Data Items</a:t>
+            </a:r>
+          </a:p>
+        </p:txBody>
+      </p:sp>
+      <p:sp>
+        <p:nvSpPr>
+          <p:cNvPr id="4" name="Rectangle 3"/>
+          <p:cNvSpPr/>
+          <p:nvPr/>
+        </p:nvSpPr>
+        <p:spPr>
+          <a:xfrm>
+            <a:off x="1735282" y="814161"/>
+            <a:ext cx="7211290" cy="5909310"/>
+          </a:xfrm>
+          <a:prstGeom prst="rect">
+            <a:avLst/>
+          </a:prstGeom>
+        </p:spPr>
+        <p:txBody>
+          <a:bodyPr wrap="square">
+            <a:spAutoFit/>
+          </a:bodyPr>
+          <a:lstStyle/>
+          <a:p>
+            <a:r>
+              <a:rPr lang="en-US" sz="1400" dirty="0">
+                <a:solidFill>
+                  <a:srgbClr val="000000"/>
+                </a:solidFill>
+                <a:latin typeface="Courier" charset="0"/>
+                <a:ea typeface="Courier" charset="0"/>
+                <a:cs typeface="Courier" charset="0"/>
+              </a:rPr>
+              <a:t>{</a:t>
+            </a:r>
+          </a:p>
+          <a:p>
+            <a:r>
+              <a:rPr lang="en-US" sz="1400" dirty="0">
+                <a:solidFill>
+                  <a:srgbClr val="000000"/>
+                </a:solidFill>
+                <a:latin typeface="Courier" charset="0"/>
+                <a:ea typeface="Courier" charset="0"/>
+                <a:cs typeface="Courier" charset="0"/>
+              </a:rPr>
+              <a:t>  "@id": "</a:t>
+            </a:r>
+            <a:r>
+              <a:rPr lang="en-US" sz="1400" dirty="0" err="1">
+                <a:solidFill>
+                  <a:srgbClr val="000000"/>
+                </a:solidFill>
+                <a:latin typeface="Courier" charset="0"/>
+                <a:ea typeface="Courier" charset="0"/>
+                <a:cs typeface="Courier" charset="0"/>
+              </a:rPr>
+              <a:t>st:Switch.valueData</a:t>
+            </a:r>
+            <a:r>
+              <a:rPr lang="en-US" sz="1400" dirty="0">
+                <a:solidFill>
+                  <a:srgbClr val="000000"/>
+                </a:solidFill>
+                <a:latin typeface="Courier" charset="0"/>
+                <a:ea typeface="Courier" charset="0"/>
+                <a:cs typeface="Courier" charset="0"/>
+              </a:rPr>
+              <a:t>",</a:t>
+            </a:r>
+          </a:p>
+          <a:p>
+            <a:r>
+              <a:rPr lang="en-US" sz="1400" dirty="0">
+                <a:solidFill>
+                  <a:srgbClr val="000000"/>
+                </a:solidFill>
+                <a:latin typeface="Courier" charset="0"/>
+                <a:ea typeface="Courier" charset="0"/>
+                <a:cs typeface="Courier" charset="0"/>
+              </a:rPr>
+              <a:t>  "</a:t>
+            </a:r>
+            <a:r>
+              <a:rPr lang="en-US" sz="1400" dirty="0" err="1">
+                <a:solidFill>
+                  <a:srgbClr val="000000"/>
+                </a:solidFill>
+                <a:latin typeface="Courier" charset="0"/>
+                <a:ea typeface="Courier" charset="0"/>
+                <a:cs typeface="Courier" charset="0"/>
+              </a:rPr>
+              <a:t>rdfs:comment</a:t>
+            </a:r>
+            <a:r>
+              <a:rPr lang="en-US" sz="1400" dirty="0">
+                <a:solidFill>
+                  <a:srgbClr val="000000"/>
+                </a:solidFill>
+                <a:latin typeface="Courier" charset="0"/>
+                <a:ea typeface="Courier" charset="0"/>
+                <a:cs typeface="Courier" charset="0"/>
+              </a:rPr>
+              <a:t>": "value data for Switch (on/off string encoding)",</a:t>
+            </a:r>
+          </a:p>
+          <a:p>
+            <a:r>
+              <a:rPr lang="en-US" sz="1400" dirty="0">
+                <a:solidFill>
+                  <a:srgbClr val="000000"/>
+                </a:solidFill>
+                <a:latin typeface="Courier" charset="0"/>
+                <a:ea typeface="Courier" charset="0"/>
+                <a:cs typeface="Courier" charset="0"/>
+              </a:rPr>
+              <a:t>  "</a:t>
+            </a:r>
+            <a:r>
+              <a:rPr lang="en-US" sz="1400" dirty="0" err="1">
+                <a:solidFill>
+                  <a:srgbClr val="000000"/>
+                </a:solidFill>
+                <a:latin typeface="Courier" charset="0"/>
+                <a:ea typeface="Courier" charset="0"/>
+                <a:cs typeface="Courier" charset="0"/>
+              </a:rPr>
+              <a:t>rdfs:label</a:t>
+            </a:r>
+            <a:r>
+              <a:rPr lang="en-US" sz="1400" dirty="0">
+                <a:solidFill>
+                  <a:srgbClr val="000000"/>
+                </a:solidFill>
+                <a:latin typeface="Courier" charset="0"/>
+                <a:ea typeface="Courier" charset="0"/>
+                <a:cs typeface="Courier" charset="0"/>
+              </a:rPr>
+              <a:t>": "SmartThings </a:t>
+            </a:r>
+            <a:r>
+              <a:rPr lang="en-US" sz="1400" dirty="0" err="1">
+                <a:solidFill>
+                  <a:srgbClr val="000000"/>
+                </a:solidFill>
+                <a:latin typeface="Courier" charset="0"/>
+                <a:ea typeface="Courier" charset="0"/>
+                <a:cs typeface="Courier" charset="0"/>
+              </a:rPr>
+              <a:t>SwitchLevel.levelData</a:t>
+            </a:r>
+            <a:r>
+              <a:rPr lang="en-US" sz="1400" dirty="0">
+                <a:solidFill>
+                  <a:srgbClr val="000000"/>
+                </a:solidFill>
+                <a:latin typeface="Courier" charset="0"/>
+                <a:ea typeface="Courier" charset="0"/>
+                <a:cs typeface="Courier" charset="0"/>
+              </a:rPr>
+              <a:t>",</a:t>
+            </a:r>
+          </a:p>
+          <a:p>
+            <a:r>
+              <a:rPr lang="en-US" sz="1400" dirty="0">
+                <a:solidFill>
+                  <a:srgbClr val="000000"/>
+                </a:solidFill>
+                <a:latin typeface="Courier" charset="0"/>
+                <a:ea typeface="Courier" charset="0"/>
+                <a:cs typeface="Courier" charset="0"/>
+              </a:rPr>
+              <a:t>  "</a:t>
+            </a:r>
+            <a:r>
+              <a:rPr lang="en-US" sz="1400" dirty="0" err="1">
+                <a:solidFill>
+                  <a:srgbClr val="000000"/>
+                </a:solidFill>
+                <a:latin typeface="Courier" charset="0"/>
+                <a:ea typeface="Courier" charset="0"/>
+                <a:cs typeface="Courier" charset="0"/>
+              </a:rPr>
+              <a:t>rdfs:subClassOf</a:t>
+            </a:r>
+            <a:r>
+              <a:rPr lang="en-US" sz="1400" dirty="0">
+                <a:solidFill>
+                  <a:srgbClr val="000000"/>
+                </a:solidFill>
+                <a:latin typeface="Courier" charset="0"/>
+                <a:ea typeface="Courier" charset="0"/>
+                <a:cs typeface="Courier" charset="0"/>
+              </a:rPr>
+              <a:t>": "</a:t>
+            </a:r>
+            <a:r>
+              <a:rPr lang="en-US" sz="1400" dirty="0" err="1">
+                <a:solidFill>
+                  <a:srgbClr val="000000"/>
+                </a:solidFill>
+                <a:latin typeface="Courier" charset="0"/>
+                <a:ea typeface="Courier" charset="0"/>
+                <a:cs typeface="Courier" charset="0"/>
+              </a:rPr>
+              <a:t>odm:DataItem</a:t>
+            </a:r>
+            <a:r>
+              <a:rPr lang="en-US" sz="1400" dirty="0">
+                <a:solidFill>
+                  <a:srgbClr val="000000"/>
+                </a:solidFill>
+                <a:latin typeface="Courier" charset="0"/>
+                <a:ea typeface="Courier" charset="0"/>
+                <a:cs typeface="Courier" charset="0"/>
+              </a:rPr>
+              <a:t>",</a:t>
+            </a:r>
+          </a:p>
+          <a:p>
+            <a:r>
+              <a:rPr lang="en-US" sz="1400" dirty="0">
+                <a:solidFill>
+                  <a:srgbClr val="000000"/>
+                </a:solidFill>
+                <a:latin typeface="Courier" charset="0"/>
+                <a:ea typeface="Courier" charset="0"/>
+                <a:cs typeface="Courier" charset="0"/>
+              </a:rPr>
+              <a:t>  "</a:t>
+            </a:r>
+            <a:r>
+              <a:rPr lang="en-US" sz="1400" dirty="0" err="1">
+                <a:solidFill>
+                  <a:srgbClr val="000000"/>
+                </a:solidFill>
+                <a:latin typeface="Courier" charset="0"/>
+                <a:ea typeface="Courier" charset="0"/>
+                <a:cs typeface="Courier" charset="0"/>
+              </a:rPr>
+              <a:t>odm:DataItemType</a:t>
+            </a:r>
+            <a:r>
+              <a:rPr lang="en-US" sz="1400" dirty="0">
+                <a:solidFill>
+                  <a:srgbClr val="000000"/>
+                </a:solidFill>
+                <a:latin typeface="Courier" charset="0"/>
+                <a:ea typeface="Courier" charset="0"/>
+                <a:cs typeface="Courier" charset="0"/>
+              </a:rPr>
+              <a:t>": "</a:t>
+            </a:r>
+            <a:r>
+              <a:rPr lang="en-US" sz="1400" dirty="0" err="1">
+                <a:solidFill>
+                  <a:srgbClr val="000000"/>
+                </a:solidFill>
+                <a:latin typeface="Courier" charset="0"/>
+                <a:ea typeface="Courier" charset="0"/>
+                <a:cs typeface="Courier" charset="0"/>
+              </a:rPr>
+              <a:t>js:string</a:t>
+            </a:r>
+            <a:r>
+              <a:rPr lang="en-US" sz="1400" dirty="0">
+                <a:solidFill>
+                  <a:srgbClr val="000000"/>
+                </a:solidFill>
+                <a:latin typeface="Courier" charset="0"/>
+                <a:ea typeface="Courier" charset="0"/>
+                <a:cs typeface="Courier" charset="0"/>
+              </a:rPr>
+              <a:t>",</a:t>
+            </a:r>
+          </a:p>
+          <a:p>
+            <a:r>
+              <a:rPr lang="en-US" sz="1400" dirty="0">
+                <a:solidFill>
+                  <a:srgbClr val="000000"/>
+                </a:solidFill>
+                <a:latin typeface="Courier" charset="0"/>
+                <a:ea typeface="Courier" charset="0"/>
+                <a:cs typeface="Courier" charset="0"/>
+              </a:rPr>
+              <a:t>  "</a:t>
+            </a:r>
+            <a:r>
+              <a:rPr lang="en-US" sz="1400" dirty="0" err="1">
+                <a:solidFill>
+                  <a:srgbClr val="000000"/>
+                </a:solidFill>
+                <a:latin typeface="Courier" charset="0"/>
+                <a:ea typeface="Courier" charset="0"/>
+                <a:cs typeface="Courier" charset="0"/>
+              </a:rPr>
+              <a:t>js:enum</a:t>
+            </a:r>
+            <a:r>
+              <a:rPr lang="en-US" sz="1400" dirty="0">
+                <a:solidFill>
+                  <a:srgbClr val="000000"/>
+                </a:solidFill>
+                <a:latin typeface="Courier" charset="0"/>
+                <a:ea typeface="Courier" charset="0"/>
+                <a:cs typeface="Courier" charset="0"/>
+              </a:rPr>
+              <a:t>": ["on", "off"]</a:t>
+            </a:r>
+          </a:p>
+          <a:p>
+            <a:r>
+              <a:rPr lang="en-US" sz="1400" dirty="0">
+                <a:solidFill>
+                  <a:srgbClr val="000000"/>
+                </a:solidFill>
+                <a:latin typeface="Courier" charset="0"/>
+                <a:ea typeface="Courier" charset="0"/>
+                <a:cs typeface="Courier" charset="0"/>
+              </a:rPr>
+              <a:t>},</a:t>
+            </a:r>
+          </a:p>
+          <a:p>
+            <a:r>
+              <a:rPr lang="en-US" sz="1400" dirty="0">
+                <a:solidFill>
+                  <a:srgbClr val="000000"/>
+                </a:solidFill>
+                <a:latin typeface="Courier" charset="0"/>
+                <a:ea typeface="Courier" charset="0"/>
+                <a:cs typeface="Courier" charset="0"/>
+              </a:rPr>
+              <a:t>{</a:t>
+            </a:r>
+          </a:p>
+          <a:p>
+            <a:r>
+              <a:rPr lang="en-US" sz="1400" dirty="0">
+                <a:solidFill>
+                  <a:srgbClr val="000000"/>
+                </a:solidFill>
+                <a:latin typeface="Courier" charset="0"/>
+                <a:ea typeface="Courier" charset="0"/>
+                <a:cs typeface="Courier" charset="0"/>
+              </a:rPr>
+              <a:t>  "@id": "</a:t>
+            </a:r>
+            <a:r>
+              <a:rPr lang="en-US" sz="1400" dirty="0" err="1">
+                <a:solidFill>
+                  <a:srgbClr val="000000"/>
+                </a:solidFill>
+                <a:latin typeface="Courier" charset="0"/>
+                <a:ea typeface="Courier" charset="0"/>
+                <a:cs typeface="Courier" charset="0"/>
+              </a:rPr>
+              <a:t>st:SwitchLevel.levelData</a:t>
+            </a:r>
+            <a:r>
+              <a:rPr lang="en-US" sz="1400" dirty="0">
+                <a:solidFill>
+                  <a:srgbClr val="000000"/>
+                </a:solidFill>
+                <a:latin typeface="Courier" charset="0"/>
+                <a:ea typeface="Courier" charset="0"/>
+                <a:cs typeface="Courier" charset="0"/>
+              </a:rPr>
+              <a:t>",</a:t>
+            </a:r>
+          </a:p>
+          <a:p>
+            <a:r>
+              <a:rPr lang="en-US" sz="1400" dirty="0">
+                <a:solidFill>
+                  <a:srgbClr val="000000"/>
+                </a:solidFill>
+                <a:latin typeface="Courier" charset="0"/>
+                <a:ea typeface="Courier" charset="0"/>
+                <a:cs typeface="Courier" charset="0"/>
+              </a:rPr>
+              <a:t>  "</a:t>
+            </a:r>
+            <a:r>
+              <a:rPr lang="en-US" sz="1400" dirty="0" err="1">
+                <a:solidFill>
+                  <a:srgbClr val="000000"/>
+                </a:solidFill>
+                <a:latin typeface="Courier" charset="0"/>
+                <a:ea typeface="Courier" charset="0"/>
+                <a:cs typeface="Courier" charset="0"/>
+              </a:rPr>
+              <a:t>rdfs:comment</a:t>
+            </a:r>
+            <a:r>
+              <a:rPr lang="en-US" sz="1400" dirty="0">
+                <a:solidFill>
+                  <a:srgbClr val="000000"/>
+                </a:solidFill>
+                <a:latin typeface="Courier" charset="0"/>
+                <a:ea typeface="Courier" charset="0"/>
+                <a:cs typeface="Courier" charset="0"/>
+              </a:rPr>
+              <a:t>": "Level data for </a:t>
+            </a:r>
+            <a:r>
+              <a:rPr lang="en-US" sz="1400" dirty="0" err="1">
+                <a:solidFill>
+                  <a:srgbClr val="000000"/>
+                </a:solidFill>
+                <a:latin typeface="Courier" charset="0"/>
+                <a:ea typeface="Courier" charset="0"/>
+                <a:cs typeface="Courier" charset="0"/>
+              </a:rPr>
+              <a:t>SwitchLevel</a:t>
+            </a:r>
+            <a:r>
+              <a:rPr lang="en-US" sz="1400" dirty="0">
+                <a:solidFill>
+                  <a:srgbClr val="000000"/>
+                </a:solidFill>
+                <a:latin typeface="Courier" charset="0"/>
+                <a:ea typeface="Courier" charset="0"/>
+                <a:cs typeface="Courier" charset="0"/>
+              </a:rPr>
+              <a:t>",</a:t>
+            </a:r>
+          </a:p>
+          <a:p>
+            <a:r>
+              <a:rPr lang="en-US" sz="1400" dirty="0">
+                <a:solidFill>
+                  <a:srgbClr val="000000"/>
+                </a:solidFill>
+                <a:latin typeface="Courier" charset="0"/>
+                <a:ea typeface="Courier" charset="0"/>
+                <a:cs typeface="Courier" charset="0"/>
+              </a:rPr>
+              <a:t>  "</a:t>
+            </a:r>
+            <a:r>
+              <a:rPr lang="en-US" sz="1400" dirty="0" err="1">
+                <a:solidFill>
+                  <a:srgbClr val="000000"/>
+                </a:solidFill>
+                <a:latin typeface="Courier" charset="0"/>
+                <a:ea typeface="Courier" charset="0"/>
+                <a:cs typeface="Courier" charset="0"/>
+              </a:rPr>
+              <a:t>rdfs:label</a:t>
+            </a:r>
+            <a:r>
+              <a:rPr lang="en-US" sz="1400" dirty="0">
+                <a:solidFill>
+                  <a:srgbClr val="000000"/>
+                </a:solidFill>
+                <a:latin typeface="Courier" charset="0"/>
+                <a:ea typeface="Courier" charset="0"/>
+                <a:cs typeface="Courier" charset="0"/>
+              </a:rPr>
+              <a:t>": "SmartThings </a:t>
+            </a:r>
+            <a:r>
+              <a:rPr lang="en-US" sz="1400" dirty="0" err="1">
+                <a:solidFill>
+                  <a:srgbClr val="000000"/>
+                </a:solidFill>
+                <a:latin typeface="Courier" charset="0"/>
+                <a:ea typeface="Courier" charset="0"/>
+                <a:cs typeface="Courier" charset="0"/>
+              </a:rPr>
+              <a:t>SwitchLevel.levelData</a:t>
+            </a:r>
+            <a:r>
+              <a:rPr lang="en-US" sz="1400" dirty="0">
+                <a:solidFill>
+                  <a:srgbClr val="000000"/>
+                </a:solidFill>
+                <a:latin typeface="Courier" charset="0"/>
+                <a:ea typeface="Courier" charset="0"/>
+                <a:cs typeface="Courier" charset="0"/>
+              </a:rPr>
+              <a:t>",</a:t>
+            </a:r>
+          </a:p>
+          <a:p>
+            <a:r>
+              <a:rPr lang="en-US" sz="1400" dirty="0">
+                <a:solidFill>
+                  <a:srgbClr val="000000"/>
+                </a:solidFill>
+                <a:latin typeface="Courier" charset="0"/>
+                <a:ea typeface="Courier" charset="0"/>
+                <a:cs typeface="Courier" charset="0"/>
+              </a:rPr>
+              <a:t>  "</a:t>
+            </a:r>
+            <a:r>
+              <a:rPr lang="en-US" sz="1400" dirty="0" err="1">
+                <a:solidFill>
+                  <a:srgbClr val="000000"/>
+                </a:solidFill>
+                <a:latin typeface="Courier" charset="0"/>
+                <a:ea typeface="Courier" charset="0"/>
+                <a:cs typeface="Courier" charset="0"/>
+              </a:rPr>
+              <a:t>rdfs:subClassOf</a:t>
+            </a:r>
+            <a:r>
+              <a:rPr lang="en-US" sz="1400" dirty="0">
+                <a:solidFill>
+                  <a:srgbClr val="000000"/>
+                </a:solidFill>
+                <a:latin typeface="Courier" charset="0"/>
+                <a:ea typeface="Courier" charset="0"/>
+                <a:cs typeface="Courier" charset="0"/>
+              </a:rPr>
+              <a:t>": "</a:t>
+            </a:r>
+            <a:r>
+              <a:rPr lang="en-US" sz="1400" dirty="0" err="1">
+                <a:solidFill>
+                  <a:srgbClr val="000000"/>
+                </a:solidFill>
+                <a:latin typeface="Courier" charset="0"/>
+                <a:ea typeface="Courier" charset="0"/>
+                <a:cs typeface="Courier" charset="0"/>
+              </a:rPr>
+              <a:t>odm:DataItem</a:t>
+            </a:r>
+            <a:r>
+              <a:rPr lang="en-US" sz="1400" dirty="0">
+                <a:solidFill>
+                  <a:srgbClr val="000000"/>
+                </a:solidFill>
+                <a:latin typeface="Courier" charset="0"/>
+                <a:ea typeface="Courier" charset="0"/>
+                <a:cs typeface="Courier" charset="0"/>
+              </a:rPr>
+              <a:t>",</a:t>
+            </a:r>
+          </a:p>
+          <a:p>
+            <a:r>
+              <a:rPr lang="en-US" sz="1400" dirty="0">
+                <a:solidFill>
+                  <a:srgbClr val="000000"/>
+                </a:solidFill>
+                <a:latin typeface="Courier" charset="0"/>
+                <a:ea typeface="Courier" charset="0"/>
+                <a:cs typeface="Courier" charset="0"/>
+              </a:rPr>
+              <a:t>  "</a:t>
+            </a:r>
+            <a:r>
+              <a:rPr lang="en-US" sz="1400" dirty="0" err="1">
+                <a:solidFill>
+                  <a:srgbClr val="000000"/>
+                </a:solidFill>
+                <a:latin typeface="Courier" charset="0"/>
+                <a:ea typeface="Courier" charset="0"/>
+                <a:cs typeface="Courier" charset="0"/>
+              </a:rPr>
+              <a:t>odm:DataItemType</a:t>
+            </a:r>
+            <a:r>
+              <a:rPr lang="en-US" sz="1400" dirty="0">
+                <a:solidFill>
+                  <a:srgbClr val="000000"/>
+                </a:solidFill>
+                <a:latin typeface="Courier" charset="0"/>
+                <a:ea typeface="Courier" charset="0"/>
+                <a:cs typeface="Courier" charset="0"/>
+              </a:rPr>
+              <a:t>": "</a:t>
+            </a:r>
+            <a:r>
+              <a:rPr lang="en-US" sz="1400" dirty="0" err="1">
+                <a:solidFill>
+                  <a:srgbClr val="000000"/>
+                </a:solidFill>
+                <a:latin typeface="Courier" charset="0"/>
+                <a:ea typeface="Courier" charset="0"/>
+                <a:cs typeface="Courier" charset="0"/>
+              </a:rPr>
+              <a:t>js:integer</a:t>
+            </a:r>
+            <a:r>
+              <a:rPr lang="en-US" sz="1400" dirty="0">
+                <a:solidFill>
+                  <a:srgbClr val="000000"/>
+                </a:solidFill>
+                <a:latin typeface="Courier" charset="0"/>
+                <a:ea typeface="Courier" charset="0"/>
+                <a:cs typeface="Courier" charset="0"/>
+              </a:rPr>
+              <a:t>",</a:t>
+            </a:r>
+          </a:p>
+          <a:p>
+            <a:r>
+              <a:rPr lang="en-US" sz="1400" dirty="0">
+                <a:solidFill>
+                  <a:srgbClr val="000000"/>
+                </a:solidFill>
+                <a:latin typeface="Courier" charset="0"/>
+                <a:ea typeface="Courier" charset="0"/>
+                <a:cs typeface="Courier" charset="0"/>
+              </a:rPr>
+              <a:t>  "</a:t>
+            </a:r>
+            <a:r>
+              <a:rPr lang="en-US" sz="1400" dirty="0" err="1">
+                <a:solidFill>
+                  <a:srgbClr val="000000"/>
+                </a:solidFill>
+                <a:latin typeface="Courier" charset="0"/>
+                <a:ea typeface="Courier" charset="0"/>
+                <a:cs typeface="Courier" charset="0"/>
+              </a:rPr>
+              <a:t>js:minimum</a:t>
+            </a:r>
+            <a:r>
+              <a:rPr lang="en-US" sz="1400" dirty="0">
+                <a:solidFill>
+                  <a:srgbClr val="000000"/>
+                </a:solidFill>
+                <a:latin typeface="Courier" charset="0"/>
+                <a:ea typeface="Courier" charset="0"/>
+                <a:cs typeface="Courier" charset="0"/>
+              </a:rPr>
+              <a:t>": 0,</a:t>
+            </a:r>
+          </a:p>
+          <a:p>
+            <a:r>
+              <a:rPr lang="en-US" sz="1400" dirty="0">
+                <a:solidFill>
+                  <a:srgbClr val="000000"/>
+                </a:solidFill>
+                <a:latin typeface="Courier" charset="0"/>
+                <a:ea typeface="Courier" charset="0"/>
+                <a:cs typeface="Courier" charset="0"/>
+              </a:rPr>
+              <a:t>  "</a:t>
+            </a:r>
+            <a:r>
+              <a:rPr lang="en-US" sz="1400" dirty="0" err="1">
+                <a:solidFill>
+                  <a:srgbClr val="000000"/>
+                </a:solidFill>
+                <a:latin typeface="Courier" charset="0"/>
+                <a:ea typeface="Courier" charset="0"/>
+                <a:cs typeface="Courier" charset="0"/>
+              </a:rPr>
+              <a:t>js:maximum</a:t>
+            </a:r>
+            <a:r>
+              <a:rPr lang="en-US" sz="1400" dirty="0">
+                <a:solidFill>
+                  <a:srgbClr val="000000"/>
+                </a:solidFill>
+                <a:latin typeface="Courier" charset="0"/>
+                <a:ea typeface="Courier" charset="0"/>
+                <a:cs typeface="Courier" charset="0"/>
+              </a:rPr>
+              <a:t>": 100</a:t>
+            </a:r>
+          </a:p>
+          <a:p>
+            <a:r>
+              <a:rPr lang="en-US" sz="1400" dirty="0">
+                <a:solidFill>
+                  <a:srgbClr val="000000"/>
+                </a:solidFill>
+                <a:latin typeface="Courier" charset="0"/>
+                <a:ea typeface="Courier" charset="0"/>
+                <a:cs typeface="Courier" charset="0"/>
+              </a:rPr>
+              <a:t>},</a:t>
+            </a:r>
+          </a:p>
+          <a:p>
+            <a:r>
+              <a:rPr lang="en-US" sz="1400" dirty="0">
+                <a:solidFill>
+                  <a:srgbClr val="000000"/>
+                </a:solidFill>
+                <a:latin typeface="Courier" charset="0"/>
+                <a:ea typeface="Courier" charset="0"/>
+                <a:cs typeface="Courier" charset="0"/>
+              </a:rPr>
+              <a:t>{</a:t>
+            </a:r>
+          </a:p>
+          <a:p>
+            <a:r>
+              <a:rPr lang="en-US" sz="1400" dirty="0">
+                <a:solidFill>
+                  <a:srgbClr val="000000"/>
+                </a:solidFill>
+                <a:latin typeface="Courier" charset="0"/>
+                <a:ea typeface="Courier" charset="0"/>
+                <a:cs typeface="Courier" charset="0"/>
+              </a:rPr>
+              <a:t>  "@id": "</a:t>
+            </a:r>
+            <a:r>
+              <a:rPr lang="en-US" sz="1400" dirty="0" err="1">
+                <a:solidFill>
+                  <a:srgbClr val="000000"/>
+                </a:solidFill>
+                <a:latin typeface="Courier" charset="0"/>
+                <a:ea typeface="Courier" charset="0"/>
+                <a:cs typeface="Courier" charset="0"/>
+              </a:rPr>
+              <a:t>st:SwitchLevel.rateData</a:t>
+            </a:r>
+            <a:r>
+              <a:rPr lang="en-US" sz="1400" dirty="0">
+                <a:solidFill>
+                  <a:srgbClr val="000000"/>
+                </a:solidFill>
+                <a:latin typeface="Courier" charset="0"/>
+                <a:ea typeface="Courier" charset="0"/>
+                <a:cs typeface="Courier" charset="0"/>
+              </a:rPr>
+              <a:t>",</a:t>
+            </a:r>
+          </a:p>
+          <a:p>
+            <a:r>
+              <a:rPr lang="en-US" sz="1400" dirty="0">
+                <a:solidFill>
+                  <a:srgbClr val="000000"/>
+                </a:solidFill>
+                <a:latin typeface="Courier" charset="0"/>
+                <a:ea typeface="Courier" charset="0"/>
+                <a:cs typeface="Courier" charset="0"/>
+              </a:rPr>
+              <a:t>  "</a:t>
+            </a:r>
+            <a:r>
+              <a:rPr lang="en-US" sz="1400" dirty="0" err="1">
+                <a:solidFill>
+                  <a:srgbClr val="000000"/>
+                </a:solidFill>
+                <a:latin typeface="Courier" charset="0"/>
+                <a:ea typeface="Courier" charset="0"/>
+                <a:cs typeface="Courier" charset="0"/>
+              </a:rPr>
+              <a:t>rdfs:comment</a:t>
+            </a:r>
+            <a:r>
+              <a:rPr lang="en-US" sz="1400" dirty="0">
+                <a:solidFill>
+                  <a:srgbClr val="000000"/>
+                </a:solidFill>
+                <a:latin typeface="Courier" charset="0"/>
+                <a:ea typeface="Courier" charset="0"/>
+                <a:cs typeface="Courier" charset="0"/>
+              </a:rPr>
+              <a:t>": "Rate time data for </a:t>
+            </a:r>
+            <a:r>
+              <a:rPr lang="en-US" sz="1400" dirty="0" err="1">
+                <a:solidFill>
+                  <a:srgbClr val="000000"/>
+                </a:solidFill>
+                <a:latin typeface="Courier" charset="0"/>
+                <a:ea typeface="Courier" charset="0"/>
+                <a:cs typeface="Courier" charset="0"/>
+              </a:rPr>
+              <a:t>setLevelAction</a:t>
+            </a:r>
+            <a:r>
+              <a:rPr lang="en-US" sz="1400" dirty="0">
+                <a:solidFill>
+                  <a:srgbClr val="000000"/>
+                </a:solidFill>
+                <a:latin typeface="Courier" charset="0"/>
+                <a:ea typeface="Courier" charset="0"/>
+                <a:cs typeface="Courier" charset="0"/>
+              </a:rPr>
+              <a:t>",</a:t>
+            </a:r>
+          </a:p>
+          <a:p>
+            <a:r>
+              <a:rPr lang="en-US" sz="1400" dirty="0">
+                <a:solidFill>
+                  <a:srgbClr val="000000"/>
+                </a:solidFill>
+                <a:latin typeface="Courier" charset="0"/>
+                <a:ea typeface="Courier" charset="0"/>
+                <a:cs typeface="Courier" charset="0"/>
+              </a:rPr>
+              <a:t>  "</a:t>
+            </a:r>
+            <a:r>
+              <a:rPr lang="en-US" sz="1400" dirty="0" err="1">
+                <a:solidFill>
+                  <a:srgbClr val="000000"/>
+                </a:solidFill>
+                <a:latin typeface="Courier" charset="0"/>
+                <a:ea typeface="Courier" charset="0"/>
+                <a:cs typeface="Courier" charset="0"/>
+              </a:rPr>
+              <a:t>rdfs:label</a:t>
+            </a:r>
+            <a:r>
+              <a:rPr lang="en-US" sz="1400" dirty="0">
+                <a:solidFill>
+                  <a:srgbClr val="000000"/>
+                </a:solidFill>
+                <a:latin typeface="Courier" charset="0"/>
+                <a:ea typeface="Courier" charset="0"/>
+                <a:cs typeface="Courier" charset="0"/>
+              </a:rPr>
+              <a:t>": "SmartThings </a:t>
+            </a:r>
+            <a:r>
+              <a:rPr lang="en-US" sz="1400" dirty="0" err="1">
+                <a:solidFill>
+                  <a:srgbClr val="000000"/>
+                </a:solidFill>
+                <a:latin typeface="Courier" charset="0"/>
+                <a:ea typeface="Courier" charset="0"/>
+                <a:cs typeface="Courier" charset="0"/>
+              </a:rPr>
+              <a:t>SwitchLevel.rateData</a:t>
+            </a:r>
+            <a:r>
+              <a:rPr lang="en-US" sz="1400" dirty="0">
+                <a:solidFill>
+                  <a:srgbClr val="000000"/>
+                </a:solidFill>
+                <a:latin typeface="Courier" charset="0"/>
+                <a:ea typeface="Courier" charset="0"/>
+                <a:cs typeface="Courier" charset="0"/>
+              </a:rPr>
+              <a:t>",</a:t>
+            </a:r>
+          </a:p>
+          <a:p>
+            <a:r>
+              <a:rPr lang="en-US" sz="1400" dirty="0">
+                <a:solidFill>
+                  <a:srgbClr val="000000"/>
+                </a:solidFill>
+                <a:latin typeface="Courier" charset="0"/>
+                <a:ea typeface="Courier" charset="0"/>
+                <a:cs typeface="Courier" charset="0"/>
+              </a:rPr>
+              <a:t>  "</a:t>
+            </a:r>
+            <a:r>
+              <a:rPr lang="en-US" sz="1400" dirty="0" err="1">
+                <a:solidFill>
+                  <a:srgbClr val="000000"/>
+                </a:solidFill>
+                <a:latin typeface="Courier" charset="0"/>
+                <a:ea typeface="Courier" charset="0"/>
+                <a:cs typeface="Courier" charset="0"/>
+              </a:rPr>
+              <a:t>rdfs:subClassOf</a:t>
+            </a:r>
+            <a:r>
+              <a:rPr lang="en-US" sz="1400" dirty="0">
+                <a:solidFill>
+                  <a:srgbClr val="000000"/>
+                </a:solidFill>
+                <a:latin typeface="Courier" charset="0"/>
+                <a:ea typeface="Courier" charset="0"/>
+                <a:cs typeface="Courier" charset="0"/>
+              </a:rPr>
+              <a:t>": "</a:t>
+            </a:r>
+            <a:r>
+              <a:rPr lang="en-US" sz="1400" dirty="0" err="1">
+                <a:solidFill>
+                  <a:srgbClr val="000000"/>
+                </a:solidFill>
+                <a:latin typeface="Courier" charset="0"/>
+                <a:ea typeface="Courier" charset="0"/>
+                <a:cs typeface="Courier" charset="0"/>
+              </a:rPr>
+              <a:t>odm:DataItem</a:t>
+            </a:r>
+            <a:r>
+              <a:rPr lang="en-US" sz="1400" dirty="0">
+                <a:solidFill>
+                  <a:srgbClr val="000000"/>
+                </a:solidFill>
+                <a:latin typeface="Courier" charset="0"/>
+                <a:ea typeface="Courier" charset="0"/>
+                <a:cs typeface="Courier" charset="0"/>
+              </a:rPr>
+              <a:t>",</a:t>
+            </a:r>
+          </a:p>
+          <a:p>
+            <a:r>
+              <a:rPr lang="en-US" sz="1400" dirty="0">
+                <a:solidFill>
+                  <a:srgbClr val="000000"/>
+                </a:solidFill>
+                <a:latin typeface="Courier" charset="0"/>
+                <a:ea typeface="Courier" charset="0"/>
+                <a:cs typeface="Courier" charset="0"/>
+              </a:rPr>
+              <a:t>  "</a:t>
+            </a:r>
+            <a:r>
+              <a:rPr lang="en-US" sz="1400" dirty="0" err="1">
+                <a:solidFill>
+                  <a:srgbClr val="000000"/>
+                </a:solidFill>
+                <a:latin typeface="Courier" charset="0"/>
+                <a:ea typeface="Courier" charset="0"/>
+                <a:cs typeface="Courier" charset="0"/>
+              </a:rPr>
+              <a:t>odm:DataItemType</a:t>
+            </a:r>
+            <a:r>
+              <a:rPr lang="en-US" sz="1400" dirty="0">
+                <a:solidFill>
+                  <a:srgbClr val="000000"/>
+                </a:solidFill>
+                <a:latin typeface="Courier" charset="0"/>
+                <a:ea typeface="Courier" charset="0"/>
+                <a:cs typeface="Courier" charset="0"/>
+              </a:rPr>
+              <a:t>": "</a:t>
+            </a:r>
+            <a:r>
+              <a:rPr lang="en-US" sz="1400" dirty="0" err="1">
+                <a:solidFill>
+                  <a:srgbClr val="000000"/>
+                </a:solidFill>
+                <a:latin typeface="Courier" charset="0"/>
+                <a:ea typeface="Courier" charset="0"/>
+                <a:cs typeface="Courier" charset="0"/>
+              </a:rPr>
+              <a:t>js:integer</a:t>
+            </a:r>
+            <a:r>
+              <a:rPr lang="en-US" sz="1400" dirty="0">
+                <a:solidFill>
+                  <a:srgbClr val="000000"/>
+                </a:solidFill>
+                <a:latin typeface="Courier" charset="0"/>
+                <a:ea typeface="Courier" charset="0"/>
+                <a:cs typeface="Courier" charset="0"/>
+              </a:rPr>
+              <a:t>",</a:t>
+            </a:r>
+          </a:p>
+          <a:p>
+            <a:r>
+              <a:rPr lang="en-US" sz="1400" dirty="0">
+                <a:solidFill>
+                  <a:srgbClr val="000000"/>
+                </a:solidFill>
+                <a:latin typeface="Courier" charset="0"/>
+                <a:ea typeface="Courier" charset="0"/>
+                <a:cs typeface="Courier" charset="0"/>
+              </a:rPr>
+              <a:t>  "</a:t>
+            </a:r>
+            <a:r>
+              <a:rPr lang="en-US" sz="1400" dirty="0" err="1">
+                <a:solidFill>
+                  <a:srgbClr val="000000"/>
+                </a:solidFill>
+                <a:latin typeface="Courier" charset="0"/>
+                <a:ea typeface="Courier" charset="0"/>
+                <a:cs typeface="Courier" charset="0"/>
+              </a:rPr>
+              <a:t>js:minimum</a:t>
+            </a:r>
+            <a:r>
+              <a:rPr lang="en-US" sz="1400" dirty="0">
+                <a:solidFill>
+                  <a:srgbClr val="000000"/>
+                </a:solidFill>
+                <a:latin typeface="Courier" charset="0"/>
+                <a:ea typeface="Courier" charset="0"/>
+                <a:cs typeface="Courier" charset="0"/>
+              </a:rPr>
+              <a:t>": 0,</a:t>
+            </a:r>
+          </a:p>
+          <a:p>
+            <a:r>
+              <a:rPr lang="en-US" sz="1400" dirty="0">
+                <a:solidFill>
+                  <a:srgbClr val="000000"/>
+                </a:solidFill>
+                <a:latin typeface="Courier" charset="0"/>
+                <a:ea typeface="Courier" charset="0"/>
+                <a:cs typeface="Courier" charset="0"/>
+              </a:rPr>
+              <a:t>  "</a:t>
+            </a:r>
+            <a:r>
+              <a:rPr lang="en-US" sz="1400" dirty="0" err="1">
+                <a:solidFill>
+                  <a:srgbClr val="000000"/>
+                </a:solidFill>
+                <a:latin typeface="Courier" charset="0"/>
+                <a:ea typeface="Courier" charset="0"/>
+                <a:cs typeface="Courier" charset="0"/>
+              </a:rPr>
+              <a:t>js:maximum</a:t>
+            </a:r>
+            <a:r>
+              <a:rPr lang="en-US" sz="1400" dirty="0">
+                <a:solidFill>
+                  <a:srgbClr val="000000"/>
+                </a:solidFill>
+                <a:latin typeface="Courier" charset="0"/>
+                <a:ea typeface="Courier" charset="0"/>
+                <a:cs typeface="Courier" charset="0"/>
+              </a:rPr>
+              <a:t>": 65535</a:t>
+            </a:r>
+          </a:p>
+          <a:p>
+            <a:r>
+              <a:rPr lang="en-US" sz="1400" dirty="0">
+                <a:solidFill>
+                  <a:srgbClr val="000000"/>
+                </a:solidFill>
+                <a:latin typeface="Courier" charset="0"/>
+                <a:ea typeface="Courier" charset="0"/>
+                <a:cs typeface="Courier" charset="0"/>
+              </a:rPr>
+              <a:t>}</a:t>
+            </a:r>
+            <a:endParaRPr lang="en-US" sz="1400" b="0" i="0" dirty="0">
+              <a:solidFill>
+                <a:srgbClr val="000000"/>
+              </a:solidFill>
+              <a:effectLst/>
+              <a:latin typeface="Courier" charset="0"/>
+              <a:ea typeface="Courier" charset="0"/>
+              <a:cs typeface="Courier" charset="0"/>
+            </a:endParaRPr>
+          </a:p>
+        </p:txBody>
+      </p:sp>
+    </p:spTree>
+    <p:extLst>
+      <p:ext uri="{BB962C8B-B14F-4D97-AF65-F5344CB8AC3E}">
+        <p14:creationId xmlns:p14="http://schemas.microsoft.com/office/powerpoint/2010/main" val="509662397"/>
+      </p:ext>
+    </p:extLst>
+  </p:cSld>
+  <p:clrMapOvr>
+    <a:masterClrMapping/>
+  </p:clrMapOvr>
+  <p:timing>
+    <p:tnLst>
+      <p:par>
+        <p:cTn id="1" dur="indefinite" restart="never" nodeType="tmRoot"/>
+      </p:par>
+    </p:tnLst>
+  </p:timing>
+</p:sld>
+</file>
+
+<file path=ppt/slides/slide12.xml><?xml version="1.0" encoding="utf-8"?>
+<p:sld xmlns:a="http://schemas.openxmlformats.org/drawingml/2006/main" xmlns:r="http://schemas.openxmlformats.org/officeDocument/2006/relationships" xmlns:p="http://schemas.openxmlformats.org/presentationml/2006/main">
+  <p:cSld>
+    <p:spTree>
+      <p:nvGrpSpPr>
+        <p:cNvPr id="1" name=""/>
+        <p:cNvGrpSpPr/>
+        <p:nvPr/>
+      </p:nvGrpSpPr>
+      <p:grpSpPr>
+        <a:xfrm>
+          <a:off x="0" y="0"/>
+          <a:ext cx="0" cy="0"/>
+          <a:chOff x="0" y="0"/>
+          <a:chExt cx="0" cy="0"/>
+        </a:xfrm>
+      </p:grpSpPr>
+      <p:sp>
+        <p:nvSpPr>
+          <p:cNvPr id="2" name="Title 1"/>
+          <p:cNvSpPr>
+            <a:spLocks noGrp="1"/>
+          </p:cNvSpPr>
+          <p:nvPr>
+            <p:ph type="title"/>
+          </p:nvPr>
+        </p:nvSpPr>
+        <p:spPr>
+          <a:xfrm>
+            <a:off x="649432" y="84572"/>
+            <a:ext cx="7886700" cy="1325563"/>
+          </a:xfrm>
+        </p:spPr>
+        <p:txBody>
+          <a:bodyPr/>
+          <a:lstStyle/>
+          <a:p>
+            <a:r>
+              <a:rPr lang="en-US" dirty="0"/>
+              <a:t>OCF Definition </a:t>
+            </a:r>
+            <a:r>
+              <a:rPr lang="en-US" dirty="0" smtClean="0"/>
+              <a:t>with annotated  paths and operations </a:t>
+            </a:r>
+            <a:endParaRPr lang="en-US" dirty="0"/>
+          </a:p>
+        </p:txBody>
+      </p:sp>
+      <p:sp>
+        <p:nvSpPr>
+          <p:cNvPr id="4" name="Rectangle 3"/>
+          <p:cNvSpPr/>
+          <p:nvPr/>
+        </p:nvSpPr>
+        <p:spPr>
+          <a:xfrm>
+            <a:off x="820882" y="1625314"/>
+            <a:ext cx="7086600" cy="4770537"/>
+          </a:xfrm>
+          <a:prstGeom prst="rect">
+            <a:avLst/>
+          </a:prstGeom>
+        </p:spPr>
+        <p:txBody>
+          <a:bodyPr wrap="square">
+            <a:spAutoFit/>
+          </a:bodyPr>
+          <a:lstStyle/>
+          <a:p>
+            <a:r>
+              <a:rPr lang="en-US" sz="1600" dirty="0">
+                <a:latin typeface="Courier" charset="0"/>
+                <a:ea typeface="Courier" charset="0"/>
+                <a:cs typeface="Courier" charset="0"/>
+              </a:rPr>
+              <a:t>  "paths": {</a:t>
+            </a:r>
+          </a:p>
+          <a:p>
+            <a:r>
+              <a:rPr lang="en-US" sz="1600" dirty="0">
+                <a:latin typeface="Courier" charset="0"/>
+                <a:ea typeface="Courier" charset="0"/>
+                <a:cs typeface="Courier" charset="0"/>
+              </a:rPr>
+              <a:t>    "/</a:t>
+            </a:r>
+            <a:r>
+              <a:rPr lang="en-US" sz="1600" dirty="0" err="1">
+                <a:latin typeface="Courier" charset="0"/>
+                <a:ea typeface="Courier" charset="0"/>
+                <a:cs typeface="Courier" charset="0"/>
+              </a:rPr>
+              <a:t>BinarySwitchResURI</a:t>
+            </a:r>
+            <a:r>
+              <a:rPr lang="en-US" sz="1600" dirty="0">
+                <a:latin typeface="Courier" charset="0"/>
+                <a:ea typeface="Courier" charset="0"/>
+                <a:cs typeface="Courier" charset="0"/>
+              </a:rPr>
+              <a:t>" : {</a:t>
+            </a:r>
+          </a:p>
+          <a:p>
+            <a:r>
+              <a:rPr lang="en-US" sz="1600" dirty="0">
+                <a:latin typeface="Courier" charset="0"/>
+                <a:ea typeface="Courier" charset="0"/>
+                <a:cs typeface="Courier" charset="0"/>
+              </a:rPr>
+              <a:t>      "@type": [</a:t>
+            </a:r>
+          </a:p>
+          <a:p>
+            <a:r>
+              <a:rPr lang="en-US" sz="1600" dirty="0">
+                <a:latin typeface="Courier" charset="0"/>
+                <a:ea typeface="Courier" charset="0"/>
+                <a:cs typeface="Courier" charset="0"/>
+              </a:rPr>
+              <a:t>        "</a:t>
+            </a:r>
+            <a:r>
+              <a:rPr lang="en-US" sz="1600" dirty="0" err="1">
+                <a:solidFill>
+                  <a:srgbClr val="FF0000"/>
+                </a:solidFill>
+                <a:latin typeface="Courier" charset="0"/>
+                <a:ea typeface="Courier" charset="0"/>
+                <a:cs typeface="Courier" charset="0"/>
+              </a:rPr>
+              <a:t>ocf:BinarySwitch.valueProperty</a:t>
+            </a:r>
+            <a:r>
+              <a:rPr lang="en-US" sz="1600" dirty="0">
+                <a:latin typeface="Courier" charset="0"/>
+                <a:ea typeface="Courier" charset="0"/>
+                <a:cs typeface="Courier" charset="0"/>
+              </a:rPr>
+              <a:t>",</a:t>
+            </a:r>
+          </a:p>
+          <a:p>
+            <a:r>
+              <a:rPr lang="en-US" sz="1600" dirty="0">
+                <a:latin typeface="Courier" charset="0"/>
+                <a:ea typeface="Courier" charset="0"/>
+                <a:cs typeface="Courier" charset="0"/>
+              </a:rPr>
+              <a:t>        "</a:t>
+            </a:r>
+            <a:r>
+              <a:rPr lang="en-US" sz="1600" dirty="0" err="1">
+                <a:solidFill>
+                  <a:srgbClr val="FF0000"/>
+                </a:solidFill>
+                <a:latin typeface="Courier" charset="0"/>
+                <a:ea typeface="Courier" charset="0"/>
+                <a:cs typeface="Courier" charset="0"/>
+              </a:rPr>
+              <a:t>ocf:BinarySwitch.OnAction</a:t>
+            </a:r>
+            <a:r>
+              <a:rPr lang="en-US" sz="1600" dirty="0">
+                <a:latin typeface="Courier" charset="0"/>
+                <a:ea typeface="Courier" charset="0"/>
+                <a:cs typeface="Courier" charset="0"/>
+              </a:rPr>
+              <a:t>",</a:t>
+            </a:r>
+          </a:p>
+          <a:p>
+            <a:r>
+              <a:rPr lang="en-US" sz="1600" dirty="0">
+                <a:latin typeface="Courier" charset="0"/>
+                <a:ea typeface="Courier" charset="0"/>
+                <a:cs typeface="Courier" charset="0"/>
+              </a:rPr>
+              <a:t>        "</a:t>
+            </a:r>
+            <a:r>
+              <a:rPr lang="en-US" sz="1600" dirty="0" err="1">
+                <a:solidFill>
+                  <a:srgbClr val="FF0000"/>
+                </a:solidFill>
+                <a:latin typeface="Courier" charset="0"/>
+                <a:ea typeface="Courier" charset="0"/>
+                <a:cs typeface="Courier" charset="0"/>
+              </a:rPr>
+              <a:t>ocf:BinarySwitch.OffAction</a:t>
+            </a:r>
+            <a:r>
+              <a:rPr lang="en-US" sz="1600" dirty="0">
+                <a:latin typeface="Courier" charset="0"/>
+                <a:ea typeface="Courier" charset="0"/>
+                <a:cs typeface="Courier" charset="0"/>
+              </a:rPr>
+              <a:t>"</a:t>
+            </a:r>
+          </a:p>
+          <a:p>
+            <a:r>
+              <a:rPr lang="en-US" sz="1600" dirty="0">
+                <a:latin typeface="Courier" charset="0"/>
+                <a:ea typeface="Courier" charset="0"/>
+                <a:cs typeface="Courier" charset="0"/>
+              </a:rPr>
+              <a:t>      ],</a:t>
+            </a:r>
+          </a:p>
+          <a:p>
+            <a:r>
+              <a:rPr lang="is-IS" sz="1600" dirty="0">
+                <a:latin typeface="Courier" charset="0"/>
+                <a:ea typeface="Courier" charset="0"/>
+                <a:cs typeface="Courier" charset="0"/>
+              </a:rPr>
+              <a:t> </a:t>
+            </a:r>
+            <a:r>
+              <a:rPr lang="en-US" sz="1600" dirty="0">
+                <a:latin typeface="Courier" charset="0"/>
+                <a:ea typeface="Courier" charset="0"/>
+                <a:cs typeface="Courier" charset="0"/>
+              </a:rPr>
+              <a:t>     </a:t>
+            </a:r>
+            <a:r>
+              <a:rPr lang="en-US" sz="1600" dirty="0" smtClean="0">
+                <a:latin typeface="Courier" charset="0"/>
+                <a:ea typeface="Courier" charset="0"/>
+                <a:cs typeface="Courier" charset="0"/>
+              </a:rPr>
+              <a:t>"</a:t>
+            </a:r>
+            <a:r>
+              <a:rPr lang="en-US" sz="1600" dirty="0">
+                <a:latin typeface="Courier" charset="0"/>
+                <a:ea typeface="Courier" charset="0"/>
+                <a:cs typeface="Courier" charset="0"/>
+              </a:rPr>
+              <a:t>get": {        </a:t>
+            </a:r>
+            <a:endParaRPr lang="en-US" sz="1600" dirty="0" smtClean="0">
+              <a:latin typeface="Courier" charset="0"/>
+              <a:ea typeface="Courier" charset="0"/>
+              <a:cs typeface="Courier" charset="0"/>
+            </a:endParaRPr>
+          </a:p>
+          <a:p>
+            <a:r>
+              <a:rPr lang="en-US" sz="1600" dirty="0">
+                <a:latin typeface="Courier" charset="0"/>
+                <a:ea typeface="Courier" charset="0"/>
+                <a:cs typeface="Courier" charset="0"/>
+              </a:rPr>
+              <a:t> </a:t>
+            </a:r>
+            <a:r>
+              <a:rPr lang="en-US" sz="1600" dirty="0" smtClean="0">
+                <a:latin typeface="Courier" charset="0"/>
+                <a:ea typeface="Courier" charset="0"/>
+                <a:cs typeface="Courier" charset="0"/>
+              </a:rPr>
+              <a:t>       "@</a:t>
+            </a:r>
+            <a:r>
+              <a:rPr lang="en-US" sz="1600" dirty="0">
+                <a:latin typeface="Courier" charset="0"/>
+                <a:ea typeface="Courier" charset="0"/>
+                <a:cs typeface="Courier" charset="0"/>
+              </a:rPr>
+              <a:t>type": "</a:t>
+            </a:r>
+            <a:r>
+              <a:rPr lang="en-US" sz="1600" dirty="0" err="1">
+                <a:solidFill>
+                  <a:srgbClr val="FF0000"/>
+                </a:solidFill>
+                <a:latin typeface="Courier" charset="0"/>
+                <a:ea typeface="Courier" charset="0"/>
+                <a:cs typeface="Courier" charset="0"/>
+              </a:rPr>
+              <a:t>ocf:BinarySwitch.valueProperty</a:t>
+            </a:r>
+            <a:r>
+              <a:rPr lang="en-US" sz="1600" dirty="0" smtClean="0">
+                <a:latin typeface="Courier" charset="0"/>
+                <a:ea typeface="Courier" charset="0"/>
+                <a:cs typeface="Courier" charset="0"/>
+              </a:rPr>
+              <a:t>",</a:t>
+            </a:r>
+          </a:p>
+          <a:p>
+            <a:r>
+              <a:rPr lang="en-US" sz="1600" dirty="0" smtClean="0">
+                <a:latin typeface="Courier" charset="0"/>
+                <a:ea typeface="Courier" charset="0"/>
+                <a:cs typeface="Courier" charset="0"/>
+              </a:rPr>
+              <a:t>       }</a:t>
+            </a:r>
+            <a:endParaRPr lang="en-US" sz="1600" dirty="0">
+              <a:latin typeface="Courier" charset="0"/>
+              <a:ea typeface="Courier" charset="0"/>
+              <a:cs typeface="Courier" charset="0"/>
+            </a:endParaRPr>
+          </a:p>
+          <a:p>
+            <a:r>
+              <a:rPr lang="is-IS" sz="1600" dirty="0" smtClean="0">
+                <a:latin typeface="Courier" charset="0"/>
+                <a:ea typeface="Courier" charset="0"/>
+                <a:cs typeface="Courier" charset="0"/>
+              </a:rPr>
+              <a:t> </a:t>
+            </a:r>
+            <a:r>
+              <a:rPr lang="is-IS" sz="1600" dirty="0">
+                <a:latin typeface="Courier" charset="0"/>
+                <a:ea typeface="Courier" charset="0"/>
+                <a:cs typeface="Courier" charset="0"/>
+              </a:rPr>
+              <a:t>    </a:t>
+            </a:r>
+            <a:endParaRPr lang="is-IS" sz="1600" dirty="0" smtClean="0">
+              <a:latin typeface="Courier" charset="0"/>
+              <a:ea typeface="Courier" charset="0"/>
+              <a:cs typeface="Courier" charset="0"/>
+            </a:endParaRPr>
+          </a:p>
+          <a:p>
+            <a:r>
+              <a:rPr lang="is-IS" sz="1600" dirty="0">
+                <a:latin typeface="Courier" charset="0"/>
+                <a:ea typeface="Courier" charset="0"/>
+                <a:cs typeface="Courier" charset="0"/>
+              </a:rPr>
+              <a:t> </a:t>
+            </a:r>
+            <a:r>
+              <a:rPr lang="is-IS" sz="1600" dirty="0" smtClean="0">
+                <a:latin typeface="Courier" charset="0"/>
+                <a:ea typeface="Courier" charset="0"/>
+                <a:cs typeface="Courier" charset="0"/>
+              </a:rPr>
+              <a:t>     "</a:t>
+            </a:r>
+            <a:r>
+              <a:rPr lang="is-IS" sz="1600" dirty="0">
+                <a:latin typeface="Courier" charset="0"/>
+                <a:ea typeface="Courier" charset="0"/>
+                <a:cs typeface="Courier" charset="0"/>
+              </a:rPr>
+              <a:t>post": {</a:t>
+            </a:r>
+          </a:p>
+          <a:p>
+            <a:r>
+              <a:rPr lang="is-IS" sz="1600" dirty="0">
+                <a:latin typeface="Courier" charset="0"/>
+                <a:ea typeface="Courier" charset="0"/>
+                <a:cs typeface="Courier" charset="0"/>
+              </a:rPr>
+              <a:t>        "@type": [</a:t>
+            </a:r>
+          </a:p>
+          <a:p>
+            <a:r>
+              <a:rPr lang="is-IS" sz="1600" dirty="0" smtClean="0">
+                <a:latin typeface="Courier" charset="0"/>
+                <a:ea typeface="Courier" charset="0"/>
+                <a:cs typeface="Courier" charset="0"/>
+              </a:rPr>
+              <a:t>          "</a:t>
+            </a:r>
+            <a:r>
+              <a:rPr lang="is-IS" sz="1600" dirty="0" smtClean="0">
+                <a:solidFill>
+                  <a:srgbClr val="FF0000"/>
+                </a:solidFill>
+                <a:latin typeface="Courier" charset="0"/>
+                <a:ea typeface="Courier" charset="0"/>
+                <a:cs typeface="Courier" charset="0"/>
+              </a:rPr>
+              <a:t>ocf:BinarySwitch.valueProperty</a:t>
+            </a:r>
+            <a:r>
+              <a:rPr lang="is-IS" sz="1600" dirty="0" smtClean="0">
+                <a:latin typeface="Courier" charset="0"/>
+                <a:ea typeface="Courier" charset="0"/>
+                <a:cs typeface="Courier" charset="0"/>
+              </a:rPr>
+              <a:t>",</a:t>
+            </a:r>
+          </a:p>
+          <a:p>
+            <a:r>
+              <a:rPr lang="is-IS" sz="1600" dirty="0" smtClean="0">
+                <a:latin typeface="Courier" charset="0"/>
+                <a:ea typeface="Courier" charset="0"/>
+                <a:cs typeface="Courier" charset="0"/>
+              </a:rPr>
+              <a:t>          "</a:t>
+            </a:r>
+            <a:r>
+              <a:rPr lang="is-IS" sz="1600" dirty="0" smtClean="0">
+                <a:solidFill>
+                  <a:srgbClr val="FF0000"/>
+                </a:solidFill>
+                <a:latin typeface="Courier" charset="0"/>
+                <a:ea typeface="Courier" charset="0"/>
+                <a:cs typeface="Courier" charset="0"/>
+              </a:rPr>
+              <a:t>ocf:BinarySwitch.OnAction</a:t>
+            </a:r>
+            <a:r>
+              <a:rPr lang="is-IS" sz="1600" dirty="0" smtClean="0">
+                <a:latin typeface="Courier" charset="0"/>
+                <a:ea typeface="Courier" charset="0"/>
+                <a:cs typeface="Courier" charset="0"/>
+              </a:rPr>
+              <a:t>",</a:t>
+            </a:r>
+          </a:p>
+          <a:p>
+            <a:r>
+              <a:rPr lang="is-IS" sz="1600" dirty="0" smtClean="0">
+                <a:latin typeface="Courier" charset="0"/>
+                <a:ea typeface="Courier" charset="0"/>
+                <a:cs typeface="Courier" charset="0"/>
+              </a:rPr>
+              <a:t>          "</a:t>
+            </a:r>
+            <a:r>
+              <a:rPr lang="is-IS" sz="1600" dirty="0" smtClean="0">
+                <a:solidFill>
+                  <a:srgbClr val="FF0000"/>
+                </a:solidFill>
+                <a:latin typeface="Courier" charset="0"/>
+                <a:ea typeface="Courier" charset="0"/>
+                <a:cs typeface="Courier" charset="0"/>
+              </a:rPr>
+              <a:t>ocf:BinarySwitch.OffAction</a:t>
+            </a:r>
+            <a:r>
+              <a:rPr lang="is-IS" sz="1600" dirty="0" smtClean="0">
+                <a:latin typeface="Courier" charset="0"/>
+                <a:ea typeface="Courier" charset="0"/>
+                <a:cs typeface="Courier" charset="0"/>
+              </a:rPr>
+              <a:t>"</a:t>
+            </a:r>
+          </a:p>
+          <a:p>
+            <a:r>
+              <a:rPr lang="is-IS" sz="1600" dirty="0" smtClean="0">
+                <a:latin typeface="Courier" charset="0"/>
+                <a:ea typeface="Courier" charset="0"/>
+                <a:cs typeface="Courier" charset="0"/>
+              </a:rPr>
+              <a:t>        ],</a:t>
+            </a:r>
+          </a:p>
+          <a:p>
+            <a:r>
+              <a:rPr lang="is-IS" sz="1600" dirty="0" smtClean="0">
+                <a:latin typeface="Courier" charset="0"/>
+                <a:ea typeface="Courier" charset="0"/>
+                <a:cs typeface="Courier" charset="0"/>
+              </a:rPr>
+              <a:t>      }</a:t>
+            </a:r>
+            <a:br>
+              <a:rPr lang="is-IS" sz="1600" dirty="0" smtClean="0">
+                <a:latin typeface="Courier" charset="0"/>
+                <a:ea typeface="Courier" charset="0"/>
+                <a:cs typeface="Courier" charset="0"/>
+              </a:rPr>
+            </a:br>
+            <a:endParaRPr lang="en-US" sz="1600" dirty="0">
+              <a:latin typeface="Courier" charset="0"/>
+              <a:ea typeface="Courier" charset="0"/>
+              <a:cs typeface="Courier" charset="0"/>
+            </a:endParaRPr>
+          </a:p>
+        </p:txBody>
+      </p:sp>
+    </p:spTree>
+    <p:extLst>
+      <p:ext uri="{BB962C8B-B14F-4D97-AF65-F5344CB8AC3E}">
+        <p14:creationId xmlns:p14="http://schemas.microsoft.com/office/powerpoint/2010/main" val="768916787"/>
+      </p:ext>
+    </p:extLst>
+  </p:cSld>
+  <p:clrMapOvr>
+    <a:masterClrMapping/>
+  </p:clrMapOvr>
+  <p:timing>
+    <p:tnLst>
+      <p:par>
+        <p:cTn id="1" dur="indefinite" restart="never" nodeType="tmRoot"/>
+      </p:par>
+    </p:tnLst>
+  </p:timing>
+</p:sld>
+</file>
+
+<file path=ppt/slides/slide13.xml><?xml version="1.0" encoding="utf-8"?>
+<p:sld xmlns:a="http://schemas.openxmlformats.org/drawingml/2006/main" xmlns:r="http://schemas.openxmlformats.org/officeDocument/2006/relationships" xmlns:p="http://schemas.openxmlformats.org/presentationml/2006/main">
+  <p:cSld>
+    <p:spTree>
+      <p:nvGrpSpPr>
+        <p:cNvPr id="1" name=""/>
+        <p:cNvGrpSpPr/>
+        <p:nvPr/>
+      </p:nvGrpSpPr>
+      <p:grpSpPr>
+        <a:xfrm>
+          <a:off x="0" y="0"/>
+          <a:ext cx="0" cy="0"/>
+          <a:chOff x="0" y="0"/>
+          <a:chExt cx="0" cy="0"/>
+        </a:xfrm>
+      </p:grpSpPr>
+      <p:sp>
+        <p:nvSpPr>
+          <p:cNvPr id="2" name="Title 1"/>
+          <p:cNvSpPr>
+            <a:spLocks noGrp="1"/>
+          </p:cNvSpPr>
+          <p:nvPr>
+            <p:ph type="title"/>
+          </p:nvPr>
+        </p:nvSpPr>
+        <p:spPr>
+          <a:xfrm>
+            <a:off x="540327" y="365126"/>
+            <a:ext cx="8115299" cy="1325563"/>
+          </a:xfrm>
+        </p:spPr>
+        <p:txBody>
+          <a:bodyPr/>
+          <a:lstStyle/>
+          <a:p>
+            <a:r>
+              <a:rPr lang="en-US" dirty="0"/>
+              <a:t>OCF Definition </a:t>
+            </a:r>
+            <a:r>
+              <a:rPr lang="en-US"/>
+              <a:t>with </a:t>
+            </a:r>
+            <a:r>
+              <a:rPr lang="en-US" smtClean="0"/>
+              <a:t>data annotations</a:t>
+            </a:r>
+            <a:endParaRPr lang="en-US" dirty="0"/>
+          </a:p>
+        </p:txBody>
+      </p:sp>
+      <p:sp>
+        <p:nvSpPr>
+          <p:cNvPr id="3" name="Rectangle 2"/>
+          <p:cNvSpPr/>
+          <p:nvPr/>
+        </p:nvSpPr>
+        <p:spPr>
+          <a:xfrm>
+            <a:off x="540327" y="1919289"/>
+            <a:ext cx="6633556" cy="3785652"/>
+          </a:xfrm>
+          <a:prstGeom prst="rect">
+            <a:avLst/>
+          </a:prstGeom>
+        </p:spPr>
+        <p:txBody>
+          <a:bodyPr wrap="square">
+            <a:spAutoFit/>
+          </a:bodyPr>
+          <a:lstStyle/>
+          <a:p>
+            <a:r>
+              <a:rPr lang="is-IS" sz="1600" dirty="0">
+                <a:solidFill>
+                  <a:srgbClr val="000000"/>
+                </a:solidFill>
+                <a:latin typeface="Courier" charset="0"/>
+                <a:ea typeface="Courier" charset="0"/>
+                <a:cs typeface="Courier" charset="0"/>
+              </a:rPr>
+              <a:t>          (...)</a:t>
+            </a:r>
+          </a:p>
+          <a:p>
+            <a:r>
+              <a:rPr lang="is-IS" sz="1600" dirty="0">
+                <a:solidFill>
+                  <a:srgbClr val="000000"/>
+                </a:solidFill>
+                <a:latin typeface="Courier" charset="0"/>
+                <a:ea typeface="Courier" charset="0"/>
+                <a:cs typeface="Courier" charset="0"/>
+              </a:rPr>
+              <a:t>          "minItems": 1,</a:t>
+            </a:r>
+          </a:p>
+          <a:p>
+            <a:r>
+              <a:rPr lang="is-IS" sz="1600" dirty="0">
+                <a:solidFill>
+                  <a:srgbClr val="000000"/>
+                </a:solidFill>
+                <a:latin typeface="Courier" charset="0"/>
+                <a:ea typeface="Courier" charset="0"/>
+                <a:cs typeface="Courier" charset="0"/>
+              </a:rPr>
+              <a:t>          "readOnly": true,</a:t>
+            </a:r>
+          </a:p>
+          <a:p>
+            <a:r>
+              <a:rPr lang="is-IS" sz="1600" dirty="0">
+                <a:solidFill>
+                  <a:srgbClr val="000000"/>
+                </a:solidFill>
+                <a:latin typeface="Courier" charset="0"/>
+                <a:ea typeface="Courier" charset="0"/>
+                <a:cs typeface="Courier" charset="0"/>
+              </a:rPr>
+              <a:t>          "type": "array"</a:t>
+            </a:r>
+          </a:p>
+          <a:p>
+            <a:r>
+              <a:rPr lang="is-IS" sz="1600" dirty="0">
+                <a:solidFill>
+                  <a:srgbClr val="000000"/>
+                </a:solidFill>
+                <a:latin typeface="Courier" charset="0"/>
+                <a:ea typeface="Courier" charset="0"/>
+                <a:cs typeface="Courier" charset="0"/>
+              </a:rPr>
+              <a:t>        },</a:t>
+            </a:r>
+          </a:p>
+          <a:p>
+            <a:r>
+              <a:rPr lang="is-IS" sz="1600" dirty="0">
+                <a:solidFill>
+                  <a:srgbClr val="000000"/>
+                </a:solidFill>
+                <a:latin typeface="Courier" charset="0"/>
+                <a:ea typeface="Courier" charset="0"/>
+                <a:cs typeface="Courier" charset="0"/>
+              </a:rPr>
+              <a:t>        "value" :</a:t>
+            </a:r>
+          </a:p>
+          <a:p>
+            <a:r>
+              <a:rPr lang="is-IS" sz="1600" dirty="0">
+                <a:solidFill>
+                  <a:srgbClr val="000000"/>
+                </a:solidFill>
+                <a:latin typeface="Courier" charset="0"/>
+                <a:ea typeface="Courier" charset="0"/>
+                <a:cs typeface="Courier" charset="0"/>
+              </a:rPr>
+              <a:t>                {</a:t>
+            </a:r>
+          </a:p>
+          <a:p>
+            <a:r>
+              <a:rPr lang="is-IS" sz="1600" dirty="0">
+                <a:solidFill>
+                  <a:srgbClr val="000000"/>
+                </a:solidFill>
+                <a:latin typeface="Courier" charset="0"/>
+                <a:ea typeface="Courier" charset="0"/>
+                <a:cs typeface="Courier" charset="0"/>
+              </a:rPr>
+              <a:t>          </a:t>
+            </a:r>
+            <a:r>
+              <a:rPr lang="is-IS" sz="1600" dirty="0">
+                <a:solidFill>
+                  <a:srgbClr val="FF0000"/>
+                </a:solidFill>
+                <a:latin typeface="Courier" charset="0"/>
+                <a:ea typeface="Courier" charset="0"/>
+                <a:cs typeface="Courier" charset="0"/>
+              </a:rPr>
+              <a:t>"@type": [</a:t>
+            </a:r>
+          </a:p>
+          <a:p>
+            <a:r>
+              <a:rPr lang="is-IS" sz="1600" dirty="0">
+                <a:solidFill>
+                  <a:srgbClr val="FF0000"/>
+                </a:solidFill>
+                <a:latin typeface="Courier" charset="0"/>
+                <a:ea typeface="Courier" charset="0"/>
+                <a:cs typeface="Courier" charset="0"/>
+              </a:rPr>
+              <a:t>            "ocf:BinarySwitch.valueData",</a:t>
+            </a:r>
+          </a:p>
+          <a:p>
+            <a:r>
+              <a:rPr lang="is-IS" sz="1600" dirty="0">
+                <a:solidFill>
+                  <a:srgbClr val="FF0000"/>
+                </a:solidFill>
+                <a:latin typeface="Courier" charset="0"/>
+                <a:ea typeface="Courier" charset="0"/>
+                <a:cs typeface="Courier" charset="0"/>
+              </a:rPr>
+              <a:t>            "ocf:BinarySwitch.OnValueData",</a:t>
+            </a:r>
+          </a:p>
+          <a:p>
+            <a:r>
+              <a:rPr lang="is-IS" sz="1600" dirty="0">
+                <a:solidFill>
+                  <a:srgbClr val="FF0000"/>
+                </a:solidFill>
+                <a:latin typeface="Courier" charset="0"/>
+                <a:ea typeface="Courier" charset="0"/>
+                <a:cs typeface="Courier" charset="0"/>
+              </a:rPr>
+              <a:t>            "ocf:BinarySwitch.OffValueData"</a:t>
+            </a:r>
+          </a:p>
+          <a:p>
+            <a:r>
+              <a:rPr lang="is-IS" sz="1600" dirty="0">
+                <a:solidFill>
+                  <a:srgbClr val="FF0000"/>
+                </a:solidFill>
+                <a:latin typeface="Courier" charset="0"/>
+                <a:ea typeface="Courier" charset="0"/>
+                <a:cs typeface="Courier" charset="0"/>
+              </a:rPr>
+              <a:t>          ],</a:t>
+            </a:r>
+          </a:p>
+          <a:p>
+            <a:r>
+              <a:rPr lang="is-IS" sz="1600" dirty="0">
+                <a:solidFill>
+                  <a:srgbClr val="000000"/>
+                </a:solidFill>
+                <a:latin typeface="Courier" charset="0"/>
+                <a:ea typeface="Courier" charset="0"/>
+                <a:cs typeface="Courier" charset="0"/>
+              </a:rPr>
+              <a:t>          "description": "Status of the switch",</a:t>
+            </a:r>
+          </a:p>
+          <a:p>
+            <a:r>
+              <a:rPr lang="is-IS" sz="1600" dirty="0">
+                <a:solidFill>
+                  <a:srgbClr val="000000"/>
+                </a:solidFill>
+                <a:latin typeface="Courier" charset="0"/>
+                <a:ea typeface="Courier" charset="0"/>
+                <a:cs typeface="Courier" charset="0"/>
+              </a:rPr>
+              <a:t>          "type": "boolean"</a:t>
+            </a:r>
+          </a:p>
+          <a:p>
+            <a:r>
+              <a:rPr lang="is-IS" sz="1600" dirty="0">
+                <a:solidFill>
+                  <a:srgbClr val="000000"/>
+                </a:solidFill>
+                <a:latin typeface="Courier" charset="0"/>
+                <a:ea typeface="Courier" charset="0"/>
+                <a:cs typeface="Courier" charset="0"/>
+              </a:rPr>
+              <a:t>        </a:t>
+            </a:r>
+            <a:r>
+              <a:rPr lang="is-IS" sz="1600" dirty="0" smtClean="0">
+                <a:solidFill>
+                  <a:srgbClr val="000000"/>
+                </a:solidFill>
+                <a:latin typeface="Courier" charset="0"/>
+                <a:ea typeface="Courier" charset="0"/>
+                <a:cs typeface="Courier" charset="0"/>
+              </a:rPr>
+              <a:t>},</a:t>
+            </a:r>
+            <a:endParaRPr lang="is-IS" sz="1600" dirty="0">
+              <a:solidFill>
+                <a:srgbClr val="000000"/>
+              </a:solidFill>
+              <a:latin typeface="Courier" charset="0"/>
+              <a:ea typeface="Courier" charset="0"/>
+              <a:cs typeface="Courier" charset="0"/>
+            </a:endParaRPr>
+          </a:p>
+        </p:txBody>
+      </p:sp>
+    </p:spTree>
+    <p:extLst>
+      <p:ext uri="{BB962C8B-B14F-4D97-AF65-F5344CB8AC3E}">
+        <p14:creationId xmlns:p14="http://schemas.microsoft.com/office/powerpoint/2010/main" val="1775335110"/>
+      </p:ext>
+    </p:extLst>
+  </p:cSld>
+  <p:clrMapOvr>
+    <a:masterClrMapping/>
+  </p:clrMapOvr>
+  <p:timing>
+    <p:tnLst>
+      <p:par>
+        <p:cTn id="1" dur="indefinite" restart="never" nodeType="tmRoot"/>
+      </p:par>
+    </p:tnLst>
+  </p:timing>
+</p:sld>
+</file>
+
+<file path=ppt/slides/slide14.xml><?xml version="1.0" encoding="utf-8"?>
+<p:sld xmlns:a="http://schemas.openxmlformats.org/drawingml/2006/main" xmlns:r="http://schemas.openxmlformats.org/officeDocument/2006/relationships" xmlns:p="http://schemas.openxmlformats.org/presentationml/2006/main">
+  <p:cSld>
+    <p:spTree>
+      <p:nvGrpSpPr>
+        <p:cNvPr id="1" name=""/>
+        <p:cNvGrpSpPr/>
+        <p:nvPr/>
+      </p:nvGrpSpPr>
+      <p:grpSpPr>
+        <a:xfrm>
+          <a:off x="0" y="0"/>
+          <a:ext cx="0" cy="0"/>
+          <a:chOff x="0" y="0"/>
+          <a:chExt cx="0" cy="0"/>
+        </a:xfrm>
+      </p:grpSpPr>
+      <p:sp>
+        <p:nvSpPr>
+          <p:cNvPr id="2" name="Title 1"/>
+          <p:cNvSpPr>
+            <a:spLocks noGrp="1"/>
+          </p:cNvSpPr>
+          <p:nvPr>
+            <p:ph type="title"/>
+          </p:nvPr>
+        </p:nvSpPr>
+        <p:spPr/>
+        <p:txBody>
+          <a:bodyPr/>
+          <a:lstStyle/>
+          <a:p>
+            <a:r>
+              <a:rPr lang="en-US" dirty="0" smtClean="0"/>
+              <a:t>Technical Plan </a:t>
+            </a:r>
+            <a:r>
+              <a:rPr lang="mr-IN" dirty="0" smtClean="0"/>
+              <a:t>–</a:t>
+            </a:r>
+            <a:r>
+              <a:rPr lang="en-US" dirty="0" smtClean="0"/>
+              <a:t> </a:t>
+            </a:r>
+            <a:r>
+              <a:rPr lang="en-US" dirty="0" err="1" smtClean="0"/>
+              <a:t>Schema.org</a:t>
+            </a:r>
+            <a:r>
+              <a:rPr lang="en-US" dirty="0" smtClean="0"/>
+              <a:t> Integration</a:t>
+            </a:r>
+            <a:endParaRPr lang="en-US" dirty="0"/>
+          </a:p>
+        </p:txBody>
+      </p:sp>
+      <p:sp>
+        <p:nvSpPr>
+          <p:cNvPr id="3" name="Content Placeholder 2"/>
+          <p:cNvSpPr>
+            <a:spLocks noGrp="1"/>
+          </p:cNvSpPr>
+          <p:nvPr>
+            <p:ph idx="1"/>
+          </p:nvPr>
+        </p:nvSpPr>
+        <p:spPr/>
+        <p:txBody>
+          <a:bodyPr/>
+          <a:lstStyle/>
+          <a:p>
+            <a:r>
+              <a:rPr lang="en-US" dirty="0" smtClean="0"/>
+              <a:t>Develop the existing ontology to be suitable for integration into </a:t>
+            </a:r>
+            <a:r>
+              <a:rPr lang="en-US" dirty="0" err="1" smtClean="0"/>
+              <a:t>schema.org</a:t>
+            </a:r>
+            <a:endParaRPr lang="en-US" dirty="0" smtClean="0"/>
+          </a:p>
+          <a:p>
+            <a:pPr lvl="1"/>
+            <a:r>
+              <a:rPr lang="en-US" dirty="0" smtClean="0"/>
+              <a:t>Terminology needs broad agreement</a:t>
+            </a:r>
+            <a:endParaRPr lang="en-US" dirty="0"/>
+          </a:p>
+          <a:p>
+            <a:r>
+              <a:rPr lang="en-US" dirty="0" smtClean="0"/>
+              <a:t>Develop the references and browser navigation hooks to definitions in external namespaces </a:t>
+            </a:r>
+          </a:p>
+        </p:txBody>
+      </p:sp>
+    </p:spTree>
+    <p:extLst>
+      <p:ext uri="{BB962C8B-B14F-4D97-AF65-F5344CB8AC3E}">
+        <p14:creationId xmlns:p14="http://schemas.microsoft.com/office/powerpoint/2010/main" val="1394831986"/>
+      </p:ext>
+    </p:extLst>
+  </p:cSld>
+  <p:clrMapOvr>
+    <a:masterClrMapping/>
+  </p:clrMapOvr>
+  <p:timing>
+    <p:tnLst>
+      <p:par>
+        <p:cTn id="1" dur="indefinite" restart="never" nodeType="tmRoot"/>
+      </p:par>
+    </p:tnLst>
+  </p:timing>
+</p:sld>
+</file>
+
+<file path=ppt/slides/slide15.xml><?xml version="1.0" encoding="utf-8"?>
+<p:sld xmlns:a="http://schemas.openxmlformats.org/drawingml/2006/main" xmlns:r="http://schemas.openxmlformats.org/officeDocument/2006/relationships" xmlns:p="http://schemas.openxmlformats.org/presentationml/2006/main">
+  <p:cSld>
+    <p:spTree>
+      <p:nvGrpSpPr>
+        <p:cNvPr id="1" name=""/>
+        <p:cNvGrpSpPr/>
+        <p:nvPr/>
+      </p:nvGrpSpPr>
+      <p:grpSpPr>
+        <a:xfrm>
+          <a:off x="0" y="0"/>
+          <a:ext cx="0" cy="0"/>
+          <a:chOff x="0" y="0"/>
+          <a:chExt cx="0" cy="0"/>
+        </a:xfrm>
+      </p:grpSpPr>
+      <p:sp>
+        <p:nvSpPr>
+          <p:cNvPr id="2" name="Title 1"/>
+          <p:cNvSpPr>
+            <a:spLocks noGrp="1"/>
+          </p:cNvSpPr>
+          <p:nvPr>
+            <p:ph type="title"/>
+          </p:nvPr>
+        </p:nvSpPr>
+        <p:spPr>
+          <a:xfrm>
+            <a:off x="628650" y="136525"/>
+            <a:ext cx="7886700" cy="1325563"/>
+          </a:xfrm>
+        </p:spPr>
+        <p:txBody>
+          <a:bodyPr/>
+          <a:lstStyle/>
+          <a:p>
+            <a:r>
+              <a:rPr lang="en-US" dirty="0" smtClean="0"/>
+              <a:t>Technical Plan </a:t>
+            </a:r>
+            <a:r>
+              <a:rPr lang="mr-IN" dirty="0" smtClean="0"/>
+              <a:t>–</a:t>
+            </a:r>
+            <a:r>
+              <a:rPr lang="en-US" dirty="0" smtClean="0"/>
+              <a:t> Definitions </a:t>
+            </a:r>
+            <a:endParaRPr lang="en-US" dirty="0"/>
+          </a:p>
+        </p:txBody>
+      </p:sp>
+      <p:sp>
+        <p:nvSpPr>
+          <p:cNvPr id="3" name="Content Placeholder 2"/>
+          <p:cNvSpPr>
+            <a:spLocks noGrp="1"/>
+          </p:cNvSpPr>
+          <p:nvPr>
+            <p:ph idx="1"/>
+          </p:nvPr>
+        </p:nvSpPr>
+        <p:spPr>
+          <a:xfrm>
+            <a:off x="628650" y="1389351"/>
+            <a:ext cx="7886700" cy="4751675"/>
+          </a:xfrm>
+        </p:spPr>
+        <p:txBody>
+          <a:bodyPr/>
+          <a:lstStyle/>
+          <a:p>
+            <a:r>
+              <a:rPr lang="en-US" dirty="0" smtClean="0"/>
+              <a:t>Create example definition sets from existing ecosystems </a:t>
+            </a:r>
+            <a:r>
+              <a:rPr lang="mr-IN" dirty="0" smtClean="0"/>
+              <a:t>–</a:t>
+            </a:r>
+            <a:r>
+              <a:rPr lang="en-US" dirty="0" smtClean="0"/>
+              <a:t> Annotation and Feature Extraction</a:t>
+            </a:r>
+          </a:p>
+          <a:p>
+            <a:pPr lvl="1"/>
+            <a:r>
+              <a:rPr lang="en-US" dirty="0" smtClean="0"/>
+              <a:t>ZCL/</a:t>
+            </a:r>
+            <a:r>
+              <a:rPr lang="en-US" dirty="0" err="1" smtClean="0"/>
+              <a:t>dotdot</a:t>
+            </a:r>
+            <a:r>
+              <a:rPr lang="en-US" dirty="0" smtClean="0"/>
+              <a:t>, OCF, LWM2M, SmartThings</a:t>
+            </a:r>
+          </a:p>
+          <a:p>
+            <a:r>
+              <a:rPr lang="en-US" dirty="0" smtClean="0"/>
+              <a:t>Create a </a:t>
+            </a:r>
+            <a:r>
+              <a:rPr lang="en-US" dirty="0"/>
+              <a:t>D</a:t>
+            </a:r>
+            <a:r>
+              <a:rPr lang="en-US" dirty="0" smtClean="0"/>
+              <a:t>eveloper Guideline for new definitions and for using existing definitions</a:t>
+            </a:r>
+          </a:p>
+          <a:p>
+            <a:r>
+              <a:rPr lang="en-US" dirty="0" smtClean="0"/>
+              <a:t>Collect useful tools and scripts</a:t>
+            </a:r>
+          </a:p>
+          <a:p>
+            <a:r>
+              <a:rPr lang="en-US" dirty="0" smtClean="0"/>
+              <a:t>New classes</a:t>
+            </a:r>
+          </a:p>
+          <a:p>
+            <a:pPr lvl="1"/>
+            <a:r>
+              <a:rPr lang="en-US" dirty="0" smtClean="0"/>
+              <a:t>Data classes</a:t>
+            </a:r>
+          </a:p>
+          <a:p>
+            <a:pPr lvl="1"/>
+            <a:r>
+              <a:rPr lang="en-US" dirty="0" smtClean="0"/>
+              <a:t>Capability sets for common Thing types?</a:t>
+            </a:r>
+          </a:p>
+          <a:p>
+            <a:pPr lvl="1"/>
+            <a:r>
+              <a:rPr lang="en-US" dirty="0" smtClean="0"/>
+              <a:t>Definitions for common Enumerations?</a:t>
+            </a:r>
+          </a:p>
+        </p:txBody>
+      </p:sp>
+    </p:spTree>
+    <p:extLst>
+      <p:ext uri="{BB962C8B-B14F-4D97-AF65-F5344CB8AC3E}">
+        <p14:creationId xmlns:p14="http://schemas.microsoft.com/office/powerpoint/2010/main" val="1703418646"/>
+      </p:ext>
+    </p:extLst>
+  </p:cSld>
+  <p:clrMapOvr>
+    <a:masterClrMapping/>
+  </p:clrMapOvr>
+  <p:timing>
+    <p:tnLst>
+      <p:par>
+        <p:cTn id="1" dur="indefinite" restart="never" nodeType="tmRoot"/>
+      </p:par>
+    </p:tnLst>
+  </p:timing>
+</p:sld>
+</file>
+
+<file path=ppt/slides/slide16.xml><?xml version="1.0" encoding="utf-8"?>
+<p:sld xmlns:a="http://schemas.openxmlformats.org/drawingml/2006/main" xmlns:r="http://schemas.openxmlformats.org/officeDocument/2006/relationships" xmlns:p="http://schemas.openxmlformats.org/presentationml/2006/main">
+  <p:cSld>
+    <p:spTree>
+      <p:nvGrpSpPr>
+        <p:cNvPr id="1" name=""/>
+        <p:cNvGrpSpPr/>
+        <p:nvPr/>
+      </p:nvGrpSpPr>
+      <p:grpSpPr>
+        <a:xfrm>
+          <a:off x="0" y="0"/>
+          <a:ext cx="0" cy="0"/>
+          <a:chOff x="0" y="0"/>
+          <a:chExt cx="0" cy="0"/>
+        </a:xfrm>
+      </p:grpSpPr>
+      <p:sp>
+        <p:nvSpPr>
+          <p:cNvPr id="2" name="Title 1"/>
+          <p:cNvSpPr>
+            <a:spLocks noGrp="1"/>
+          </p:cNvSpPr>
+          <p:nvPr>
+            <p:ph type="title"/>
+          </p:nvPr>
+        </p:nvSpPr>
+        <p:spPr/>
+        <p:txBody>
+          <a:bodyPr/>
+          <a:lstStyle/>
+          <a:p>
+            <a:r>
+              <a:rPr lang="en-US" dirty="0" smtClean="0"/>
+              <a:t>Technical Plan </a:t>
+            </a:r>
+            <a:r>
+              <a:rPr lang="mr-IN" dirty="0" smtClean="0"/>
+              <a:t>–</a:t>
+            </a:r>
+            <a:r>
+              <a:rPr lang="en-US" dirty="0" smtClean="0"/>
+              <a:t> Web Interface </a:t>
+            </a:r>
+            <a:endParaRPr lang="en-US" dirty="0"/>
+          </a:p>
+        </p:txBody>
+      </p:sp>
+      <p:sp>
+        <p:nvSpPr>
+          <p:cNvPr id="3" name="Content Placeholder 2"/>
+          <p:cNvSpPr>
+            <a:spLocks noGrp="1"/>
+          </p:cNvSpPr>
+          <p:nvPr>
+            <p:ph idx="1"/>
+          </p:nvPr>
+        </p:nvSpPr>
+        <p:spPr/>
+        <p:txBody>
+          <a:bodyPr/>
+          <a:lstStyle/>
+          <a:p>
+            <a:r>
+              <a:rPr lang="en-US" dirty="0" smtClean="0"/>
+              <a:t>Add Shapes Constraints to the definitions </a:t>
+            </a:r>
+            <a:endParaRPr lang="en-US" dirty="0"/>
+          </a:p>
+          <a:p>
+            <a:r>
+              <a:rPr lang="en-US" dirty="0" smtClean="0"/>
+              <a:t>Develop the browser navigation hooks </a:t>
+            </a:r>
+          </a:p>
+          <a:p>
+            <a:r>
+              <a:rPr lang="en-US" dirty="0" smtClean="0"/>
+              <a:t>Determine namespace references from </a:t>
+            </a:r>
+            <a:r>
+              <a:rPr lang="en-US" dirty="0" err="1" smtClean="0"/>
+              <a:t>schema.org</a:t>
+            </a:r>
+            <a:endParaRPr lang="en-US" dirty="0" smtClean="0"/>
+          </a:p>
+          <a:p>
+            <a:endParaRPr lang="en-US" dirty="0"/>
+          </a:p>
+        </p:txBody>
+      </p:sp>
+    </p:spTree>
+    <p:extLst>
+      <p:ext uri="{BB962C8B-B14F-4D97-AF65-F5344CB8AC3E}">
+        <p14:creationId xmlns:p14="http://schemas.microsoft.com/office/powerpoint/2010/main" val="345691035"/>
+      </p:ext>
+    </p:extLst>
+  </p:cSld>
+  <p:clrMapOvr>
+    <a:masterClrMapping/>
+  </p:clrMapOvr>
+  <p:timing>
+    <p:tnLst>
+      <p:par>
+        <p:cTn id="1" dur="indefinite" restart="never" nodeType="tmRoot"/>
+      </p:par>
+    </p:tnLst>
+  </p:timing>
+</p:sld>
+</file>
+
+<file path=ppt/slides/slide17.xml><?xml version="1.0" encoding="utf-8"?>
+<p:sld xmlns:a="http://schemas.openxmlformats.org/drawingml/2006/main" xmlns:r="http://schemas.openxmlformats.org/officeDocument/2006/relationships" xmlns:p="http://schemas.openxmlformats.org/presentationml/2006/main">
+  <p:cSld>
+    <p:spTree>
+      <p:nvGrpSpPr>
+        <p:cNvPr id="1" name=""/>
+        <p:cNvGrpSpPr/>
+        <p:nvPr/>
+      </p:nvGrpSpPr>
+      <p:grpSpPr>
+        <a:xfrm>
+          <a:off x="0" y="0"/>
+          <a:ext cx="0" cy="0"/>
+          <a:chOff x="0" y="0"/>
+          <a:chExt cx="0" cy="0"/>
+        </a:xfrm>
+      </p:grpSpPr>
+      <p:sp>
+        <p:nvSpPr>
+          <p:cNvPr id="2" name="Title 1"/>
+          <p:cNvSpPr>
+            <a:spLocks noGrp="1"/>
+          </p:cNvSpPr>
+          <p:nvPr>
+            <p:ph type="title"/>
+          </p:nvPr>
+        </p:nvSpPr>
+        <p:spPr/>
+        <p:txBody>
+          <a:bodyPr/>
+          <a:lstStyle/>
+          <a:p>
+            <a:r>
+              <a:rPr lang="en-US" dirty="0" smtClean="0"/>
+              <a:t>Technical Plan </a:t>
+            </a:r>
+            <a:r>
+              <a:rPr lang="mr-IN" dirty="0" smtClean="0"/>
+              <a:t>–</a:t>
+            </a:r>
+            <a:r>
+              <a:rPr lang="en-US" dirty="0" smtClean="0"/>
+              <a:t> Feature of Interest</a:t>
+            </a:r>
+            <a:endParaRPr lang="en-US" dirty="0"/>
+          </a:p>
+        </p:txBody>
+      </p:sp>
+      <p:sp>
+        <p:nvSpPr>
+          <p:cNvPr id="3" name="Content Placeholder 2"/>
+          <p:cNvSpPr>
+            <a:spLocks noGrp="1"/>
+          </p:cNvSpPr>
+          <p:nvPr>
+            <p:ph idx="1"/>
+          </p:nvPr>
+        </p:nvSpPr>
+        <p:spPr/>
+        <p:txBody>
+          <a:bodyPr/>
+          <a:lstStyle/>
+          <a:p>
+            <a:r>
+              <a:rPr lang="en-US" dirty="0" smtClean="0"/>
+              <a:t>Develop integrations for external </a:t>
+            </a:r>
+            <a:r>
+              <a:rPr lang="en-US" dirty="0" err="1" smtClean="0"/>
+              <a:t>FoI</a:t>
+            </a:r>
+            <a:r>
+              <a:rPr lang="en-US" dirty="0" smtClean="0"/>
+              <a:t> ontologies</a:t>
+            </a:r>
+          </a:p>
+          <a:p>
+            <a:pPr lvl="1"/>
+            <a:r>
+              <a:rPr lang="en-US" dirty="0" smtClean="0"/>
+              <a:t>Automotive (VSS Schema)</a:t>
+            </a:r>
+          </a:p>
+          <a:p>
+            <a:pPr lvl="1"/>
+            <a:r>
+              <a:rPr lang="en-US" dirty="0" smtClean="0"/>
+              <a:t>Buildings (Brick Schema)</a:t>
+            </a:r>
+          </a:p>
+          <a:p>
+            <a:pPr lvl="1"/>
+            <a:r>
+              <a:rPr lang="en-US" dirty="0" smtClean="0"/>
+              <a:t>Sensor data and geospatial (W3C, OGC)</a:t>
+            </a:r>
+          </a:p>
+          <a:p>
+            <a:pPr lvl="1"/>
+            <a:r>
+              <a:rPr lang="en-US" dirty="0" smtClean="0"/>
+              <a:t>Industrial (IIC collaboration?)</a:t>
+            </a:r>
+          </a:p>
+          <a:p>
+            <a:r>
+              <a:rPr lang="en-US" dirty="0" smtClean="0"/>
+              <a:t>Examples of annotations including domain-specific </a:t>
+            </a:r>
+            <a:r>
+              <a:rPr lang="en-US" dirty="0" err="1" smtClean="0"/>
+              <a:t>FoI</a:t>
+            </a:r>
+            <a:r>
+              <a:rPr lang="en-US" dirty="0" smtClean="0"/>
+              <a:t> definitions</a:t>
+            </a:r>
+          </a:p>
+          <a:p>
+            <a:pPr lvl="1"/>
+            <a:endParaRPr lang="en-US" dirty="0"/>
+          </a:p>
+        </p:txBody>
+      </p:sp>
+    </p:spTree>
+    <p:extLst>
+      <p:ext uri="{BB962C8B-B14F-4D97-AF65-F5344CB8AC3E}">
+        <p14:creationId xmlns:p14="http://schemas.microsoft.com/office/powerpoint/2010/main" val="1946377008"/>
+      </p:ext>
+    </p:extLst>
+  </p:cSld>
+  <p:clrMapOvr>
+    <a:masterClrMapping/>
+  </p:clrMapOvr>
+  <p:timing>
+    <p:tnLst>
+      <p:par>
+        <p:cTn id="1" dur="indefinite" restart="never" nodeType="tmRoot"/>
+      </p:par>
+    </p:tnLst>
+  </p:timing>
+</p:sld>
+</file>
+
+<file path=ppt/slides/slide2.xml><?xml version="1.0" encoding="utf-8"?>
+<p:sld xmlns:a="http://schemas.openxmlformats.org/drawingml/2006/main" xmlns:r="http://schemas.openxmlformats.org/officeDocument/2006/relationships" xmlns:p="http://schemas.openxmlformats.org/presentationml/2006/main">
+  <p:cSld>
+    <p:spTree>
+      <p:nvGrpSpPr>
+        <p:cNvPr id="1" name=""/>
+        <p:cNvGrpSpPr/>
+        <p:nvPr/>
+      </p:nvGrpSpPr>
+      <p:grpSpPr>
+        <a:xfrm>
+          <a:off x="0" y="0"/>
+          <a:ext cx="0" cy="0"/>
+          <a:chOff x="0" y="0"/>
+          <a:chExt cx="0" cy="0"/>
+        </a:xfrm>
+      </p:grpSpPr>
+      <p:sp>
+        <p:nvSpPr>
+          <p:cNvPr id="2" name="Title 1"/>
+          <p:cNvSpPr>
+            <a:spLocks noGrp="1"/>
+          </p:cNvSpPr>
+          <p:nvPr>
+            <p:ph type="title"/>
+          </p:nvPr>
+        </p:nvSpPr>
+        <p:spPr>
+          <a:xfrm>
+            <a:off x="628650" y="188335"/>
+            <a:ext cx="7886700" cy="1325563"/>
+          </a:xfrm>
+        </p:spPr>
+        <p:txBody>
+          <a:bodyPr/>
+          <a:lstStyle/>
+          <a:p>
+            <a:r>
+              <a:rPr lang="en-US" dirty="0" smtClean="0"/>
+              <a:t>Brief Status</a:t>
+            </a:r>
+            <a:endParaRPr lang="en-US" dirty="0"/>
+          </a:p>
+        </p:txBody>
+      </p:sp>
+      <p:sp>
+        <p:nvSpPr>
+          <p:cNvPr id="3" name="Content Placeholder 2"/>
+          <p:cNvSpPr>
+            <a:spLocks noGrp="1"/>
+          </p:cNvSpPr>
+          <p:nvPr>
+            <p:ph idx="1"/>
+          </p:nvPr>
+        </p:nvSpPr>
+        <p:spPr>
+          <a:xfrm>
+            <a:off x="628650" y="1586634"/>
+            <a:ext cx="7886700" cy="4351338"/>
+          </a:xfrm>
+        </p:spPr>
+        <p:txBody>
+          <a:bodyPr/>
+          <a:lstStyle/>
+          <a:p>
+            <a:r>
+              <a:rPr lang="en-US" dirty="0" smtClean="0"/>
+              <a:t>Community Group </a:t>
+            </a:r>
+            <a:r>
+              <a:rPr lang="en-US" dirty="0" smtClean="0"/>
+              <a:t>formed but </a:t>
+            </a:r>
+            <a:r>
+              <a:rPr lang="en-US" dirty="0" smtClean="0"/>
+              <a:t>still </a:t>
+            </a:r>
+            <a:r>
+              <a:rPr lang="en-US" dirty="0" smtClean="0"/>
+              <a:t>not active</a:t>
+            </a:r>
+          </a:p>
+          <a:p>
+            <a:pPr lvl="1"/>
+            <a:r>
+              <a:rPr lang="en-US" dirty="0" smtClean="0"/>
+              <a:t>Need to elect chairs and create the mail </a:t>
+            </a:r>
+            <a:r>
+              <a:rPr lang="en-US" dirty="0" smtClean="0"/>
+              <a:t>list</a:t>
+            </a:r>
+          </a:p>
+          <a:p>
+            <a:r>
+              <a:rPr lang="en-US" dirty="0"/>
+              <a:t>Integration of </a:t>
+            </a:r>
+            <a:r>
+              <a:rPr lang="en-US" dirty="0" err="1"/>
+              <a:t>IoT</a:t>
+            </a:r>
+            <a:r>
+              <a:rPr lang="en-US" dirty="0"/>
+              <a:t> extensions into </a:t>
+            </a:r>
+            <a:r>
+              <a:rPr lang="en-US" dirty="0" err="1"/>
+              <a:t>schema.org</a:t>
+            </a:r>
+            <a:endParaRPr lang="en-US" dirty="0"/>
+          </a:p>
+          <a:p>
+            <a:r>
+              <a:rPr lang="en-US" dirty="0" smtClean="0"/>
+              <a:t>One </a:t>
+            </a:r>
+            <a:r>
+              <a:rPr lang="en-US" dirty="0"/>
+              <a:t>Data Model </a:t>
+            </a:r>
+            <a:r>
+              <a:rPr lang="en-US" dirty="0" smtClean="0"/>
+              <a:t>proposal</a:t>
+            </a:r>
+            <a:endParaRPr lang="en-US" dirty="0"/>
+          </a:p>
+        </p:txBody>
+      </p:sp>
+    </p:spTree>
+    <p:extLst>
+      <p:ext uri="{BB962C8B-B14F-4D97-AF65-F5344CB8AC3E}">
+        <p14:creationId xmlns:p14="http://schemas.microsoft.com/office/powerpoint/2010/main" val="438735434"/>
+      </p:ext>
+    </p:extLst>
+  </p:cSld>
+  <p:clrMapOvr>
+    <a:masterClrMapping/>
+  </p:clrMapOvr>
+  <p:timing>
+    <p:tnLst>
+      <p:par>
+        <p:cTn id="1" dur="indefinite" restart="never" nodeType="tmRoot"/>
+      </p:par>
+    </p:tnLst>
+  </p:timing>
+</p:sld>
+</file>
+
+<file path=ppt/slides/slide3.xml><?xml version="1.0" encoding="utf-8"?>
+<p:sld xmlns:a="http://schemas.openxmlformats.org/drawingml/2006/main" xmlns:r="http://schemas.openxmlformats.org/officeDocument/2006/relationships" xmlns:p="http://schemas.openxmlformats.org/presentationml/2006/main">
+  <p:cSld>
+    <p:spTree>
+      <p:nvGrpSpPr>
+        <p:cNvPr id="1" name=""/>
+        <p:cNvGrpSpPr/>
+        <p:nvPr/>
+      </p:nvGrpSpPr>
+      <p:grpSpPr>
+        <a:xfrm>
+          <a:off x="0" y="0"/>
+          <a:ext cx="0" cy="0"/>
+          <a:chOff x="0" y="0"/>
+          <a:chExt cx="0" cy="0"/>
+        </a:xfrm>
+      </p:grpSpPr>
+      <p:sp>
+        <p:nvSpPr>
+          <p:cNvPr id="2" name="Title 1"/>
+          <p:cNvSpPr>
+            <a:spLocks noGrp="1"/>
+          </p:cNvSpPr>
+          <p:nvPr>
+            <p:ph type="title"/>
+          </p:nvPr>
+        </p:nvSpPr>
+        <p:spPr>
+          <a:xfrm>
+            <a:off x="628650" y="48780"/>
+            <a:ext cx="7886700" cy="1325563"/>
+          </a:xfrm>
+        </p:spPr>
+        <p:txBody>
+          <a:bodyPr/>
+          <a:lstStyle/>
+          <a:p>
+            <a:r>
+              <a:rPr lang="en-US" dirty="0" err="1" smtClean="0"/>
+              <a:t>Schema.org</a:t>
+            </a:r>
+            <a:r>
+              <a:rPr lang="en-US" dirty="0" smtClean="0"/>
+              <a:t> integration</a:t>
+            </a:r>
+            <a:endParaRPr lang="en-US" dirty="0"/>
+          </a:p>
+        </p:txBody>
+      </p:sp>
+      <p:sp>
+        <p:nvSpPr>
+          <p:cNvPr id="3" name="Content Placeholder 2"/>
+          <p:cNvSpPr>
+            <a:spLocks noGrp="1"/>
+          </p:cNvSpPr>
+          <p:nvPr>
+            <p:ph idx="1"/>
+          </p:nvPr>
+        </p:nvSpPr>
+        <p:spPr>
+          <a:xfrm>
+            <a:off x="628650" y="1280823"/>
+            <a:ext cx="7886700" cy="5016067"/>
+          </a:xfrm>
+        </p:spPr>
+        <p:txBody>
+          <a:bodyPr/>
+          <a:lstStyle/>
+          <a:p>
+            <a:r>
+              <a:rPr lang="en-US" dirty="0" smtClean="0"/>
+              <a:t>Contribution to </a:t>
+            </a:r>
+            <a:r>
+              <a:rPr lang="en-US" dirty="0" err="1" smtClean="0"/>
+              <a:t>schema.org</a:t>
+            </a:r>
+            <a:r>
+              <a:rPr lang="en-US" dirty="0" smtClean="0"/>
+              <a:t> based on our prototype definition ontology </a:t>
+            </a:r>
+            <a:r>
+              <a:rPr lang="en-US" dirty="0"/>
+              <a:t>(</a:t>
+            </a:r>
+            <a:r>
+              <a:rPr lang="en-US" dirty="0" smtClean="0"/>
+              <a:t>the terms need work)</a:t>
+            </a:r>
+          </a:p>
+          <a:p>
+            <a:r>
+              <a:rPr lang="en-US" dirty="0" smtClean="0"/>
+              <a:t>Capability, </a:t>
+            </a:r>
+            <a:r>
+              <a:rPr lang="en-US" dirty="0" err="1" smtClean="0"/>
+              <a:t>InteractionAffordance</a:t>
+            </a:r>
+            <a:r>
+              <a:rPr lang="en-US" dirty="0" smtClean="0"/>
+              <a:t>, Event, Action, Property, </a:t>
+            </a:r>
+            <a:r>
+              <a:rPr lang="en-US" dirty="0" err="1" smtClean="0"/>
+              <a:t>DataItem</a:t>
+            </a:r>
+            <a:r>
+              <a:rPr lang="en-US" dirty="0" smtClean="0"/>
+              <a:t> classes</a:t>
+            </a:r>
+          </a:p>
+          <a:p>
+            <a:r>
+              <a:rPr lang="en-US" dirty="0" err="1" smtClean="0"/>
+              <a:t>ProvidesInteractionPattern</a:t>
+            </a:r>
+            <a:r>
+              <a:rPr lang="en-US" dirty="0" smtClean="0"/>
+              <a:t>, </a:t>
+            </a:r>
+            <a:r>
+              <a:rPr lang="en-US" dirty="0" err="1" smtClean="0"/>
+              <a:t>AcceptsInputData</a:t>
+            </a:r>
+            <a:r>
+              <a:rPr lang="en-US" dirty="0" smtClean="0"/>
+              <a:t>, </a:t>
+            </a:r>
+            <a:r>
+              <a:rPr lang="en-US" dirty="0" err="1" smtClean="0"/>
+              <a:t>ProvidesOutputData</a:t>
+            </a:r>
+            <a:r>
+              <a:rPr lang="en-US" dirty="0" smtClean="0"/>
+              <a:t> property types</a:t>
+            </a:r>
+          </a:p>
+          <a:p>
+            <a:r>
+              <a:rPr lang="en-US" dirty="0" err="1" smtClean="0"/>
+              <a:t>DataItem</a:t>
+            </a:r>
+            <a:r>
+              <a:rPr lang="en-US" dirty="0" smtClean="0"/>
+              <a:t> constraints using </a:t>
+            </a:r>
+            <a:r>
+              <a:rPr lang="en-US" dirty="0" err="1" smtClean="0"/>
+              <a:t>PropertyValueConstraint</a:t>
+            </a:r>
+            <a:r>
+              <a:rPr lang="en-US" dirty="0" smtClean="0"/>
+              <a:t> or other suitable </a:t>
+            </a:r>
+            <a:r>
+              <a:rPr lang="en-US" dirty="0" err="1" smtClean="0"/>
+              <a:t>vocabilaries</a:t>
+            </a:r>
+            <a:r>
+              <a:rPr lang="en-US" dirty="0" smtClean="0"/>
+              <a:t> (e.g. JSON Schema)</a:t>
+            </a:r>
+          </a:p>
+          <a:p>
+            <a:r>
+              <a:rPr lang="en-US" dirty="0" err="1" smtClean="0"/>
+              <a:t>FoI</a:t>
+            </a:r>
+            <a:r>
+              <a:rPr lang="en-US" dirty="0" smtClean="0"/>
+              <a:t> property types</a:t>
+            </a:r>
+          </a:p>
+          <a:p>
+            <a:r>
+              <a:rPr lang="en-US" dirty="0" smtClean="0"/>
+              <a:t>The definitions can be in external namespaces, only the core model needs to be accepted to start</a:t>
+            </a:r>
+            <a:endParaRPr lang="en-US" dirty="0"/>
+          </a:p>
+        </p:txBody>
+      </p:sp>
+    </p:spTree>
+    <p:extLst>
+      <p:ext uri="{BB962C8B-B14F-4D97-AF65-F5344CB8AC3E}">
+        <p14:creationId xmlns:p14="http://schemas.microsoft.com/office/powerpoint/2010/main" val="1223181362"/>
+      </p:ext>
+    </p:extLst>
+  </p:cSld>
+  <p:clrMapOvr>
+    <a:masterClrMapping/>
+  </p:clrMapOvr>
+  <p:timing>
+    <p:tnLst>
+      <p:par>
+        <p:cTn id="1" dur="indefinite" restart="never" nodeType="tmRoot"/>
+      </p:par>
+    </p:tnLst>
+  </p:timing>
+</p:sld>
+</file>
+
+<file path=ppt/slides/slide4.xml><?xml version="1.0" encoding="utf-8"?>
 <p:sld xmlns:a="http://schemas.openxmlformats.org/drawingml/2006/main" xmlns:r="http://schemas.openxmlformats.org/officeDocument/2006/relationships" xmlns:p="http://schemas.openxmlformats.org/presentationml/2006/main">
   <p:cSld>
     <p:spTree>
@@ -4874,1305 +8315,7 @@
     </p:spTree>
     <p:extLst>
       <p:ext uri="{BB962C8B-B14F-4D97-AF65-F5344CB8AC3E}">
-        <p14:creationId xmlns:p14="http://schemas.microsoft.com/office/powerpoint/2010/main" val="348101098"/>
-      </p:ext>
-    </p:extLst>
-  </p:cSld>
-  <p:clrMapOvr>
-    <a:masterClrMapping/>
-  </p:clrMapOvr>
-  <p:timing>
-    <p:tnLst>
-      <p:par>
-        <p:cTn id="1" dur="indefinite" restart="never" nodeType="tmRoot"/>
-      </p:par>
-    </p:tnLst>
-  </p:timing>
-</p:sld>
-</file>
-
-<file path=ppt/slides/slide12.xml><?xml version="1.0" encoding="utf-8"?>
-<p:sld xmlns:a="http://schemas.openxmlformats.org/drawingml/2006/main" xmlns:r="http://schemas.openxmlformats.org/officeDocument/2006/relationships" xmlns:p="http://schemas.openxmlformats.org/presentationml/2006/main">
-  <p:cSld>
-    <p:spTree>
-      <p:nvGrpSpPr>
-        <p:cNvPr id="1" name=""/>
-        <p:cNvGrpSpPr/>
-        <p:nvPr/>
-      </p:nvGrpSpPr>
-      <p:grpSpPr>
-        <a:xfrm>
-          <a:off x="0" y="0"/>
-          <a:ext cx="0" cy="0"/>
-          <a:chOff x="0" y="0"/>
-          <a:chExt cx="0" cy="0"/>
-        </a:xfrm>
-      </p:grpSpPr>
-      <p:sp>
-        <p:nvSpPr>
-          <p:cNvPr id="2" name="Title 1"/>
-          <p:cNvSpPr>
-            <a:spLocks noGrp="1"/>
-          </p:cNvSpPr>
-          <p:nvPr>
-            <p:ph type="title"/>
-          </p:nvPr>
-        </p:nvSpPr>
-        <p:spPr>
-          <a:xfrm>
-            <a:off x="628650" y="159220"/>
-            <a:ext cx="7886700" cy="1325563"/>
-          </a:xfrm>
-        </p:spPr>
-        <p:txBody>
-          <a:bodyPr/>
-          <a:lstStyle/>
-          <a:p>
-            <a:r>
-              <a:rPr lang="en-US" dirty="0" smtClean="0"/>
-              <a:t>Feature of Interest Properties</a:t>
-            </a:r>
-            <a:endParaRPr lang="en-US" dirty="0"/>
-          </a:p>
-        </p:txBody>
-      </p:sp>
-      <p:pic>
-        <p:nvPicPr>
-          <p:cNvPr id="4" name="Picture 3" descr="D:\Work\Work on WoT Embedded Semantic Framework\Repositories\siemens-semantic-models\Haystack-iot.schema\Feature-Of-Interest-Pattern.png"/>
-          <p:cNvPicPr>
-            <a:picLocks noChangeAspect="1" noChangeArrowheads="1"/>
-          </p:cNvPicPr>
-          <p:nvPr/>
-        </p:nvPicPr>
-        <p:blipFill>
-          <a:blip r:embed="rId2" cstate="print"/>
-          <a:srcRect/>
-          <a:stretch>
-            <a:fillRect/>
-          </a:stretch>
-        </p:blipFill>
-        <p:spPr bwMode="auto">
-          <a:xfrm>
-            <a:off x="628650" y="1588692"/>
-            <a:ext cx="7488832" cy="4758661"/>
-          </a:xfrm>
-          <a:prstGeom prst="rect">
-            <a:avLst/>
-          </a:prstGeom>
-          <a:noFill/>
-        </p:spPr>
-      </p:pic>
-    </p:spTree>
-    <p:extLst>
-      <p:ext uri="{BB962C8B-B14F-4D97-AF65-F5344CB8AC3E}">
-        <p14:creationId xmlns:p14="http://schemas.microsoft.com/office/powerpoint/2010/main" val="1982676971"/>
-      </p:ext>
-    </p:extLst>
-  </p:cSld>
-  <p:clrMapOvr>
-    <a:masterClrMapping/>
-  </p:clrMapOvr>
-  <p:timing>
-    <p:tnLst>
-      <p:par>
-        <p:cTn id="1" dur="indefinite" restart="never" nodeType="tmRoot"/>
-      </p:par>
-    </p:tnLst>
-  </p:timing>
-</p:sld>
-</file>
-
-<file path=ppt/slides/slide13.xml><?xml version="1.0" encoding="utf-8"?>
-<p:sld xmlns:a="http://schemas.openxmlformats.org/drawingml/2006/main" xmlns:r="http://schemas.openxmlformats.org/officeDocument/2006/relationships" xmlns:p="http://schemas.openxmlformats.org/presentationml/2006/main">
-  <p:cSld>
-    <p:spTree>
-      <p:nvGrpSpPr>
-        <p:cNvPr id="1" name=""/>
-        <p:cNvGrpSpPr/>
-        <p:nvPr/>
-      </p:nvGrpSpPr>
-      <p:grpSpPr>
-        <a:xfrm>
-          <a:off x="0" y="0"/>
-          <a:ext cx="0" cy="0"/>
-          <a:chOff x="0" y="0"/>
-          <a:chExt cx="0" cy="0"/>
-        </a:xfrm>
-      </p:grpSpPr>
-      <p:sp>
-        <p:nvSpPr>
-          <p:cNvPr id="2" name="Title 1"/>
-          <p:cNvSpPr>
-            <a:spLocks noGrp="1"/>
-          </p:cNvSpPr>
-          <p:nvPr>
-            <p:ph type="title"/>
-          </p:nvPr>
-        </p:nvSpPr>
-        <p:spPr/>
-        <p:txBody>
-          <a:bodyPr/>
-          <a:lstStyle/>
-          <a:p>
-            <a:r>
-              <a:rPr lang="en-US" dirty="0" err="1" smtClean="0"/>
-              <a:t>Schema.org</a:t>
-            </a:r>
-            <a:r>
-              <a:rPr lang="en-US" dirty="0" smtClean="0"/>
-              <a:t> integration</a:t>
-            </a:r>
-            <a:endParaRPr lang="en-US" dirty="0"/>
-          </a:p>
-        </p:txBody>
-      </p:sp>
-      <p:sp>
-        <p:nvSpPr>
-          <p:cNvPr id="3" name="Content Placeholder 2"/>
-          <p:cNvSpPr>
-            <a:spLocks noGrp="1"/>
-          </p:cNvSpPr>
-          <p:nvPr>
-            <p:ph idx="1"/>
-          </p:nvPr>
-        </p:nvSpPr>
-        <p:spPr/>
-        <p:txBody>
-          <a:bodyPr/>
-          <a:lstStyle/>
-          <a:p>
-            <a:r>
-              <a:rPr lang="en-US" dirty="0" smtClean="0"/>
-              <a:t>Drive it through issues and discussion on our </a:t>
-            </a:r>
-            <a:r>
-              <a:rPr lang="en-US" dirty="0" err="1" smtClean="0"/>
-              <a:t>iotschema-collab</a:t>
-            </a:r>
-            <a:r>
-              <a:rPr lang="en-US" dirty="0" smtClean="0"/>
-              <a:t> </a:t>
-            </a:r>
-            <a:r>
-              <a:rPr lang="en-US" dirty="0" err="1" smtClean="0"/>
-              <a:t>github</a:t>
-            </a:r>
-            <a:r>
-              <a:rPr lang="en-US" dirty="0" smtClean="0"/>
-              <a:t> organization and in the new CG</a:t>
-            </a:r>
-          </a:p>
-          <a:p>
-            <a:r>
-              <a:rPr lang="en-US" dirty="0" smtClean="0"/>
-              <a:t>At some key point, create issues on the </a:t>
-            </a:r>
-            <a:r>
-              <a:rPr lang="en-US" dirty="0" err="1" smtClean="0"/>
-              <a:t>schema.org</a:t>
-            </a:r>
-            <a:r>
-              <a:rPr lang="en-US" dirty="0" smtClean="0"/>
-              <a:t> </a:t>
-            </a:r>
-            <a:r>
-              <a:rPr lang="en-US" dirty="0" err="1" smtClean="0"/>
-              <a:t>github</a:t>
-            </a:r>
-            <a:r>
-              <a:rPr lang="en-US" dirty="0" smtClean="0"/>
-              <a:t> organization</a:t>
-            </a:r>
-          </a:p>
-          <a:p>
-            <a:endParaRPr lang="en-US" dirty="0"/>
-          </a:p>
-        </p:txBody>
-      </p:sp>
-    </p:spTree>
-    <p:extLst>
-      <p:ext uri="{BB962C8B-B14F-4D97-AF65-F5344CB8AC3E}">
-        <p14:creationId xmlns:p14="http://schemas.microsoft.com/office/powerpoint/2010/main" val="1210971266"/>
-      </p:ext>
-    </p:extLst>
-  </p:cSld>
-  <p:clrMapOvr>
-    <a:masterClrMapping/>
-  </p:clrMapOvr>
-  <p:timing>
-    <p:tnLst>
-      <p:par>
-        <p:cTn id="1" dur="indefinite" restart="never" nodeType="tmRoot"/>
-      </p:par>
-    </p:tnLst>
-  </p:timing>
-</p:sld>
-</file>
-
-<file path=ppt/slides/slide14.xml><?xml version="1.0" encoding="utf-8"?>
-<p:sld xmlns:a="http://schemas.openxmlformats.org/drawingml/2006/main" xmlns:r="http://schemas.openxmlformats.org/officeDocument/2006/relationships" xmlns:p="http://schemas.openxmlformats.org/presentationml/2006/main">
-  <p:cSld>
-    <p:spTree>
-      <p:nvGrpSpPr>
-        <p:cNvPr id="1" name=""/>
-        <p:cNvGrpSpPr/>
-        <p:nvPr/>
-      </p:nvGrpSpPr>
-      <p:grpSpPr>
-        <a:xfrm>
-          <a:off x="0" y="0"/>
-          <a:ext cx="0" cy="0"/>
-          <a:chOff x="0" y="0"/>
-          <a:chExt cx="0" cy="0"/>
-        </a:xfrm>
-      </p:grpSpPr>
-      <p:sp>
-        <p:nvSpPr>
-          <p:cNvPr id="2" name="Title 1"/>
-          <p:cNvSpPr>
-            <a:spLocks noGrp="1"/>
-          </p:cNvSpPr>
-          <p:nvPr>
-            <p:ph type="title"/>
-          </p:nvPr>
-        </p:nvSpPr>
-        <p:spPr/>
-        <p:txBody>
-          <a:bodyPr/>
-          <a:lstStyle/>
-          <a:p>
-            <a:r>
-              <a:rPr lang="en-US" dirty="0" smtClean="0"/>
-              <a:t>Technical Plan </a:t>
-            </a:r>
-            <a:r>
-              <a:rPr lang="mr-IN" dirty="0" smtClean="0"/>
-              <a:t>–</a:t>
-            </a:r>
-            <a:r>
-              <a:rPr lang="en-US" dirty="0" smtClean="0"/>
-              <a:t> </a:t>
-            </a:r>
-            <a:r>
-              <a:rPr lang="en-US" dirty="0" err="1" smtClean="0"/>
-              <a:t>Schema.org</a:t>
-            </a:r>
-            <a:r>
-              <a:rPr lang="en-US" dirty="0" smtClean="0"/>
-              <a:t> Integration</a:t>
-            </a:r>
-            <a:endParaRPr lang="en-US" dirty="0"/>
-          </a:p>
-        </p:txBody>
-      </p:sp>
-      <p:sp>
-        <p:nvSpPr>
-          <p:cNvPr id="3" name="Content Placeholder 2"/>
-          <p:cNvSpPr>
-            <a:spLocks noGrp="1"/>
-          </p:cNvSpPr>
-          <p:nvPr>
-            <p:ph idx="1"/>
-          </p:nvPr>
-        </p:nvSpPr>
-        <p:spPr/>
-        <p:txBody>
-          <a:bodyPr/>
-          <a:lstStyle/>
-          <a:p>
-            <a:r>
-              <a:rPr lang="en-US" dirty="0" smtClean="0"/>
-              <a:t>Develop the existing ontology to be suitable for integration into </a:t>
-            </a:r>
-            <a:r>
-              <a:rPr lang="en-US" dirty="0" err="1" smtClean="0"/>
-              <a:t>schema.org</a:t>
-            </a:r>
-            <a:endParaRPr lang="en-US" dirty="0" smtClean="0"/>
-          </a:p>
-          <a:p>
-            <a:pPr lvl="1"/>
-            <a:r>
-              <a:rPr lang="en-US" dirty="0" smtClean="0"/>
-              <a:t>Terminology needs broad agreement</a:t>
-            </a:r>
-            <a:endParaRPr lang="en-US" dirty="0"/>
-          </a:p>
-          <a:p>
-            <a:r>
-              <a:rPr lang="en-US" dirty="0" smtClean="0"/>
-              <a:t>Develop the references and browser navigation hooks to definitions in external namespaces </a:t>
-            </a:r>
-          </a:p>
-        </p:txBody>
-      </p:sp>
-    </p:spTree>
-    <p:extLst>
-      <p:ext uri="{BB962C8B-B14F-4D97-AF65-F5344CB8AC3E}">
-        <p14:creationId xmlns:p14="http://schemas.microsoft.com/office/powerpoint/2010/main" val="1394831986"/>
-      </p:ext>
-    </p:extLst>
-  </p:cSld>
-  <p:clrMapOvr>
-    <a:masterClrMapping/>
-  </p:clrMapOvr>
-  <p:timing>
-    <p:tnLst>
-      <p:par>
-        <p:cTn id="1" dur="indefinite" restart="never" nodeType="tmRoot"/>
-      </p:par>
-    </p:tnLst>
-  </p:timing>
-</p:sld>
-</file>
-
-<file path=ppt/slides/slide15.xml><?xml version="1.0" encoding="utf-8"?>
-<p:sld xmlns:a="http://schemas.openxmlformats.org/drawingml/2006/main" xmlns:r="http://schemas.openxmlformats.org/officeDocument/2006/relationships" xmlns:p="http://schemas.openxmlformats.org/presentationml/2006/main">
-  <p:cSld>
-    <p:spTree>
-      <p:nvGrpSpPr>
-        <p:cNvPr id="1" name=""/>
-        <p:cNvGrpSpPr/>
-        <p:nvPr/>
-      </p:nvGrpSpPr>
-      <p:grpSpPr>
-        <a:xfrm>
-          <a:off x="0" y="0"/>
-          <a:ext cx="0" cy="0"/>
-          <a:chOff x="0" y="0"/>
-          <a:chExt cx="0" cy="0"/>
-        </a:xfrm>
-      </p:grpSpPr>
-      <p:sp>
-        <p:nvSpPr>
-          <p:cNvPr id="2" name="Title 1"/>
-          <p:cNvSpPr>
-            <a:spLocks noGrp="1"/>
-          </p:cNvSpPr>
-          <p:nvPr>
-            <p:ph type="title"/>
-          </p:nvPr>
-        </p:nvSpPr>
-        <p:spPr>
-          <a:xfrm>
-            <a:off x="628650" y="136525"/>
-            <a:ext cx="7886700" cy="1325563"/>
-          </a:xfrm>
-        </p:spPr>
-        <p:txBody>
-          <a:bodyPr/>
-          <a:lstStyle/>
-          <a:p>
-            <a:r>
-              <a:rPr lang="en-US" dirty="0" smtClean="0"/>
-              <a:t>Technical Plan </a:t>
-            </a:r>
-            <a:r>
-              <a:rPr lang="mr-IN" dirty="0" smtClean="0"/>
-              <a:t>–</a:t>
-            </a:r>
-            <a:r>
-              <a:rPr lang="en-US" dirty="0" smtClean="0"/>
-              <a:t> Definitions </a:t>
-            </a:r>
-            <a:endParaRPr lang="en-US" dirty="0"/>
-          </a:p>
-        </p:txBody>
-      </p:sp>
-      <p:sp>
-        <p:nvSpPr>
-          <p:cNvPr id="3" name="Content Placeholder 2"/>
-          <p:cNvSpPr>
-            <a:spLocks noGrp="1"/>
-          </p:cNvSpPr>
-          <p:nvPr>
-            <p:ph idx="1"/>
-          </p:nvPr>
-        </p:nvSpPr>
-        <p:spPr>
-          <a:xfrm>
-            <a:off x="628650" y="1389351"/>
-            <a:ext cx="7886700" cy="4751675"/>
-          </a:xfrm>
-        </p:spPr>
-        <p:txBody>
-          <a:bodyPr/>
-          <a:lstStyle/>
-          <a:p>
-            <a:r>
-              <a:rPr lang="en-US" dirty="0" smtClean="0"/>
-              <a:t>Create example definition sets from existing ecosystems </a:t>
-            </a:r>
-            <a:r>
-              <a:rPr lang="mr-IN" dirty="0" smtClean="0"/>
-              <a:t>–</a:t>
-            </a:r>
-            <a:r>
-              <a:rPr lang="en-US" dirty="0" smtClean="0"/>
-              <a:t> Annotation and Feature Extraction</a:t>
-            </a:r>
-          </a:p>
-          <a:p>
-            <a:pPr lvl="1"/>
-            <a:r>
-              <a:rPr lang="en-US" dirty="0" smtClean="0"/>
-              <a:t>ZCL/</a:t>
-            </a:r>
-            <a:r>
-              <a:rPr lang="en-US" dirty="0" err="1" smtClean="0"/>
-              <a:t>dotdot</a:t>
-            </a:r>
-            <a:r>
-              <a:rPr lang="en-US" dirty="0" smtClean="0"/>
-              <a:t>, OCF, LWM2M, SmartThings</a:t>
-            </a:r>
-          </a:p>
-          <a:p>
-            <a:r>
-              <a:rPr lang="en-US" dirty="0" smtClean="0"/>
-              <a:t>Create a </a:t>
-            </a:r>
-            <a:r>
-              <a:rPr lang="en-US" dirty="0"/>
-              <a:t>D</a:t>
-            </a:r>
-            <a:r>
-              <a:rPr lang="en-US" dirty="0" smtClean="0"/>
-              <a:t>eveloper Guideline for new definitions and for using existing definitions</a:t>
-            </a:r>
-          </a:p>
-          <a:p>
-            <a:r>
-              <a:rPr lang="en-US" dirty="0" smtClean="0"/>
-              <a:t>Collect useful tools and scripts</a:t>
-            </a:r>
-          </a:p>
-          <a:p>
-            <a:r>
-              <a:rPr lang="en-US" dirty="0" smtClean="0"/>
-              <a:t>New classes</a:t>
-            </a:r>
-          </a:p>
-          <a:p>
-            <a:pPr lvl="1"/>
-            <a:r>
-              <a:rPr lang="en-US" dirty="0" smtClean="0"/>
-              <a:t>Data classes</a:t>
-            </a:r>
-          </a:p>
-          <a:p>
-            <a:pPr lvl="1"/>
-            <a:r>
-              <a:rPr lang="en-US" dirty="0" smtClean="0"/>
-              <a:t>Capability sets for common Thing types?</a:t>
-            </a:r>
-          </a:p>
-          <a:p>
-            <a:pPr lvl="1"/>
-            <a:r>
-              <a:rPr lang="en-US" dirty="0" smtClean="0"/>
-              <a:t>Definitions for common Enumerations?</a:t>
-            </a:r>
-          </a:p>
-        </p:txBody>
-      </p:sp>
-    </p:spTree>
-    <p:extLst>
-      <p:ext uri="{BB962C8B-B14F-4D97-AF65-F5344CB8AC3E}">
-        <p14:creationId xmlns:p14="http://schemas.microsoft.com/office/powerpoint/2010/main" val="1703418646"/>
-      </p:ext>
-    </p:extLst>
-  </p:cSld>
-  <p:clrMapOvr>
-    <a:masterClrMapping/>
-  </p:clrMapOvr>
-  <p:timing>
-    <p:tnLst>
-      <p:par>
-        <p:cTn id="1" dur="indefinite" restart="never" nodeType="tmRoot"/>
-      </p:par>
-    </p:tnLst>
-  </p:timing>
-</p:sld>
-</file>
-
-<file path=ppt/slides/slide16.xml><?xml version="1.0" encoding="utf-8"?>
-<p:sld xmlns:a="http://schemas.openxmlformats.org/drawingml/2006/main" xmlns:r="http://schemas.openxmlformats.org/officeDocument/2006/relationships" xmlns:p="http://schemas.openxmlformats.org/presentationml/2006/main">
-  <p:cSld>
-    <p:spTree>
-      <p:nvGrpSpPr>
-        <p:cNvPr id="1" name=""/>
-        <p:cNvGrpSpPr/>
-        <p:nvPr/>
-      </p:nvGrpSpPr>
-      <p:grpSpPr>
-        <a:xfrm>
-          <a:off x="0" y="0"/>
-          <a:ext cx="0" cy="0"/>
-          <a:chOff x="0" y="0"/>
-          <a:chExt cx="0" cy="0"/>
-        </a:xfrm>
-      </p:grpSpPr>
-      <p:sp>
-        <p:nvSpPr>
-          <p:cNvPr id="2" name="Title 1"/>
-          <p:cNvSpPr>
-            <a:spLocks noGrp="1"/>
-          </p:cNvSpPr>
-          <p:nvPr>
-            <p:ph type="title"/>
-          </p:nvPr>
-        </p:nvSpPr>
-        <p:spPr/>
-        <p:txBody>
-          <a:bodyPr/>
-          <a:lstStyle/>
-          <a:p>
-            <a:r>
-              <a:rPr lang="en-US" dirty="0" smtClean="0"/>
-              <a:t>Technical Plan </a:t>
-            </a:r>
-            <a:r>
-              <a:rPr lang="mr-IN" dirty="0" smtClean="0"/>
-              <a:t>–</a:t>
-            </a:r>
-            <a:r>
-              <a:rPr lang="en-US" dirty="0" smtClean="0"/>
-              <a:t> Web Interface </a:t>
-            </a:r>
-            <a:endParaRPr lang="en-US" dirty="0"/>
-          </a:p>
-        </p:txBody>
-      </p:sp>
-      <p:sp>
-        <p:nvSpPr>
-          <p:cNvPr id="3" name="Content Placeholder 2"/>
-          <p:cNvSpPr>
-            <a:spLocks noGrp="1"/>
-          </p:cNvSpPr>
-          <p:nvPr>
-            <p:ph idx="1"/>
-          </p:nvPr>
-        </p:nvSpPr>
-        <p:spPr/>
-        <p:txBody>
-          <a:bodyPr/>
-          <a:lstStyle/>
-          <a:p>
-            <a:r>
-              <a:rPr lang="en-US" dirty="0" smtClean="0"/>
-              <a:t>Add Shapes Constraints to the definitions </a:t>
-            </a:r>
-            <a:endParaRPr lang="en-US" dirty="0"/>
-          </a:p>
-          <a:p>
-            <a:r>
-              <a:rPr lang="en-US" dirty="0" smtClean="0"/>
-              <a:t>Develop the browser navigation hooks </a:t>
-            </a:r>
-          </a:p>
-          <a:p>
-            <a:r>
-              <a:rPr lang="en-US" dirty="0" smtClean="0"/>
-              <a:t>Determine namespace references from </a:t>
-            </a:r>
-            <a:r>
-              <a:rPr lang="en-US" dirty="0" err="1" smtClean="0"/>
-              <a:t>schema.org</a:t>
-            </a:r>
-            <a:endParaRPr lang="en-US" dirty="0" smtClean="0"/>
-          </a:p>
-          <a:p>
-            <a:endParaRPr lang="en-US" dirty="0"/>
-          </a:p>
-        </p:txBody>
-      </p:sp>
-    </p:spTree>
-    <p:extLst>
-      <p:ext uri="{BB962C8B-B14F-4D97-AF65-F5344CB8AC3E}">
-        <p14:creationId xmlns:p14="http://schemas.microsoft.com/office/powerpoint/2010/main" val="345691035"/>
-      </p:ext>
-    </p:extLst>
-  </p:cSld>
-  <p:clrMapOvr>
-    <a:masterClrMapping/>
-  </p:clrMapOvr>
-  <p:timing>
-    <p:tnLst>
-      <p:par>
-        <p:cTn id="1" dur="indefinite" restart="never" nodeType="tmRoot"/>
-      </p:par>
-    </p:tnLst>
-  </p:timing>
-</p:sld>
-</file>
-
-<file path=ppt/slides/slide17.xml><?xml version="1.0" encoding="utf-8"?>
-<p:sld xmlns:a="http://schemas.openxmlformats.org/drawingml/2006/main" xmlns:r="http://schemas.openxmlformats.org/officeDocument/2006/relationships" xmlns:p="http://schemas.openxmlformats.org/presentationml/2006/main">
-  <p:cSld>
-    <p:spTree>
-      <p:nvGrpSpPr>
-        <p:cNvPr id="1" name=""/>
-        <p:cNvGrpSpPr/>
-        <p:nvPr/>
-      </p:nvGrpSpPr>
-      <p:grpSpPr>
-        <a:xfrm>
-          <a:off x="0" y="0"/>
-          <a:ext cx="0" cy="0"/>
-          <a:chOff x="0" y="0"/>
-          <a:chExt cx="0" cy="0"/>
-        </a:xfrm>
-      </p:grpSpPr>
-      <p:sp>
-        <p:nvSpPr>
-          <p:cNvPr id="2" name="Title 1"/>
-          <p:cNvSpPr>
-            <a:spLocks noGrp="1"/>
-          </p:cNvSpPr>
-          <p:nvPr>
-            <p:ph type="title"/>
-          </p:nvPr>
-        </p:nvSpPr>
-        <p:spPr/>
-        <p:txBody>
-          <a:bodyPr/>
-          <a:lstStyle/>
-          <a:p>
-            <a:r>
-              <a:rPr lang="en-US" dirty="0" smtClean="0"/>
-              <a:t>Technical Plan </a:t>
-            </a:r>
-            <a:r>
-              <a:rPr lang="mr-IN" dirty="0" smtClean="0"/>
-              <a:t>–</a:t>
-            </a:r>
-            <a:r>
-              <a:rPr lang="en-US" dirty="0" smtClean="0"/>
-              <a:t> Feature of Interest</a:t>
-            </a:r>
-            <a:endParaRPr lang="en-US" dirty="0"/>
-          </a:p>
-        </p:txBody>
-      </p:sp>
-      <p:sp>
-        <p:nvSpPr>
-          <p:cNvPr id="3" name="Content Placeholder 2"/>
-          <p:cNvSpPr>
-            <a:spLocks noGrp="1"/>
-          </p:cNvSpPr>
-          <p:nvPr>
-            <p:ph idx="1"/>
-          </p:nvPr>
-        </p:nvSpPr>
-        <p:spPr/>
-        <p:txBody>
-          <a:bodyPr/>
-          <a:lstStyle/>
-          <a:p>
-            <a:r>
-              <a:rPr lang="en-US" dirty="0" smtClean="0"/>
-              <a:t>Develop integrations for external </a:t>
-            </a:r>
-            <a:r>
-              <a:rPr lang="en-US" dirty="0" err="1" smtClean="0"/>
-              <a:t>FoI</a:t>
-            </a:r>
-            <a:r>
-              <a:rPr lang="en-US" dirty="0" smtClean="0"/>
-              <a:t> ontologies</a:t>
-            </a:r>
-          </a:p>
-          <a:p>
-            <a:pPr lvl="1"/>
-            <a:r>
-              <a:rPr lang="en-US" dirty="0" smtClean="0"/>
-              <a:t>Automotive (VSS Schema)</a:t>
-            </a:r>
-          </a:p>
-          <a:p>
-            <a:pPr lvl="1"/>
-            <a:r>
-              <a:rPr lang="en-US" dirty="0" smtClean="0"/>
-              <a:t>Buildings (Brick Schema)</a:t>
-            </a:r>
-          </a:p>
-          <a:p>
-            <a:pPr lvl="1"/>
-            <a:r>
-              <a:rPr lang="en-US" dirty="0" smtClean="0"/>
-              <a:t>Sensor data and geospatial (W3C, OGC)</a:t>
-            </a:r>
-          </a:p>
-          <a:p>
-            <a:pPr lvl="1"/>
-            <a:r>
-              <a:rPr lang="en-US" dirty="0" smtClean="0"/>
-              <a:t>Industrial (IIC collaboration?)</a:t>
-            </a:r>
-          </a:p>
-          <a:p>
-            <a:r>
-              <a:rPr lang="en-US" dirty="0" smtClean="0"/>
-              <a:t>Examples of annotations including domain-specific </a:t>
-            </a:r>
-            <a:r>
-              <a:rPr lang="en-US" dirty="0" err="1" smtClean="0"/>
-              <a:t>FoI</a:t>
-            </a:r>
-            <a:r>
-              <a:rPr lang="en-US" dirty="0" smtClean="0"/>
-              <a:t> definitions</a:t>
-            </a:r>
-          </a:p>
-          <a:p>
-            <a:pPr lvl="1"/>
-            <a:endParaRPr lang="en-US" dirty="0"/>
-          </a:p>
-        </p:txBody>
-      </p:sp>
-    </p:spTree>
-    <p:extLst>
-      <p:ext uri="{BB962C8B-B14F-4D97-AF65-F5344CB8AC3E}">
-        <p14:creationId xmlns:p14="http://schemas.microsoft.com/office/powerpoint/2010/main" val="1946377008"/>
-      </p:ext>
-    </p:extLst>
-  </p:cSld>
-  <p:clrMapOvr>
-    <a:masterClrMapping/>
-  </p:clrMapOvr>
-  <p:timing>
-    <p:tnLst>
-      <p:par>
-        <p:cTn id="1" dur="indefinite" restart="never" nodeType="tmRoot"/>
-      </p:par>
-    </p:tnLst>
-  </p:timing>
-</p:sld>
-</file>
-
-<file path=ppt/slides/slide2.xml><?xml version="1.0" encoding="utf-8"?>
-<p:sld xmlns:a="http://schemas.openxmlformats.org/drawingml/2006/main" xmlns:r="http://schemas.openxmlformats.org/officeDocument/2006/relationships" xmlns:p="http://schemas.openxmlformats.org/presentationml/2006/main">
-  <p:cSld>
-    <p:spTree>
-      <p:nvGrpSpPr>
-        <p:cNvPr id="1" name=""/>
-        <p:cNvGrpSpPr/>
-        <p:nvPr/>
-      </p:nvGrpSpPr>
-      <p:grpSpPr>
-        <a:xfrm>
-          <a:off x="0" y="0"/>
-          <a:ext cx="0" cy="0"/>
-          <a:chOff x="0" y="0"/>
-          <a:chExt cx="0" cy="0"/>
-        </a:xfrm>
-      </p:grpSpPr>
-      <p:sp>
-        <p:nvSpPr>
-          <p:cNvPr id="2" name="Title 1"/>
-          <p:cNvSpPr>
-            <a:spLocks noGrp="1"/>
-          </p:cNvSpPr>
-          <p:nvPr>
-            <p:ph type="title"/>
-          </p:nvPr>
-        </p:nvSpPr>
-        <p:spPr>
-          <a:xfrm>
-            <a:off x="628650" y="188335"/>
-            <a:ext cx="7886700" cy="1325563"/>
-          </a:xfrm>
-        </p:spPr>
-        <p:txBody>
-          <a:bodyPr/>
-          <a:lstStyle/>
-          <a:p>
-            <a:r>
-              <a:rPr lang="en-US" dirty="0" smtClean="0"/>
-              <a:t>Brief Status</a:t>
-            </a:r>
-            <a:endParaRPr lang="en-US" dirty="0"/>
-          </a:p>
-        </p:txBody>
-      </p:sp>
-      <p:sp>
-        <p:nvSpPr>
-          <p:cNvPr id="3" name="Content Placeholder 2"/>
-          <p:cNvSpPr>
-            <a:spLocks noGrp="1"/>
-          </p:cNvSpPr>
-          <p:nvPr>
-            <p:ph idx="1"/>
-          </p:nvPr>
-        </p:nvSpPr>
-        <p:spPr>
-          <a:xfrm>
-            <a:off x="628650" y="1586634"/>
-            <a:ext cx="7886700" cy="4351338"/>
-          </a:xfrm>
-        </p:spPr>
-        <p:txBody>
-          <a:bodyPr/>
-          <a:lstStyle/>
-          <a:p>
-            <a:r>
-              <a:rPr lang="en-US" dirty="0" smtClean="0"/>
-              <a:t>Community Group </a:t>
-            </a:r>
-            <a:r>
-              <a:rPr lang="en-US" dirty="0" smtClean="0"/>
-              <a:t>formed but </a:t>
-            </a:r>
-            <a:r>
-              <a:rPr lang="en-US" dirty="0" smtClean="0"/>
-              <a:t>still </a:t>
-            </a:r>
-            <a:r>
-              <a:rPr lang="en-US" dirty="0" smtClean="0"/>
-              <a:t>not active</a:t>
-            </a:r>
-          </a:p>
-          <a:p>
-            <a:pPr lvl="1"/>
-            <a:r>
-              <a:rPr lang="en-US" dirty="0" smtClean="0"/>
-              <a:t>Need to elect chairs and create the mail </a:t>
-            </a:r>
-            <a:r>
-              <a:rPr lang="en-US" dirty="0" smtClean="0"/>
-              <a:t>list</a:t>
-            </a:r>
-          </a:p>
-          <a:p>
-            <a:r>
-              <a:rPr lang="en-US" dirty="0"/>
-              <a:t>One Data Model </a:t>
-            </a:r>
-            <a:r>
-              <a:rPr lang="en-US" dirty="0" smtClean="0"/>
-              <a:t>proposal</a:t>
-            </a:r>
-            <a:endParaRPr lang="en-US" dirty="0"/>
-          </a:p>
-          <a:p>
-            <a:r>
-              <a:rPr lang="en-US" dirty="0" smtClean="0"/>
-              <a:t>Integration of </a:t>
-            </a:r>
-            <a:r>
-              <a:rPr lang="en-US" dirty="0" err="1" smtClean="0"/>
-              <a:t>IoT</a:t>
-            </a:r>
-            <a:r>
-              <a:rPr lang="en-US" dirty="0" smtClean="0"/>
-              <a:t> extensions into </a:t>
-            </a:r>
-            <a:r>
-              <a:rPr lang="en-US" dirty="0" err="1" smtClean="0"/>
-              <a:t>schema.org</a:t>
-            </a:r>
-            <a:endParaRPr lang="en-US" dirty="0" smtClean="0"/>
-          </a:p>
-        </p:txBody>
-      </p:sp>
-    </p:spTree>
-    <p:extLst>
-      <p:ext uri="{BB962C8B-B14F-4D97-AF65-F5344CB8AC3E}">
-        <p14:creationId xmlns:p14="http://schemas.microsoft.com/office/powerpoint/2010/main" val="438735434"/>
-      </p:ext>
-    </p:extLst>
-  </p:cSld>
-  <p:clrMapOvr>
-    <a:masterClrMapping/>
-  </p:clrMapOvr>
-  <p:timing>
-    <p:tnLst>
-      <p:par>
-        <p:cTn id="1" dur="indefinite" restart="never" nodeType="tmRoot"/>
-      </p:par>
-    </p:tnLst>
-  </p:timing>
-</p:sld>
-</file>
-
-<file path=ppt/slides/slide3.xml><?xml version="1.0" encoding="utf-8"?>
-<p:sld xmlns:a="http://schemas.openxmlformats.org/drawingml/2006/main" xmlns:r="http://schemas.openxmlformats.org/officeDocument/2006/relationships" xmlns:p="http://schemas.openxmlformats.org/presentationml/2006/main">
-  <p:cSld>
-    <p:spTree>
-      <p:nvGrpSpPr>
-        <p:cNvPr id="1" name=""/>
-        <p:cNvGrpSpPr/>
-        <p:nvPr/>
-      </p:nvGrpSpPr>
-      <p:grpSpPr>
-        <a:xfrm>
-          <a:off x="0" y="0"/>
-          <a:ext cx="0" cy="0"/>
-          <a:chOff x="0" y="0"/>
-          <a:chExt cx="0" cy="0"/>
-        </a:xfrm>
-      </p:grpSpPr>
-      <p:sp>
-        <p:nvSpPr>
-          <p:cNvPr id="2" name="Title 1"/>
-          <p:cNvSpPr>
-            <a:spLocks noGrp="1"/>
-          </p:cNvSpPr>
-          <p:nvPr>
-            <p:ph type="title"/>
-          </p:nvPr>
-        </p:nvSpPr>
-        <p:spPr/>
-        <p:txBody>
-          <a:bodyPr/>
-          <a:lstStyle/>
-          <a:p>
-            <a:r>
-              <a:rPr lang="en-US" dirty="0" smtClean="0"/>
-              <a:t>One Data Model Proposal</a:t>
-            </a:r>
-            <a:endParaRPr lang="en-US" dirty="0"/>
-          </a:p>
-        </p:txBody>
-      </p:sp>
-      <p:sp>
-        <p:nvSpPr>
-          <p:cNvPr id="3" name="Content Placeholder 2"/>
-          <p:cNvSpPr>
-            <a:spLocks noGrp="1"/>
-          </p:cNvSpPr>
-          <p:nvPr>
-            <p:ph idx="1"/>
-          </p:nvPr>
-        </p:nvSpPr>
-        <p:spPr/>
-        <p:txBody>
-          <a:bodyPr/>
-          <a:lstStyle/>
-          <a:p>
-            <a:r>
-              <a:rPr lang="en-US" dirty="0" smtClean="0"/>
-              <a:t>High level semantic model that is aligned with the pattern we have been using for the prototype definitions</a:t>
-            </a:r>
-          </a:p>
-          <a:p>
-            <a:r>
-              <a:rPr lang="en-US" dirty="0" smtClean="0"/>
-              <a:t>"has" property types</a:t>
-            </a:r>
-          </a:p>
-          <a:p>
-            <a:r>
-              <a:rPr lang="en-US" dirty="0" err="1" smtClean="0"/>
-              <a:t>DataItem</a:t>
-            </a:r>
-            <a:r>
-              <a:rPr lang="en-US" dirty="0" smtClean="0"/>
-              <a:t> class without any directionality</a:t>
-            </a:r>
-          </a:p>
-          <a:p>
-            <a:r>
-              <a:rPr lang="en-US" dirty="0" smtClean="0"/>
-              <a:t>Protocol Binding based on @type annotations in OCF/Swagger definition files </a:t>
-            </a:r>
-            <a:r>
-              <a:rPr lang="mr-IN" dirty="0" smtClean="0"/>
-              <a:t>–</a:t>
-            </a:r>
-            <a:r>
-              <a:rPr lang="en-US" dirty="0" smtClean="0"/>
-              <a:t> same format as the </a:t>
-            </a:r>
-            <a:r>
-              <a:rPr lang="en-US" dirty="0" err="1" smtClean="0"/>
-              <a:t>WoT</a:t>
-            </a:r>
-            <a:r>
-              <a:rPr lang="en-US" dirty="0" smtClean="0"/>
-              <a:t> TD annotation</a:t>
-            </a:r>
-          </a:p>
-          <a:p>
-            <a:r>
-              <a:rPr lang="en-US" dirty="0">
-                <a:hlinkClick r:id="rId2"/>
-              </a:rPr>
-              <a:t>https://</a:t>
-            </a:r>
-            <a:r>
-              <a:rPr lang="en-US" dirty="0" err="1">
-                <a:hlinkClick r:id="rId2"/>
-              </a:rPr>
-              <a:t>github.com</a:t>
-            </a:r>
-            <a:r>
-              <a:rPr lang="en-US" dirty="0">
-                <a:hlinkClick r:id="rId2"/>
-              </a:rPr>
-              <a:t>/</a:t>
-            </a:r>
-            <a:r>
-              <a:rPr lang="en-US" dirty="0" err="1">
-                <a:hlinkClick r:id="rId2"/>
-              </a:rPr>
-              <a:t>mjkoster</a:t>
-            </a:r>
-            <a:r>
-              <a:rPr lang="en-US" dirty="0">
-                <a:hlinkClick r:id="rId2"/>
-              </a:rPr>
-              <a:t>/ODM-Examples</a:t>
-            </a:r>
-            <a:endParaRPr lang="en-US" dirty="0" smtClean="0"/>
-          </a:p>
-          <a:p>
-            <a:endParaRPr lang="en-US" dirty="0" smtClean="0"/>
-          </a:p>
-        </p:txBody>
-      </p:sp>
-    </p:spTree>
-    <p:extLst>
-      <p:ext uri="{BB962C8B-B14F-4D97-AF65-F5344CB8AC3E}">
-        <p14:creationId xmlns:p14="http://schemas.microsoft.com/office/powerpoint/2010/main" val="417343712"/>
-      </p:ext>
-    </p:extLst>
-  </p:cSld>
-  <p:clrMapOvr>
-    <a:masterClrMapping/>
-  </p:clrMapOvr>
-  <p:timing>
-    <p:tnLst>
-      <p:par>
-        <p:cTn id="1" dur="indefinite" restart="never" nodeType="tmRoot"/>
-      </p:par>
-    </p:tnLst>
-  </p:timing>
-</p:sld>
-</file>
-
-<file path=ppt/slides/slide4.xml><?xml version="1.0" encoding="utf-8"?>
-<p:sld xmlns:a="http://schemas.openxmlformats.org/drawingml/2006/main" xmlns:r="http://schemas.openxmlformats.org/officeDocument/2006/relationships" xmlns:p="http://schemas.openxmlformats.org/presentationml/2006/main">
-  <p:cSld>
-    <p:spTree>
-      <p:nvGrpSpPr>
-        <p:cNvPr id="1" name=""/>
-        <p:cNvGrpSpPr/>
-        <p:nvPr/>
-      </p:nvGrpSpPr>
-      <p:grpSpPr>
-        <a:xfrm>
-          <a:off x="0" y="0"/>
-          <a:ext cx="0" cy="0"/>
-          <a:chOff x="0" y="0"/>
-          <a:chExt cx="0" cy="0"/>
-        </a:xfrm>
-      </p:grpSpPr>
-      <p:sp>
-        <p:nvSpPr>
-          <p:cNvPr id="2" name="Title 1"/>
-          <p:cNvSpPr>
-            <a:spLocks noGrp="1"/>
-          </p:cNvSpPr>
-          <p:nvPr>
-            <p:ph type="title"/>
-          </p:nvPr>
-        </p:nvSpPr>
-        <p:spPr>
-          <a:xfrm>
-            <a:off x="597477" y="81549"/>
-            <a:ext cx="7886700" cy="1325563"/>
-          </a:xfrm>
-        </p:spPr>
-        <p:txBody>
-          <a:bodyPr/>
-          <a:lstStyle/>
-          <a:p>
-            <a:r>
-              <a:rPr lang="en-US" dirty="0"/>
-              <a:t>UML </a:t>
-            </a:r>
-            <a:r>
-              <a:rPr lang="en-US" dirty="0" smtClean="0"/>
-              <a:t>Model</a:t>
-            </a:r>
-            <a:endParaRPr lang="en-US" dirty="0"/>
-          </a:p>
-        </p:txBody>
-      </p:sp>
-      <p:pic>
-        <p:nvPicPr>
-          <p:cNvPr id="4" name="Picture 3"/>
-          <p:cNvPicPr>
-            <a:picLocks noChangeAspect="1"/>
-          </p:cNvPicPr>
-          <p:nvPr/>
-        </p:nvPicPr>
-        <p:blipFill>
-          <a:blip r:embed="rId2">
-            <a:extLst>
-              <a:ext uri="{28A0092B-C50C-407E-A947-70E740481C1C}">
-                <a14:useLocalDpi xmlns:a14="http://schemas.microsoft.com/office/drawing/2010/main" val="0"/>
-              </a:ext>
-            </a:extLst>
-          </a:blip>
-          <a:stretch>
-            <a:fillRect/>
-          </a:stretch>
-        </p:blipFill>
-        <p:spPr>
-          <a:xfrm>
-            <a:off x="4521774" y="1204291"/>
-            <a:ext cx="3167495" cy="5258853"/>
-          </a:xfrm>
-          <a:prstGeom prst="rect">
-            <a:avLst/>
-          </a:prstGeom>
-        </p:spPr>
-      </p:pic>
-      <p:sp>
-        <p:nvSpPr>
-          <p:cNvPr id="5" name="TextBox 4"/>
-          <p:cNvSpPr txBox="1"/>
-          <p:nvPr/>
-        </p:nvSpPr>
-        <p:spPr>
-          <a:xfrm>
-            <a:off x="2223650" y="1402113"/>
-            <a:ext cx="2919846" cy="646331"/>
-          </a:xfrm>
-          <a:prstGeom prst="rect">
-            <a:avLst/>
-          </a:prstGeom>
-          <a:noFill/>
-        </p:spPr>
-        <p:txBody>
-          <a:bodyPr wrap="square" rtlCol="0">
-            <a:spAutoFit/>
-          </a:bodyPr>
-          <a:lstStyle/>
-          <a:p>
-            <a:r>
-              <a:rPr lang="en-US" dirty="0"/>
-              <a:t>Device Type and Constraints e.g. Thermostat, Light</a:t>
-            </a:r>
-          </a:p>
-        </p:txBody>
-      </p:sp>
-      <p:sp>
-        <p:nvSpPr>
-          <p:cNvPr id="6" name="TextBox 5"/>
-          <p:cNvSpPr txBox="1"/>
-          <p:nvPr/>
-        </p:nvSpPr>
-        <p:spPr>
-          <a:xfrm>
-            <a:off x="2223650" y="2727676"/>
-            <a:ext cx="2919846" cy="646331"/>
-          </a:xfrm>
-          <a:prstGeom prst="rect">
-            <a:avLst/>
-          </a:prstGeom>
-          <a:noFill/>
-        </p:spPr>
-        <p:txBody>
-          <a:bodyPr wrap="square" rtlCol="0">
-            <a:spAutoFit/>
-          </a:bodyPr>
-          <a:lstStyle/>
-          <a:p>
-            <a:r>
-              <a:rPr lang="en-US" dirty="0" err="1"/>
-              <a:t>Composable</a:t>
-            </a:r>
-            <a:r>
-              <a:rPr lang="en-US" dirty="0"/>
-              <a:t> Capabilities e.g. </a:t>
-            </a:r>
-            <a:r>
-              <a:rPr lang="en-US" dirty="0" err="1"/>
-              <a:t>onoff</a:t>
-            </a:r>
-            <a:r>
-              <a:rPr lang="en-US" dirty="0"/>
-              <a:t>, level, temperature</a:t>
-            </a:r>
-          </a:p>
-        </p:txBody>
-      </p:sp>
-      <p:sp>
-        <p:nvSpPr>
-          <p:cNvPr id="7" name="TextBox 6"/>
-          <p:cNvSpPr txBox="1"/>
-          <p:nvPr/>
-        </p:nvSpPr>
-        <p:spPr>
-          <a:xfrm>
-            <a:off x="1912789" y="4215543"/>
-            <a:ext cx="2919846" cy="369332"/>
-          </a:xfrm>
-          <a:prstGeom prst="rect">
-            <a:avLst/>
-          </a:prstGeom>
-          <a:noFill/>
-        </p:spPr>
-        <p:txBody>
-          <a:bodyPr wrap="square" rtlCol="0">
-            <a:spAutoFit/>
-          </a:bodyPr>
-          <a:lstStyle/>
-          <a:p>
-            <a:r>
-              <a:rPr lang="en-US" dirty="0"/>
-              <a:t>Events, Actions</a:t>
-            </a:r>
-            <a:r>
-              <a:rPr lang="en-US"/>
-              <a:t>, Properties</a:t>
-            </a:r>
-            <a:endParaRPr lang="en-US" dirty="0"/>
-          </a:p>
-        </p:txBody>
-      </p:sp>
-      <p:sp>
-        <p:nvSpPr>
-          <p:cNvPr id="8" name="TextBox 7"/>
-          <p:cNvSpPr txBox="1"/>
-          <p:nvPr/>
-        </p:nvSpPr>
-        <p:spPr>
-          <a:xfrm>
-            <a:off x="2285996" y="5724587"/>
-            <a:ext cx="2173433" cy="369332"/>
-          </a:xfrm>
-          <a:prstGeom prst="rect">
-            <a:avLst/>
-          </a:prstGeom>
-          <a:noFill/>
-        </p:spPr>
-        <p:txBody>
-          <a:bodyPr wrap="square" rtlCol="0">
-            <a:spAutoFit/>
-          </a:bodyPr>
-          <a:lstStyle/>
-          <a:p>
-            <a:r>
-              <a:rPr lang="en-US" dirty="0"/>
-              <a:t>Data Types, </a:t>
-            </a:r>
-            <a:r>
-              <a:rPr lang="en-US" dirty="0" err="1"/>
-              <a:t>Enums</a:t>
-            </a:r>
-            <a:endParaRPr lang="en-US" dirty="0"/>
-          </a:p>
-        </p:txBody>
-      </p:sp>
-    </p:spTree>
-    <p:extLst>
-      <p:ext uri="{BB962C8B-B14F-4D97-AF65-F5344CB8AC3E}">
-        <p14:creationId xmlns:p14="http://schemas.microsoft.com/office/powerpoint/2010/main" val="1195805150"/>
+        <p14:creationId xmlns:p14="http://schemas.microsoft.com/office/powerpoint/2010/main" val="148198403"/>
       </p:ext>
     </p:extLst>
   </p:cSld>
@@ -6218,7 +8361,7 @@
         </p:nvSpPr>
         <p:spPr>
           <a:xfrm>
-            <a:off x="659823" y="0"/>
+            <a:off x="628650" y="159220"/>
             <a:ext cx="7886700" cy="1325563"/>
           </a:xfrm>
         </p:spPr>
@@ -6228,716 +8371,42 @@
           <a:p>
             <a:r>
               <a:rPr lang="en-US" dirty="0" smtClean="0"/>
-              <a:t>Capabilities</a:t>
+              <a:t>Feature of Interest Properties</a:t>
             </a:r>
             <a:endParaRPr lang="en-US" dirty="0"/>
           </a:p>
         </p:txBody>
       </p:sp>
-      <p:sp>
-        <p:nvSpPr>
-          <p:cNvPr id="4" name="Rectangle 3"/>
-          <p:cNvSpPr/>
+      <p:pic>
+        <p:nvPicPr>
+          <p:cNvPr id="4" name="Picture 3" descr="D:\Work\Work on WoT Embedded Semantic Framework\Repositories\siemens-semantic-models\Haystack-iot.schema\Feature-Of-Interest-Pattern.png"/>
+          <p:cNvPicPr>
+            <a:picLocks noChangeAspect="1" noChangeArrowheads="1"/>
+          </p:cNvPicPr>
           <p:nvPr/>
-        </p:nvSpPr>
-        <p:spPr>
+        </p:nvPicPr>
+        <p:blipFill>
+          <a:blip r:embed="rId2" cstate="print"/>
+          <a:srcRect/>
+          <a:stretch>
+            <a:fillRect/>
+          </a:stretch>
+        </p:blipFill>
+        <p:spPr bwMode="auto">
           <a:xfrm>
-            <a:off x="748146" y="1115300"/>
-            <a:ext cx="8073736" cy="5262979"/>
+            <a:off x="628650" y="1588692"/>
+            <a:ext cx="7488832" cy="4758661"/>
           </a:xfrm>
           <a:prstGeom prst="rect">
             <a:avLst/>
           </a:prstGeom>
+          <a:noFill/>
         </p:spPr>
-        <p:txBody>
-          <a:bodyPr wrap="square">
-            <a:spAutoFit/>
-          </a:bodyPr>
-          <a:lstStyle/>
-          <a:p>
-            <a:r>
-              <a:rPr lang="en-US" sz="1600" dirty="0">
-                <a:solidFill>
-                  <a:srgbClr val="000000"/>
-                </a:solidFill>
-                <a:latin typeface="Courier" charset="0"/>
-                <a:ea typeface="Courier" charset="0"/>
-                <a:cs typeface="Courier" charset="0"/>
-              </a:rPr>
-              <a:t>{</a:t>
-            </a:r>
-          </a:p>
-          <a:p>
-            <a:r>
-              <a:rPr lang="en-US" sz="1600" dirty="0">
-                <a:solidFill>
-                  <a:srgbClr val="000000"/>
-                </a:solidFill>
-                <a:latin typeface="Courier" charset="0"/>
-                <a:ea typeface="Courier" charset="0"/>
-                <a:cs typeface="Courier" charset="0"/>
-              </a:rPr>
-              <a:t>  "@id": "</a:t>
-            </a:r>
-            <a:r>
-              <a:rPr lang="en-US" sz="1600" dirty="0" err="1">
-                <a:solidFill>
-                  <a:srgbClr val="000000"/>
-                </a:solidFill>
-                <a:latin typeface="Courier" charset="0"/>
-                <a:ea typeface="Courier" charset="0"/>
-                <a:cs typeface="Courier" charset="0"/>
-              </a:rPr>
-              <a:t>st:SwitchCapability</a:t>
-            </a:r>
-            <a:r>
-              <a:rPr lang="en-US" sz="1600" dirty="0">
-                <a:solidFill>
-                  <a:srgbClr val="000000"/>
-                </a:solidFill>
-                <a:latin typeface="Courier" charset="0"/>
-                <a:ea typeface="Courier" charset="0"/>
-                <a:cs typeface="Courier" charset="0"/>
-              </a:rPr>
-              <a:t>",</a:t>
-            </a:r>
-          </a:p>
-          <a:p>
-            <a:r>
-              <a:rPr lang="en-US" sz="1600" dirty="0">
-                <a:solidFill>
-                  <a:srgbClr val="000000"/>
-                </a:solidFill>
-                <a:latin typeface="Courier" charset="0"/>
-                <a:ea typeface="Courier" charset="0"/>
-                <a:cs typeface="Courier" charset="0"/>
-              </a:rPr>
-              <a:t>  "</a:t>
-            </a:r>
-            <a:r>
-              <a:rPr lang="en-US" sz="1600" dirty="0" err="1">
-                <a:solidFill>
-                  <a:srgbClr val="000000"/>
-                </a:solidFill>
-                <a:latin typeface="Courier" charset="0"/>
-                <a:ea typeface="Courier" charset="0"/>
-                <a:cs typeface="Courier" charset="0"/>
-              </a:rPr>
-              <a:t>rdfs:subClassOf</a:t>
-            </a:r>
-            <a:r>
-              <a:rPr lang="en-US" sz="1600" dirty="0">
-                <a:solidFill>
-                  <a:srgbClr val="000000"/>
-                </a:solidFill>
-                <a:latin typeface="Courier" charset="0"/>
-                <a:ea typeface="Courier" charset="0"/>
-                <a:cs typeface="Courier" charset="0"/>
-              </a:rPr>
-              <a:t>": "</a:t>
-            </a:r>
-            <a:r>
-              <a:rPr lang="en-US" sz="1600" dirty="0" err="1">
-                <a:solidFill>
-                  <a:srgbClr val="000000"/>
-                </a:solidFill>
-                <a:latin typeface="Courier" charset="0"/>
-                <a:ea typeface="Courier" charset="0"/>
-                <a:cs typeface="Courier" charset="0"/>
-              </a:rPr>
-              <a:t>odm:Capability</a:t>
-            </a:r>
-            <a:r>
-              <a:rPr lang="en-US" sz="1600" dirty="0">
-                <a:solidFill>
-                  <a:srgbClr val="000000"/>
-                </a:solidFill>
-                <a:latin typeface="Courier" charset="0"/>
-                <a:ea typeface="Courier" charset="0"/>
-                <a:cs typeface="Courier" charset="0"/>
-              </a:rPr>
-              <a:t>",</a:t>
-            </a:r>
-          </a:p>
-          <a:p>
-            <a:r>
-              <a:rPr lang="en-US" sz="1600" dirty="0">
-                <a:solidFill>
-                  <a:srgbClr val="000000"/>
-                </a:solidFill>
-                <a:latin typeface="Courier" charset="0"/>
-                <a:ea typeface="Courier" charset="0"/>
-                <a:cs typeface="Courier" charset="0"/>
-              </a:rPr>
-              <a:t>  "</a:t>
-            </a:r>
-            <a:r>
-              <a:rPr lang="en-US" sz="1600" dirty="0" err="1">
-                <a:solidFill>
-                  <a:srgbClr val="000000"/>
-                </a:solidFill>
-                <a:latin typeface="Courier" charset="0"/>
-                <a:ea typeface="Courier" charset="0"/>
-                <a:cs typeface="Courier" charset="0"/>
-              </a:rPr>
-              <a:t>rdfs:comment</a:t>
-            </a:r>
-            <a:r>
-              <a:rPr lang="en-US" sz="1600" dirty="0">
-                <a:solidFill>
-                  <a:srgbClr val="000000"/>
-                </a:solidFill>
-                <a:latin typeface="Courier" charset="0"/>
-                <a:ea typeface="Courier" charset="0"/>
-                <a:cs typeface="Courier" charset="0"/>
-              </a:rPr>
-              <a:t>": "Basic On/Off Switch Capability",</a:t>
-            </a:r>
-          </a:p>
-          <a:p>
-            <a:r>
-              <a:rPr lang="en-US" sz="1600" dirty="0">
-                <a:solidFill>
-                  <a:srgbClr val="000000"/>
-                </a:solidFill>
-                <a:latin typeface="Courier" charset="0"/>
-                <a:ea typeface="Courier" charset="0"/>
-                <a:cs typeface="Courier" charset="0"/>
-              </a:rPr>
-              <a:t>  "</a:t>
-            </a:r>
-            <a:r>
-              <a:rPr lang="en-US" sz="1600" dirty="0" err="1">
-                <a:solidFill>
-                  <a:srgbClr val="000000"/>
-                </a:solidFill>
-                <a:latin typeface="Courier" charset="0"/>
-                <a:ea typeface="Courier" charset="0"/>
-                <a:cs typeface="Courier" charset="0"/>
-              </a:rPr>
-              <a:t>rdfs:label</a:t>
-            </a:r>
-            <a:r>
-              <a:rPr lang="en-US" sz="1600" dirty="0">
-                <a:solidFill>
-                  <a:srgbClr val="000000"/>
-                </a:solidFill>
-                <a:latin typeface="Courier" charset="0"/>
-                <a:ea typeface="Courier" charset="0"/>
-                <a:cs typeface="Courier" charset="0"/>
-              </a:rPr>
-              <a:t>": "SmartThings Switch Capability",</a:t>
-            </a:r>
-          </a:p>
-          <a:p>
-            <a:r>
-              <a:rPr lang="en-US" sz="1600" dirty="0">
-                <a:solidFill>
-                  <a:srgbClr val="000000"/>
-                </a:solidFill>
-                <a:latin typeface="Courier" charset="0"/>
-                <a:ea typeface="Courier" charset="0"/>
-                <a:cs typeface="Courier" charset="0"/>
-              </a:rPr>
-              <a:t>  "</a:t>
-            </a:r>
-            <a:r>
-              <a:rPr lang="en-US" sz="1600" dirty="0" err="1">
-                <a:solidFill>
-                  <a:srgbClr val="000000"/>
-                </a:solidFill>
-                <a:latin typeface="Courier" charset="0"/>
-                <a:ea typeface="Courier" charset="0"/>
-                <a:cs typeface="Courier" charset="0"/>
-              </a:rPr>
-              <a:t>odm:hasInteractionAffordance</a:t>
-            </a:r>
-            <a:r>
-              <a:rPr lang="en-US" sz="1600" dirty="0">
-                <a:solidFill>
-                  <a:srgbClr val="000000"/>
-                </a:solidFill>
-                <a:latin typeface="Courier" charset="0"/>
-                <a:ea typeface="Courier" charset="0"/>
-                <a:cs typeface="Courier" charset="0"/>
-              </a:rPr>
-              <a:t>": [</a:t>
-            </a:r>
-          </a:p>
-          <a:p>
-            <a:r>
-              <a:rPr lang="en-US" sz="1600" dirty="0">
-                <a:solidFill>
-                  <a:srgbClr val="000000"/>
-                </a:solidFill>
-                <a:latin typeface="Courier" charset="0"/>
-                <a:ea typeface="Courier" charset="0"/>
-                <a:cs typeface="Courier" charset="0"/>
-              </a:rPr>
-              <a:t>    "</a:t>
-            </a:r>
-            <a:r>
-              <a:rPr lang="en-US" sz="1600" dirty="0" err="1">
-                <a:solidFill>
-                  <a:srgbClr val="000000"/>
-                </a:solidFill>
-                <a:latin typeface="Courier" charset="0"/>
-                <a:ea typeface="Courier" charset="0"/>
-                <a:cs typeface="Courier" charset="0"/>
-              </a:rPr>
-              <a:t>st:Switch.valueProperty</a:t>
-            </a:r>
-            <a:r>
-              <a:rPr lang="en-US" sz="1600" dirty="0">
-                <a:solidFill>
-                  <a:srgbClr val="000000"/>
-                </a:solidFill>
-                <a:latin typeface="Courier" charset="0"/>
-                <a:ea typeface="Courier" charset="0"/>
-                <a:cs typeface="Courier" charset="0"/>
-              </a:rPr>
-              <a:t>",</a:t>
-            </a:r>
-          </a:p>
-          <a:p>
-            <a:r>
-              <a:rPr lang="en-US" sz="1600" dirty="0">
-                <a:solidFill>
-                  <a:srgbClr val="000000"/>
-                </a:solidFill>
-                <a:latin typeface="Courier" charset="0"/>
-                <a:ea typeface="Courier" charset="0"/>
-                <a:cs typeface="Courier" charset="0"/>
-              </a:rPr>
-              <a:t>    "</a:t>
-            </a:r>
-            <a:r>
-              <a:rPr lang="en-US" sz="1600" dirty="0" err="1">
-                <a:solidFill>
-                  <a:srgbClr val="000000"/>
-                </a:solidFill>
-                <a:latin typeface="Courier" charset="0"/>
-                <a:ea typeface="Courier" charset="0"/>
-                <a:cs typeface="Courier" charset="0"/>
-              </a:rPr>
-              <a:t>st:Switch.onAction</a:t>
-            </a:r>
-            <a:r>
-              <a:rPr lang="en-US" sz="1600" dirty="0">
-                <a:solidFill>
-                  <a:srgbClr val="000000"/>
-                </a:solidFill>
-                <a:latin typeface="Courier" charset="0"/>
-                <a:ea typeface="Courier" charset="0"/>
-                <a:cs typeface="Courier" charset="0"/>
-              </a:rPr>
-              <a:t>",</a:t>
-            </a:r>
-          </a:p>
-          <a:p>
-            <a:r>
-              <a:rPr lang="en-US" sz="1600" dirty="0">
-                <a:solidFill>
-                  <a:srgbClr val="000000"/>
-                </a:solidFill>
-                <a:latin typeface="Courier" charset="0"/>
-                <a:ea typeface="Courier" charset="0"/>
-                <a:cs typeface="Courier" charset="0"/>
-              </a:rPr>
-              <a:t>    "</a:t>
-            </a:r>
-            <a:r>
-              <a:rPr lang="en-US" sz="1600" dirty="0" err="1">
-                <a:solidFill>
-                  <a:srgbClr val="000000"/>
-                </a:solidFill>
-                <a:latin typeface="Courier" charset="0"/>
-                <a:ea typeface="Courier" charset="0"/>
-                <a:cs typeface="Courier" charset="0"/>
-              </a:rPr>
-              <a:t>st:Switch.offAction</a:t>
-            </a:r>
-            <a:r>
-              <a:rPr lang="en-US" sz="1600" dirty="0">
-                <a:solidFill>
-                  <a:srgbClr val="000000"/>
-                </a:solidFill>
-                <a:latin typeface="Courier" charset="0"/>
-                <a:ea typeface="Courier" charset="0"/>
-                <a:cs typeface="Courier" charset="0"/>
-              </a:rPr>
-              <a:t>"</a:t>
-            </a:r>
-          </a:p>
-          <a:p>
-            <a:r>
-              <a:rPr lang="en-US" sz="1600" dirty="0">
-                <a:solidFill>
-                  <a:srgbClr val="000000"/>
-                </a:solidFill>
-                <a:latin typeface="Courier" charset="0"/>
-                <a:ea typeface="Courier" charset="0"/>
-                <a:cs typeface="Courier" charset="0"/>
-              </a:rPr>
-              <a:t>  ]</a:t>
-            </a:r>
-          </a:p>
-          <a:p>
-            <a:r>
-              <a:rPr lang="en-US" sz="1600" dirty="0">
-                <a:solidFill>
-                  <a:srgbClr val="000000"/>
-                </a:solidFill>
-                <a:latin typeface="Courier" charset="0"/>
-                <a:ea typeface="Courier" charset="0"/>
-                <a:cs typeface="Courier" charset="0"/>
-              </a:rPr>
-              <a:t>},</a:t>
-            </a:r>
-          </a:p>
-          <a:p>
-            <a:r>
-              <a:rPr lang="en-US" sz="1600" dirty="0">
-                <a:solidFill>
-                  <a:srgbClr val="000000"/>
-                </a:solidFill>
-                <a:latin typeface="Courier" charset="0"/>
-                <a:ea typeface="Courier" charset="0"/>
-                <a:cs typeface="Courier" charset="0"/>
-              </a:rPr>
-              <a:t>{</a:t>
-            </a:r>
-          </a:p>
-          <a:p>
-            <a:r>
-              <a:rPr lang="en-US" sz="1600" dirty="0">
-                <a:solidFill>
-                  <a:srgbClr val="000000"/>
-                </a:solidFill>
-                <a:latin typeface="Courier" charset="0"/>
-                <a:ea typeface="Courier" charset="0"/>
-                <a:cs typeface="Courier" charset="0"/>
-              </a:rPr>
-              <a:t>  "@id": "</a:t>
-            </a:r>
-            <a:r>
-              <a:rPr lang="en-US" sz="1600" dirty="0" err="1">
-                <a:solidFill>
-                  <a:srgbClr val="000000"/>
-                </a:solidFill>
-                <a:latin typeface="Courier" charset="0"/>
-                <a:ea typeface="Courier" charset="0"/>
-                <a:cs typeface="Courier" charset="0"/>
-              </a:rPr>
-              <a:t>st:SwitchLevelCapability</a:t>
-            </a:r>
-            <a:r>
-              <a:rPr lang="en-US" sz="1600" dirty="0">
-                <a:solidFill>
-                  <a:srgbClr val="000000"/>
-                </a:solidFill>
-                <a:latin typeface="Courier" charset="0"/>
-                <a:ea typeface="Courier" charset="0"/>
-                <a:cs typeface="Courier" charset="0"/>
-              </a:rPr>
-              <a:t>",</a:t>
-            </a:r>
-          </a:p>
-          <a:p>
-            <a:r>
-              <a:rPr lang="en-US" sz="1600" dirty="0">
-                <a:solidFill>
-                  <a:srgbClr val="000000"/>
-                </a:solidFill>
-                <a:latin typeface="Courier" charset="0"/>
-                <a:ea typeface="Courier" charset="0"/>
-                <a:cs typeface="Courier" charset="0"/>
-              </a:rPr>
-              <a:t>  "</a:t>
-            </a:r>
-            <a:r>
-              <a:rPr lang="en-US" sz="1600" dirty="0" err="1">
-                <a:solidFill>
-                  <a:srgbClr val="000000"/>
-                </a:solidFill>
-                <a:latin typeface="Courier" charset="0"/>
-                <a:ea typeface="Courier" charset="0"/>
-                <a:cs typeface="Courier" charset="0"/>
-              </a:rPr>
-              <a:t>rdfs:subClassOf</a:t>
-            </a:r>
-            <a:r>
-              <a:rPr lang="en-US" sz="1600" dirty="0">
-                <a:solidFill>
-                  <a:srgbClr val="000000"/>
-                </a:solidFill>
-                <a:latin typeface="Courier" charset="0"/>
-                <a:ea typeface="Courier" charset="0"/>
-                <a:cs typeface="Courier" charset="0"/>
-              </a:rPr>
-              <a:t>": "</a:t>
-            </a:r>
-            <a:r>
-              <a:rPr lang="en-US" sz="1600" dirty="0" err="1">
-                <a:solidFill>
-                  <a:srgbClr val="000000"/>
-                </a:solidFill>
-                <a:latin typeface="Courier" charset="0"/>
-                <a:ea typeface="Courier" charset="0"/>
-                <a:cs typeface="Courier" charset="0"/>
-              </a:rPr>
-              <a:t>odm:Capability</a:t>
-            </a:r>
-            <a:r>
-              <a:rPr lang="en-US" sz="1600" dirty="0">
-                <a:solidFill>
-                  <a:srgbClr val="000000"/>
-                </a:solidFill>
-                <a:latin typeface="Courier" charset="0"/>
-                <a:ea typeface="Courier" charset="0"/>
-                <a:cs typeface="Courier" charset="0"/>
-              </a:rPr>
-              <a:t>",</a:t>
-            </a:r>
-          </a:p>
-          <a:p>
-            <a:r>
-              <a:rPr lang="en-US" sz="1600" dirty="0">
-                <a:solidFill>
-                  <a:srgbClr val="000000"/>
-                </a:solidFill>
-                <a:latin typeface="Courier" charset="0"/>
-                <a:ea typeface="Courier" charset="0"/>
-                <a:cs typeface="Courier" charset="0"/>
-              </a:rPr>
-              <a:t>  "</a:t>
-            </a:r>
-            <a:r>
-              <a:rPr lang="en-US" sz="1600" dirty="0" err="1">
-                <a:solidFill>
-                  <a:srgbClr val="000000"/>
-                </a:solidFill>
-                <a:latin typeface="Courier" charset="0"/>
-                <a:ea typeface="Courier" charset="0"/>
-                <a:cs typeface="Courier" charset="0"/>
-              </a:rPr>
-              <a:t>rdfs:comment</a:t>
-            </a:r>
-            <a:r>
-              <a:rPr lang="en-US" sz="1600" dirty="0">
-                <a:solidFill>
-                  <a:srgbClr val="000000"/>
-                </a:solidFill>
-                <a:latin typeface="Courier" charset="0"/>
-                <a:ea typeface="Courier" charset="0"/>
-                <a:cs typeface="Courier" charset="0"/>
-              </a:rPr>
-              <a:t>": "Capability to control the level",</a:t>
-            </a:r>
-          </a:p>
-          <a:p>
-            <a:r>
-              <a:rPr lang="en-US" sz="1600" dirty="0">
-                <a:solidFill>
-                  <a:srgbClr val="000000"/>
-                </a:solidFill>
-                <a:latin typeface="Courier" charset="0"/>
-                <a:ea typeface="Courier" charset="0"/>
-                <a:cs typeface="Courier" charset="0"/>
-              </a:rPr>
-              <a:t>  "</a:t>
-            </a:r>
-            <a:r>
-              <a:rPr lang="en-US" sz="1600" dirty="0" err="1">
-                <a:solidFill>
-                  <a:srgbClr val="000000"/>
-                </a:solidFill>
-                <a:latin typeface="Courier" charset="0"/>
-                <a:ea typeface="Courier" charset="0"/>
-                <a:cs typeface="Courier" charset="0"/>
-              </a:rPr>
-              <a:t>rdfs:label</a:t>
-            </a:r>
-            <a:r>
-              <a:rPr lang="en-US" sz="1600" dirty="0">
-                <a:solidFill>
-                  <a:srgbClr val="000000"/>
-                </a:solidFill>
-                <a:latin typeface="Courier" charset="0"/>
-                <a:ea typeface="Courier" charset="0"/>
-                <a:cs typeface="Courier" charset="0"/>
-              </a:rPr>
-              <a:t>": "SmartThings </a:t>
-            </a:r>
-            <a:r>
-              <a:rPr lang="en-US" sz="1600" dirty="0" err="1">
-                <a:solidFill>
-                  <a:srgbClr val="000000"/>
-                </a:solidFill>
-                <a:latin typeface="Courier" charset="0"/>
-                <a:ea typeface="Courier" charset="0"/>
-                <a:cs typeface="Courier" charset="0"/>
-              </a:rPr>
-              <a:t>SwitchLevel</a:t>
-            </a:r>
-            <a:r>
-              <a:rPr lang="en-US" sz="1600" dirty="0">
-                <a:solidFill>
-                  <a:srgbClr val="000000"/>
-                </a:solidFill>
-                <a:latin typeface="Courier" charset="0"/>
-                <a:ea typeface="Courier" charset="0"/>
-                <a:cs typeface="Courier" charset="0"/>
-              </a:rPr>
-              <a:t> Capability",</a:t>
-            </a:r>
-          </a:p>
-          <a:p>
-            <a:r>
-              <a:rPr lang="en-US" sz="1600" dirty="0">
-                <a:solidFill>
-                  <a:srgbClr val="000000"/>
-                </a:solidFill>
-                <a:latin typeface="Courier" charset="0"/>
-                <a:ea typeface="Courier" charset="0"/>
-                <a:cs typeface="Courier" charset="0"/>
-              </a:rPr>
-              <a:t>  "</a:t>
-            </a:r>
-            <a:r>
-              <a:rPr lang="en-US" sz="1600" dirty="0" err="1">
-                <a:solidFill>
-                  <a:srgbClr val="000000"/>
-                </a:solidFill>
-                <a:latin typeface="Courier" charset="0"/>
-                <a:ea typeface="Courier" charset="0"/>
-                <a:cs typeface="Courier" charset="0"/>
-              </a:rPr>
-              <a:t>odm:hasInteractionAffordance</a:t>
-            </a:r>
-            <a:r>
-              <a:rPr lang="en-US" sz="1600" dirty="0">
-                <a:solidFill>
-                  <a:srgbClr val="000000"/>
-                </a:solidFill>
-                <a:latin typeface="Courier" charset="0"/>
-                <a:ea typeface="Courier" charset="0"/>
-                <a:cs typeface="Courier" charset="0"/>
-              </a:rPr>
-              <a:t>": [</a:t>
-            </a:r>
-          </a:p>
-          <a:p>
-            <a:r>
-              <a:rPr lang="en-US" sz="1600" dirty="0">
-                <a:solidFill>
-                  <a:srgbClr val="000000"/>
-                </a:solidFill>
-                <a:latin typeface="Courier" charset="0"/>
-                <a:ea typeface="Courier" charset="0"/>
-                <a:cs typeface="Courier" charset="0"/>
-              </a:rPr>
-              <a:t>    "</a:t>
-            </a:r>
-            <a:r>
-              <a:rPr lang="en-US" sz="1600" dirty="0" err="1">
-                <a:solidFill>
-                  <a:srgbClr val="000000"/>
-                </a:solidFill>
-                <a:latin typeface="Courier" charset="0"/>
-                <a:ea typeface="Courier" charset="0"/>
-                <a:cs typeface="Courier" charset="0"/>
-              </a:rPr>
-              <a:t>st:SwitchLevel.levelProperty</a:t>
-            </a:r>
-            <a:r>
-              <a:rPr lang="en-US" sz="1600" dirty="0">
-                <a:solidFill>
-                  <a:srgbClr val="000000"/>
-                </a:solidFill>
-                <a:latin typeface="Courier" charset="0"/>
-                <a:ea typeface="Courier" charset="0"/>
-                <a:cs typeface="Courier" charset="0"/>
-              </a:rPr>
-              <a:t>",</a:t>
-            </a:r>
-          </a:p>
-          <a:p>
-            <a:r>
-              <a:rPr lang="en-US" sz="1600" dirty="0">
-                <a:solidFill>
-                  <a:srgbClr val="000000"/>
-                </a:solidFill>
-                <a:latin typeface="Courier" charset="0"/>
-                <a:ea typeface="Courier" charset="0"/>
-                <a:cs typeface="Courier" charset="0"/>
-              </a:rPr>
-              <a:t>    "</a:t>
-            </a:r>
-            <a:r>
-              <a:rPr lang="en-US" sz="1600" dirty="0" err="1">
-                <a:solidFill>
-                  <a:srgbClr val="000000"/>
-                </a:solidFill>
-                <a:latin typeface="Courier" charset="0"/>
-                <a:ea typeface="Courier" charset="0"/>
-                <a:cs typeface="Courier" charset="0"/>
-              </a:rPr>
-              <a:t>st:SwitchLevel.setLevelAction</a:t>
-            </a:r>
-            <a:r>
-              <a:rPr lang="en-US" sz="1600" dirty="0">
-                <a:solidFill>
-                  <a:srgbClr val="000000"/>
-                </a:solidFill>
-                <a:latin typeface="Courier" charset="0"/>
-                <a:ea typeface="Courier" charset="0"/>
-                <a:cs typeface="Courier" charset="0"/>
-              </a:rPr>
-              <a:t>"</a:t>
-            </a:r>
-          </a:p>
-          <a:p>
-            <a:r>
-              <a:rPr lang="en-US" sz="1600" dirty="0">
-                <a:solidFill>
-                  <a:srgbClr val="000000"/>
-                </a:solidFill>
-                <a:latin typeface="Courier" charset="0"/>
-                <a:ea typeface="Courier" charset="0"/>
-                <a:cs typeface="Courier" charset="0"/>
-              </a:rPr>
-              <a:t>  ]</a:t>
-            </a:r>
-          </a:p>
-          <a:p>
-            <a:r>
-              <a:rPr lang="en-US" sz="1600" dirty="0">
-                <a:solidFill>
-                  <a:srgbClr val="000000"/>
-                </a:solidFill>
-                <a:latin typeface="Courier" charset="0"/>
-                <a:ea typeface="Courier" charset="0"/>
-                <a:cs typeface="Courier" charset="0"/>
-              </a:rPr>
-              <a:t>}</a:t>
-            </a:r>
-            <a:endParaRPr lang="en-US" sz="1600" b="0" i="0" dirty="0">
-              <a:solidFill>
-                <a:srgbClr val="000000"/>
-              </a:solidFill>
-              <a:effectLst/>
-              <a:latin typeface="Courier" charset="0"/>
-              <a:ea typeface="Courier" charset="0"/>
-              <a:cs typeface="Courier" charset="0"/>
-            </a:endParaRPr>
-          </a:p>
-        </p:txBody>
-      </p:sp>
+      </p:pic>
     </p:spTree>
     <p:extLst>
       <p:ext uri="{BB962C8B-B14F-4D97-AF65-F5344CB8AC3E}">
-        <p14:creationId xmlns:p14="http://schemas.microsoft.com/office/powerpoint/2010/main" val="1185219346"/>
+        <p14:creationId xmlns:p14="http://schemas.microsoft.com/office/powerpoint/2010/main" val="1837012348"/>
       </p:ext>
     </p:extLst>
   </p:cSld>
@@ -6981,767 +8450,90 @@
             <p:ph type="title"/>
           </p:nvPr>
         </p:nvSpPr>
-        <p:spPr>
-          <a:xfrm>
-            <a:off x="441613" y="84572"/>
-            <a:ext cx="7886700" cy="1325563"/>
-          </a:xfrm>
-        </p:spPr>
+        <p:spPr/>
         <p:txBody>
           <a:bodyPr/>
           <a:lstStyle/>
           <a:p>
             <a:r>
-              <a:rPr lang="en-US" dirty="0"/>
-              <a:t>Properties, Actions, Events</a:t>
-            </a:r>
-          </a:p>
-        </p:txBody>
-      </p:sp>
-      <p:sp>
-        <p:nvSpPr>
-          <p:cNvPr id="4" name="Rectangle 3"/>
-          <p:cNvSpPr/>
-          <p:nvPr/>
-        </p:nvSpPr>
-        <p:spPr>
-          <a:xfrm>
-            <a:off x="1070263" y="1410135"/>
-            <a:ext cx="6400800" cy="4770537"/>
-          </a:xfrm>
-          <a:prstGeom prst="rect">
-            <a:avLst/>
-          </a:prstGeom>
-        </p:spPr>
-        <p:txBody>
-          <a:bodyPr wrap="square">
-            <a:spAutoFit/>
-          </a:bodyPr>
+              <a:rPr lang="en-US" dirty="0" err="1" smtClean="0"/>
+              <a:t>Schema.org</a:t>
+            </a:r>
+            <a:r>
+              <a:rPr lang="en-US" dirty="0" smtClean="0"/>
+              <a:t> integration</a:t>
+            </a:r>
+            <a:endParaRPr lang="en-US" dirty="0"/>
+          </a:p>
+        </p:txBody>
+      </p:sp>
+      <p:sp>
+        <p:nvSpPr>
+          <p:cNvPr id="3" name="Content Placeholder 2"/>
+          <p:cNvSpPr>
+            <a:spLocks noGrp="1"/>
+          </p:cNvSpPr>
+          <p:nvPr>
+            <p:ph idx="1"/>
+          </p:nvPr>
+        </p:nvSpPr>
+        <p:spPr/>
+        <p:txBody>
+          <a:bodyPr/>
           <a:lstStyle/>
           <a:p>
             <a:r>
-              <a:rPr lang="en-US" sz="1600" dirty="0">
-                <a:solidFill>
-                  <a:srgbClr val="000000"/>
-                </a:solidFill>
-                <a:latin typeface="Courier" charset="0"/>
-                <a:ea typeface="Courier" charset="0"/>
-                <a:cs typeface="Courier" charset="0"/>
-              </a:rPr>
-              <a:t>{</a:t>
-            </a:r>
-          </a:p>
-          <a:p>
-            <a:r>
-              <a:rPr lang="en-US" sz="1600" dirty="0">
-                <a:solidFill>
-                  <a:srgbClr val="000000"/>
-                </a:solidFill>
-                <a:latin typeface="Courier" charset="0"/>
-                <a:ea typeface="Courier" charset="0"/>
-                <a:cs typeface="Courier" charset="0"/>
-              </a:rPr>
-              <a:t>  "@id": "</a:t>
-            </a:r>
-            <a:r>
-              <a:rPr lang="en-US" sz="1600" dirty="0" err="1">
-                <a:solidFill>
-                  <a:srgbClr val="000000"/>
-                </a:solidFill>
-                <a:latin typeface="Courier" charset="0"/>
-                <a:ea typeface="Courier" charset="0"/>
-                <a:cs typeface="Courier" charset="0"/>
-              </a:rPr>
-              <a:t>st:SwitchLevel.levelProperty</a:t>
-            </a:r>
-            <a:r>
-              <a:rPr lang="en-US" sz="1600" dirty="0">
-                <a:solidFill>
-                  <a:srgbClr val="000000"/>
-                </a:solidFill>
-                <a:latin typeface="Courier" charset="0"/>
-                <a:ea typeface="Courier" charset="0"/>
-                <a:cs typeface="Courier" charset="0"/>
-              </a:rPr>
-              <a:t>",</a:t>
-            </a:r>
-          </a:p>
-          <a:p>
-            <a:r>
-              <a:rPr lang="en-US" sz="1600" dirty="0">
-                <a:solidFill>
-                  <a:srgbClr val="000000"/>
-                </a:solidFill>
-                <a:latin typeface="Courier" charset="0"/>
-                <a:ea typeface="Courier" charset="0"/>
-                <a:cs typeface="Courier" charset="0"/>
-              </a:rPr>
-              <a:t>  "</a:t>
-            </a:r>
-            <a:r>
-              <a:rPr lang="en-US" sz="1600" dirty="0" err="1">
-                <a:solidFill>
-                  <a:srgbClr val="000000"/>
-                </a:solidFill>
-                <a:latin typeface="Courier" charset="0"/>
-                <a:ea typeface="Courier" charset="0"/>
-                <a:cs typeface="Courier" charset="0"/>
-              </a:rPr>
-              <a:t>rdfs:comment</a:t>
-            </a:r>
-            <a:r>
-              <a:rPr lang="en-US" sz="1600" dirty="0">
-                <a:solidFill>
-                  <a:srgbClr val="000000"/>
-                </a:solidFill>
-                <a:latin typeface="Courier" charset="0"/>
-                <a:ea typeface="Courier" charset="0"/>
-                <a:cs typeface="Courier" charset="0"/>
-              </a:rPr>
-              <a:t>": "The current level setting",</a:t>
-            </a:r>
-          </a:p>
-          <a:p>
-            <a:r>
-              <a:rPr lang="en-US" sz="1600" dirty="0">
-                <a:solidFill>
-                  <a:srgbClr val="000000"/>
-                </a:solidFill>
-                <a:latin typeface="Courier" charset="0"/>
-                <a:ea typeface="Courier" charset="0"/>
-                <a:cs typeface="Courier" charset="0"/>
-              </a:rPr>
-              <a:t>  "</a:t>
-            </a:r>
-            <a:r>
-              <a:rPr lang="en-US" sz="1600" dirty="0" err="1">
-                <a:solidFill>
-                  <a:srgbClr val="000000"/>
-                </a:solidFill>
-                <a:latin typeface="Courier" charset="0"/>
-                <a:ea typeface="Courier" charset="0"/>
-                <a:cs typeface="Courier" charset="0"/>
-              </a:rPr>
-              <a:t>rdfs:label</a:t>
-            </a:r>
-            <a:r>
-              <a:rPr lang="en-US" sz="1600" dirty="0">
-                <a:solidFill>
-                  <a:srgbClr val="000000"/>
-                </a:solidFill>
-                <a:latin typeface="Courier" charset="0"/>
-                <a:ea typeface="Courier" charset="0"/>
-                <a:cs typeface="Courier" charset="0"/>
-              </a:rPr>
-              <a:t>": "</a:t>
-            </a:r>
-            <a:r>
-              <a:rPr lang="en-US" sz="1600" dirty="0" err="1">
-                <a:solidFill>
-                  <a:srgbClr val="000000"/>
-                </a:solidFill>
-                <a:latin typeface="Courier" charset="0"/>
-                <a:ea typeface="Courier" charset="0"/>
-                <a:cs typeface="Courier" charset="0"/>
-              </a:rPr>
-              <a:t>SwitchLevel</a:t>
-            </a:r>
-            <a:r>
-              <a:rPr lang="en-US" sz="1600" dirty="0">
-                <a:solidFill>
-                  <a:srgbClr val="000000"/>
-                </a:solidFill>
-                <a:latin typeface="Courier" charset="0"/>
-                <a:ea typeface="Courier" charset="0"/>
-                <a:cs typeface="Courier" charset="0"/>
-              </a:rPr>
+              <a:rPr lang="en-US" dirty="0" smtClean="0"/>
+              <a:t>Drive it through issues and discussion on our </a:t>
+            </a:r>
+            <a:r>
+              <a:rPr lang="en-US" dirty="0" err="1" smtClean="0"/>
+              <a:t>iotschema-collab</a:t>
+            </a:r>
+            <a:r>
+              <a:rPr lang="en-US" dirty="0" smtClean="0"/>
               <a:t> </a:t>
             </a:r>
             <a:r>
-              <a:rPr lang="en-US" sz="1600" dirty="0" err="1">
-                <a:solidFill>
-                  <a:srgbClr val="000000"/>
-                </a:solidFill>
-                <a:latin typeface="Courier" charset="0"/>
-                <a:ea typeface="Courier" charset="0"/>
-                <a:cs typeface="Courier" charset="0"/>
-              </a:rPr>
-              <a:t>levelProperty</a:t>
-            </a:r>
-            <a:r>
-              <a:rPr lang="en-US" sz="1600" dirty="0">
-                <a:solidFill>
-                  <a:srgbClr val="000000"/>
-                </a:solidFill>
-                <a:latin typeface="Courier" charset="0"/>
-                <a:ea typeface="Courier" charset="0"/>
-                <a:cs typeface="Courier" charset="0"/>
-              </a:rPr>
-              <a:t>",</a:t>
-            </a:r>
-          </a:p>
-          <a:p>
-            <a:r>
-              <a:rPr lang="en-US" sz="1600" dirty="0">
-                <a:solidFill>
-                  <a:srgbClr val="000000"/>
-                </a:solidFill>
-                <a:latin typeface="Courier" charset="0"/>
-                <a:ea typeface="Courier" charset="0"/>
-                <a:cs typeface="Courier" charset="0"/>
-              </a:rPr>
-              <a:t>  "@type": "</a:t>
-            </a:r>
-            <a:r>
-              <a:rPr lang="en-US" sz="1600" dirty="0" err="1">
-                <a:solidFill>
-                  <a:srgbClr val="000000"/>
-                </a:solidFill>
-                <a:latin typeface="Courier" charset="0"/>
-                <a:ea typeface="Courier" charset="0"/>
-                <a:cs typeface="Courier" charset="0"/>
-              </a:rPr>
-              <a:t>odm.PropertyInteraction</a:t>
-            </a:r>
-            <a:r>
-              <a:rPr lang="en-US" sz="1600" dirty="0">
-                <a:solidFill>
-                  <a:srgbClr val="000000"/>
-                </a:solidFill>
-                <a:latin typeface="Courier" charset="0"/>
-                <a:ea typeface="Courier" charset="0"/>
-                <a:cs typeface="Courier" charset="0"/>
-              </a:rPr>
-              <a:t>",</a:t>
-            </a:r>
-          </a:p>
-          <a:p>
-            <a:r>
-              <a:rPr lang="en-US" sz="1600" dirty="0">
-                <a:solidFill>
-                  <a:srgbClr val="000000"/>
-                </a:solidFill>
-                <a:latin typeface="Courier" charset="0"/>
-                <a:ea typeface="Courier" charset="0"/>
-                <a:cs typeface="Courier" charset="0"/>
-              </a:rPr>
-              <a:t>  "</a:t>
-            </a:r>
-            <a:r>
-              <a:rPr lang="en-US" sz="1600" dirty="0" err="1">
-                <a:solidFill>
-                  <a:srgbClr val="000000"/>
-                </a:solidFill>
-                <a:latin typeface="Courier" charset="0"/>
-                <a:ea typeface="Courier" charset="0"/>
-                <a:cs typeface="Courier" charset="0"/>
-              </a:rPr>
-              <a:t>rdfs:subClassOf</a:t>
-            </a:r>
-            <a:r>
-              <a:rPr lang="en-US" sz="1600" dirty="0">
-                <a:solidFill>
-                  <a:srgbClr val="000000"/>
-                </a:solidFill>
-                <a:latin typeface="Courier" charset="0"/>
-                <a:ea typeface="Courier" charset="0"/>
-                <a:cs typeface="Courier" charset="0"/>
-              </a:rPr>
-              <a:t>": "</a:t>
-            </a:r>
-            <a:r>
-              <a:rPr lang="en-US" sz="1600" dirty="0" err="1">
-                <a:solidFill>
-                  <a:srgbClr val="000000"/>
-                </a:solidFill>
-                <a:latin typeface="Courier" charset="0"/>
-                <a:ea typeface="Courier" charset="0"/>
-                <a:cs typeface="Courier" charset="0"/>
-              </a:rPr>
-              <a:t>odm:InteractionAffordance</a:t>
-            </a:r>
-            <a:r>
-              <a:rPr lang="en-US" sz="1600" dirty="0">
-                <a:solidFill>
-                  <a:srgbClr val="000000"/>
-                </a:solidFill>
-                <a:latin typeface="Courier" charset="0"/>
-                <a:ea typeface="Courier" charset="0"/>
-                <a:cs typeface="Courier" charset="0"/>
-              </a:rPr>
-              <a:t>",</a:t>
-            </a:r>
-          </a:p>
-          <a:p>
-            <a:r>
-              <a:rPr lang="en-US" sz="1600" dirty="0">
-                <a:solidFill>
-                  <a:srgbClr val="000000"/>
-                </a:solidFill>
-                <a:latin typeface="Courier" charset="0"/>
-                <a:ea typeface="Courier" charset="0"/>
-                <a:cs typeface="Courier" charset="0"/>
-              </a:rPr>
-              <a:t>  "</a:t>
-            </a:r>
-            <a:r>
-              <a:rPr lang="en-US" sz="1600" dirty="0" err="1">
-                <a:solidFill>
-                  <a:srgbClr val="000000"/>
-                </a:solidFill>
-                <a:latin typeface="Courier" charset="0"/>
-                <a:ea typeface="Courier" charset="0"/>
-                <a:cs typeface="Courier" charset="0"/>
-              </a:rPr>
-              <a:t>odm:hasDataItem</a:t>
-            </a:r>
-            <a:r>
-              <a:rPr lang="en-US" sz="1600" dirty="0">
-                <a:solidFill>
-                  <a:srgbClr val="000000"/>
-                </a:solidFill>
-                <a:latin typeface="Courier" charset="0"/>
-                <a:ea typeface="Courier" charset="0"/>
-                <a:cs typeface="Courier" charset="0"/>
-              </a:rPr>
-              <a:t>": "</a:t>
-            </a:r>
-            <a:r>
-              <a:rPr lang="en-US" sz="1600" dirty="0" err="1">
-                <a:solidFill>
-                  <a:srgbClr val="000000"/>
-                </a:solidFill>
-                <a:latin typeface="Courier" charset="0"/>
-                <a:ea typeface="Courier" charset="0"/>
-                <a:cs typeface="Courier" charset="0"/>
-              </a:rPr>
-              <a:t>st:SwitchLevel.levelData</a:t>
-            </a:r>
-            <a:r>
-              <a:rPr lang="en-US" sz="1600" dirty="0">
-                <a:solidFill>
-                  <a:srgbClr val="000000"/>
-                </a:solidFill>
-                <a:latin typeface="Courier" charset="0"/>
-                <a:ea typeface="Courier" charset="0"/>
-                <a:cs typeface="Courier" charset="0"/>
-              </a:rPr>
-              <a:t>"</a:t>
-            </a:r>
-          </a:p>
-          <a:p>
-            <a:r>
-              <a:rPr lang="en-US" sz="1600" dirty="0">
-                <a:solidFill>
-                  <a:srgbClr val="000000"/>
-                </a:solidFill>
-                <a:latin typeface="Courier" charset="0"/>
-                <a:ea typeface="Courier" charset="0"/>
-                <a:cs typeface="Courier" charset="0"/>
-              </a:rPr>
-              <a:t>},</a:t>
-            </a:r>
-          </a:p>
-          <a:p>
-            <a:r>
-              <a:rPr lang="en-US" sz="1600" dirty="0">
-                <a:solidFill>
-                  <a:srgbClr val="000000"/>
-                </a:solidFill>
-                <a:latin typeface="Courier" charset="0"/>
-                <a:ea typeface="Courier" charset="0"/>
-                <a:cs typeface="Courier" charset="0"/>
-              </a:rPr>
-              <a:t>{</a:t>
-            </a:r>
-          </a:p>
-          <a:p>
-            <a:r>
-              <a:rPr lang="en-US" sz="1600" dirty="0">
-                <a:solidFill>
-                  <a:srgbClr val="000000"/>
-                </a:solidFill>
-                <a:latin typeface="Courier" charset="0"/>
-                <a:ea typeface="Courier" charset="0"/>
-                <a:cs typeface="Courier" charset="0"/>
-              </a:rPr>
-              <a:t>  "@id": "</a:t>
-            </a:r>
-            <a:r>
-              <a:rPr lang="en-US" sz="1600" dirty="0" err="1">
-                <a:solidFill>
-                  <a:srgbClr val="000000"/>
-                </a:solidFill>
-                <a:latin typeface="Courier" charset="0"/>
-                <a:ea typeface="Courier" charset="0"/>
-                <a:cs typeface="Courier" charset="0"/>
-              </a:rPr>
-              <a:t>st:SwitchLevel.setLevelAction</a:t>
-            </a:r>
-            <a:r>
-              <a:rPr lang="en-US" sz="1600" dirty="0">
-                <a:solidFill>
-                  <a:srgbClr val="000000"/>
-                </a:solidFill>
-                <a:latin typeface="Courier" charset="0"/>
-                <a:ea typeface="Courier" charset="0"/>
-                <a:cs typeface="Courier" charset="0"/>
-              </a:rPr>
-              <a:t>",</a:t>
-            </a:r>
-          </a:p>
-          <a:p>
-            <a:r>
-              <a:rPr lang="en-US" sz="1600" dirty="0">
-                <a:solidFill>
-                  <a:srgbClr val="000000"/>
-                </a:solidFill>
-                <a:latin typeface="Courier" charset="0"/>
-                <a:ea typeface="Courier" charset="0"/>
-                <a:cs typeface="Courier" charset="0"/>
-              </a:rPr>
-              <a:t>  "</a:t>
-            </a:r>
-            <a:r>
-              <a:rPr lang="en-US" sz="1600" dirty="0" err="1">
-                <a:solidFill>
-                  <a:srgbClr val="000000"/>
-                </a:solidFill>
-                <a:latin typeface="Courier" charset="0"/>
-                <a:ea typeface="Courier" charset="0"/>
-                <a:cs typeface="Courier" charset="0"/>
-              </a:rPr>
-              <a:t>rdfs:comment</a:t>
-            </a:r>
-            <a:r>
-              <a:rPr lang="en-US" sz="1600" dirty="0">
-                <a:solidFill>
-                  <a:srgbClr val="000000"/>
-                </a:solidFill>
-                <a:latin typeface="Courier" charset="0"/>
-                <a:ea typeface="Courier" charset="0"/>
-                <a:cs typeface="Courier" charset="0"/>
-              </a:rPr>
-              <a:t>": "Action to set the level",</a:t>
-            </a:r>
-          </a:p>
-          <a:p>
-            <a:r>
-              <a:rPr lang="en-US" sz="1600" dirty="0">
-                <a:solidFill>
-                  <a:srgbClr val="000000"/>
-                </a:solidFill>
-                <a:latin typeface="Courier" charset="0"/>
-                <a:ea typeface="Courier" charset="0"/>
-                <a:cs typeface="Courier" charset="0"/>
-              </a:rPr>
-              <a:t>  "</a:t>
-            </a:r>
-            <a:r>
-              <a:rPr lang="en-US" sz="1600" dirty="0" err="1">
-                <a:solidFill>
-                  <a:srgbClr val="000000"/>
-                </a:solidFill>
-                <a:latin typeface="Courier" charset="0"/>
-                <a:ea typeface="Courier" charset="0"/>
-                <a:cs typeface="Courier" charset="0"/>
-              </a:rPr>
-              <a:t>rdfs:label</a:t>
-            </a:r>
-            <a:r>
-              <a:rPr lang="en-US" sz="1600" dirty="0">
-                <a:solidFill>
-                  <a:srgbClr val="000000"/>
-                </a:solidFill>
-                <a:latin typeface="Courier" charset="0"/>
-                <a:ea typeface="Courier" charset="0"/>
-                <a:cs typeface="Courier" charset="0"/>
-              </a:rPr>
-              <a:t>": "</a:t>
-            </a:r>
-            <a:r>
-              <a:rPr lang="en-US" sz="1600" dirty="0" err="1">
-                <a:solidFill>
-                  <a:srgbClr val="000000"/>
-                </a:solidFill>
-                <a:latin typeface="Courier" charset="0"/>
-                <a:ea typeface="Courier" charset="0"/>
-                <a:cs typeface="Courier" charset="0"/>
-              </a:rPr>
-              <a:t>SwitchLevel</a:t>
-            </a:r>
-            <a:r>
-              <a:rPr lang="en-US" sz="1600" dirty="0">
-                <a:solidFill>
-                  <a:srgbClr val="000000"/>
-                </a:solidFill>
-                <a:latin typeface="Courier" charset="0"/>
-                <a:ea typeface="Courier" charset="0"/>
-                <a:cs typeface="Courier" charset="0"/>
-              </a:rPr>
+              <a:rPr lang="en-US" dirty="0" err="1" smtClean="0"/>
+              <a:t>github</a:t>
+            </a:r>
+            <a:r>
+              <a:rPr lang="en-US" dirty="0" smtClean="0"/>
+              <a:t> organization and in the new CG</a:t>
+            </a:r>
+          </a:p>
+          <a:p>
+            <a:r>
+              <a:rPr lang="en-US" dirty="0" smtClean="0"/>
+              <a:t>At some key point, create issues on the </a:t>
+            </a:r>
+            <a:r>
+              <a:rPr lang="en-US" dirty="0" err="1" smtClean="0"/>
+              <a:t>schema.org</a:t>
+            </a:r>
+            <a:r>
+              <a:rPr lang="en-US" dirty="0" smtClean="0"/>
               <a:t> </a:t>
             </a:r>
             <a:r>
-              <a:rPr lang="en-US" sz="1600" dirty="0" err="1">
-                <a:solidFill>
-                  <a:srgbClr val="000000"/>
-                </a:solidFill>
-                <a:latin typeface="Courier" charset="0"/>
-                <a:ea typeface="Courier" charset="0"/>
-                <a:cs typeface="Courier" charset="0"/>
-              </a:rPr>
-              <a:t>setLevelAction</a:t>
-            </a:r>
-            <a:r>
-              <a:rPr lang="en-US" sz="1600" dirty="0">
-                <a:solidFill>
-                  <a:srgbClr val="000000"/>
-                </a:solidFill>
-                <a:latin typeface="Courier" charset="0"/>
-                <a:ea typeface="Courier" charset="0"/>
-                <a:cs typeface="Courier" charset="0"/>
-              </a:rPr>
-              <a:t>",</a:t>
-            </a:r>
-          </a:p>
-          <a:p>
-            <a:r>
-              <a:rPr lang="en-US" sz="1600" dirty="0">
-                <a:solidFill>
-                  <a:srgbClr val="000000"/>
-                </a:solidFill>
-                <a:latin typeface="Courier" charset="0"/>
-                <a:ea typeface="Courier" charset="0"/>
-                <a:cs typeface="Courier" charset="0"/>
-              </a:rPr>
-              <a:t>  "@type": "</a:t>
-            </a:r>
-            <a:r>
-              <a:rPr lang="en-US" sz="1600" dirty="0" err="1">
-                <a:solidFill>
-                  <a:srgbClr val="000000"/>
-                </a:solidFill>
-                <a:latin typeface="Courier" charset="0"/>
-                <a:ea typeface="Courier" charset="0"/>
-                <a:cs typeface="Courier" charset="0"/>
-              </a:rPr>
-              <a:t>odm:ActionInteraction</a:t>
-            </a:r>
-            <a:r>
-              <a:rPr lang="en-US" sz="1600" dirty="0">
-                <a:solidFill>
-                  <a:srgbClr val="000000"/>
-                </a:solidFill>
-                <a:latin typeface="Courier" charset="0"/>
-                <a:ea typeface="Courier" charset="0"/>
-                <a:cs typeface="Courier" charset="0"/>
-              </a:rPr>
-              <a:t>",</a:t>
-            </a:r>
-          </a:p>
-          <a:p>
-            <a:r>
-              <a:rPr lang="en-US" sz="1600" dirty="0">
-                <a:solidFill>
-                  <a:srgbClr val="000000"/>
-                </a:solidFill>
-                <a:latin typeface="Courier" charset="0"/>
-                <a:ea typeface="Courier" charset="0"/>
-                <a:cs typeface="Courier" charset="0"/>
-              </a:rPr>
-              <a:t>  "</a:t>
-            </a:r>
-            <a:r>
-              <a:rPr lang="en-US" sz="1600" dirty="0" err="1">
-                <a:solidFill>
-                  <a:srgbClr val="000000"/>
-                </a:solidFill>
-                <a:latin typeface="Courier" charset="0"/>
-                <a:ea typeface="Courier" charset="0"/>
-                <a:cs typeface="Courier" charset="0"/>
-              </a:rPr>
-              <a:t>rdfs:subClassOf</a:t>
-            </a:r>
-            <a:r>
-              <a:rPr lang="en-US" sz="1600" dirty="0">
-                <a:solidFill>
-                  <a:srgbClr val="000000"/>
-                </a:solidFill>
-                <a:latin typeface="Courier" charset="0"/>
-                <a:ea typeface="Courier" charset="0"/>
-                <a:cs typeface="Courier" charset="0"/>
-              </a:rPr>
-              <a:t>":"</a:t>
-            </a:r>
-            <a:r>
-              <a:rPr lang="en-US" sz="1600" dirty="0" err="1">
-                <a:solidFill>
-                  <a:srgbClr val="000000"/>
-                </a:solidFill>
-                <a:latin typeface="Courier" charset="0"/>
-                <a:ea typeface="Courier" charset="0"/>
-                <a:cs typeface="Courier" charset="0"/>
-              </a:rPr>
-              <a:t>odm:InteractionAffordance</a:t>
-            </a:r>
-            <a:r>
-              <a:rPr lang="en-US" sz="1600" dirty="0">
-                <a:solidFill>
-                  <a:srgbClr val="000000"/>
-                </a:solidFill>
-                <a:latin typeface="Courier" charset="0"/>
-                <a:ea typeface="Courier" charset="0"/>
-                <a:cs typeface="Courier" charset="0"/>
-              </a:rPr>
-              <a:t>",</a:t>
-            </a:r>
-          </a:p>
-          <a:p>
-            <a:r>
-              <a:rPr lang="en-US" sz="1600" dirty="0">
-                <a:solidFill>
-                  <a:srgbClr val="000000"/>
-                </a:solidFill>
-                <a:latin typeface="Courier" charset="0"/>
-                <a:ea typeface="Courier" charset="0"/>
-                <a:cs typeface="Courier" charset="0"/>
-              </a:rPr>
-              <a:t>  "</a:t>
-            </a:r>
-            <a:r>
-              <a:rPr lang="en-US" sz="1600" dirty="0" err="1">
-                <a:solidFill>
-                  <a:srgbClr val="000000"/>
-                </a:solidFill>
-                <a:latin typeface="Courier" charset="0"/>
-                <a:ea typeface="Courier" charset="0"/>
-                <a:cs typeface="Courier" charset="0"/>
-              </a:rPr>
-              <a:t>odm:hasDataItem</a:t>
-            </a:r>
-            <a:r>
-              <a:rPr lang="en-US" sz="1600" dirty="0">
-                <a:solidFill>
-                  <a:srgbClr val="000000"/>
-                </a:solidFill>
-                <a:latin typeface="Courier" charset="0"/>
-                <a:ea typeface="Courier" charset="0"/>
-                <a:cs typeface="Courier" charset="0"/>
-              </a:rPr>
-              <a:t>": [</a:t>
-            </a:r>
-          </a:p>
-          <a:p>
-            <a:r>
-              <a:rPr lang="en-US" sz="1600" dirty="0">
-                <a:solidFill>
-                  <a:srgbClr val="000000"/>
-                </a:solidFill>
-                <a:latin typeface="Courier" charset="0"/>
-                <a:ea typeface="Courier" charset="0"/>
-                <a:cs typeface="Courier" charset="0"/>
-              </a:rPr>
-              <a:t>    "</a:t>
-            </a:r>
-            <a:r>
-              <a:rPr lang="en-US" sz="1600" dirty="0" err="1">
-                <a:solidFill>
-                  <a:srgbClr val="000000"/>
-                </a:solidFill>
-                <a:latin typeface="Courier" charset="0"/>
-                <a:ea typeface="Courier" charset="0"/>
-                <a:cs typeface="Courier" charset="0"/>
-              </a:rPr>
-              <a:t>st:SwitchLevel.levelData</a:t>
-            </a:r>
-            <a:r>
-              <a:rPr lang="en-US" sz="1600" dirty="0">
-                <a:solidFill>
-                  <a:srgbClr val="000000"/>
-                </a:solidFill>
-                <a:latin typeface="Courier" charset="0"/>
-                <a:ea typeface="Courier" charset="0"/>
-                <a:cs typeface="Courier" charset="0"/>
-              </a:rPr>
-              <a:t>"</a:t>
-            </a:r>
-          </a:p>
-          <a:p>
-            <a:r>
-              <a:rPr lang="en-US" sz="1600" dirty="0">
-                <a:solidFill>
-                  <a:srgbClr val="000000"/>
-                </a:solidFill>
-                <a:latin typeface="Courier" charset="0"/>
-                <a:ea typeface="Courier" charset="0"/>
-                <a:cs typeface="Courier" charset="0"/>
-              </a:rPr>
-              <a:t>    "</a:t>
-            </a:r>
-            <a:r>
-              <a:rPr lang="en-US" sz="1600" dirty="0" err="1">
-                <a:solidFill>
-                  <a:srgbClr val="000000"/>
-                </a:solidFill>
-                <a:latin typeface="Courier" charset="0"/>
-                <a:ea typeface="Courier" charset="0"/>
-                <a:cs typeface="Courier" charset="0"/>
-              </a:rPr>
-              <a:t>st:SwitchLevel.rateData</a:t>
-            </a:r>
-            <a:r>
-              <a:rPr lang="en-US" sz="1600" dirty="0">
-                <a:solidFill>
-                  <a:srgbClr val="000000"/>
-                </a:solidFill>
-                <a:latin typeface="Courier" charset="0"/>
-                <a:ea typeface="Courier" charset="0"/>
-                <a:cs typeface="Courier" charset="0"/>
-              </a:rPr>
-              <a:t>"</a:t>
-            </a:r>
-          </a:p>
-          <a:p>
-            <a:r>
-              <a:rPr lang="en-US" sz="1600" dirty="0">
-                <a:solidFill>
-                  <a:srgbClr val="000000"/>
-                </a:solidFill>
-                <a:latin typeface="Courier" charset="0"/>
-                <a:ea typeface="Courier" charset="0"/>
-                <a:cs typeface="Courier" charset="0"/>
-              </a:rPr>
-              <a:t>  ]</a:t>
-            </a:r>
-          </a:p>
-          <a:p>
-            <a:r>
-              <a:rPr lang="en-US" sz="1600" dirty="0">
-                <a:solidFill>
-                  <a:srgbClr val="000000"/>
-                </a:solidFill>
-                <a:latin typeface="Courier" charset="0"/>
-                <a:ea typeface="Courier" charset="0"/>
-                <a:cs typeface="Courier" charset="0"/>
-              </a:rPr>
-              <a:t>}</a:t>
-            </a:r>
-            <a:endParaRPr lang="en-US" sz="1600" b="0" i="0" dirty="0">
-              <a:solidFill>
-                <a:srgbClr val="000000"/>
-              </a:solidFill>
-              <a:effectLst/>
-              <a:latin typeface="Courier" charset="0"/>
-              <a:ea typeface="Courier" charset="0"/>
-              <a:cs typeface="Courier" charset="0"/>
-            </a:endParaRPr>
+              <a:rPr lang="en-US" dirty="0" err="1" smtClean="0"/>
+              <a:t>github</a:t>
+            </a:r>
+            <a:r>
+              <a:rPr lang="en-US" dirty="0" smtClean="0"/>
+              <a:t> organization</a:t>
+            </a:r>
+          </a:p>
+          <a:p>
+            <a:endParaRPr lang="en-US" dirty="0"/>
           </a:p>
         </p:txBody>
       </p:sp>
     </p:spTree>
     <p:extLst>
       <p:ext uri="{BB962C8B-B14F-4D97-AF65-F5344CB8AC3E}">
-        <p14:creationId xmlns:p14="http://schemas.microsoft.com/office/powerpoint/2010/main" val="2070722297"/>
+        <p14:creationId xmlns:p14="http://schemas.microsoft.com/office/powerpoint/2010/main" val="294139917"/>
       </p:ext>
     </p:extLst>
   </p:cSld>
@@ -7785,1078 +8577,119 @@
             <p:ph type="title"/>
           </p:nvPr>
         </p:nvSpPr>
-        <p:spPr>
-          <a:xfrm>
-            <a:off x="83127" y="0"/>
-            <a:ext cx="7886700" cy="1325563"/>
-          </a:xfrm>
-        </p:spPr>
+        <p:spPr/>
         <p:txBody>
           <a:bodyPr/>
           <a:lstStyle/>
           <a:p>
             <a:r>
-              <a:rPr lang="en-US" dirty="0"/>
-              <a:t>Data Items</a:t>
-            </a:r>
-          </a:p>
-        </p:txBody>
-      </p:sp>
-      <p:sp>
-        <p:nvSpPr>
-          <p:cNvPr id="4" name="Rectangle 3"/>
-          <p:cNvSpPr/>
-          <p:nvPr/>
-        </p:nvSpPr>
-        <p:spPr>
-          <a:xfrm>
-            <a:off x="1735282" y="814161"/>
-            <a:ext cx="7211290" cy="5909310"/>
-          </a:xfrm>
-          <a:prstGeom prst="rect">
-            <a:avLst/>
-          </a:prstGeom>
-        </p:spPr>
-        <p:txBody>
-          <a:bodyPr wrap="square">
-            <a:spAutoFit/>
-          </a:bodyPr>
+              <a:rPr lang="en-US" dirty="0" smtClean="0"/>
+              <a:t>One Data Model Proposal</a:t>
+            </a:r>
+            <a:endParaRPr lang="en-US" dirty="0"/>
+          </a:p>
+        </p:txBody>
+      </p:sp>
+      <p:sp>
+        <p:nvSpPr>
+          <p:cNvPr id="3" name="Content Placeholder 2"/>
+          <p:cNvSpPr>
+            <a:spLocks noGrp="1"/>
+          </p:cNvSpPr>
+          <p:nvPr>
+            <p:ph idx="1"/>
+          </p:nvPr>
+        </p:nvSpPr>
+        <p:spPr/>
+        <p:txBody>
+          <a:bodyPr/>
           <a:lstStyle/>
           <a:p>
             <a:r>
-              <a:rPr lang="en-US" sz="1400" dirty="0">
-                <a:solidFill>
-                  <a:srgbClr val="000000"/>
-                </a:solidFill>
-                <a:latin typeface="Courier" charset="0"/>
-                <a:ea typeface="Courier" charset="0"/>
-                <a:cs typeface="Courier" charset="0"/>
-              </a:rPr>
-              <a:t>{</a:t>
-            </a:r>
-          </a:p>
-          <a:p>
-            <a:r>
-              <a:rPr lang="en-US" sz="1400" dirty="0">
-                <a:solidFill>
-                  <a:srgbClr val="000000"/>
-                </a:solidFill>
-                <a:latin typeface="Courier" charset="0"/>
-                <a:ea typeface="Courier" charset="0"/>
-                <a:cs typeface="Courier" charset="0"/>
-              </a:rPr>
-              <a:t>  "@id": "</a:t>
-            </a:r>
-            <a:r>
-              <a:rPr lang="en-US" sz="1400" dirty="0" err="1">
-                <a:solidFill>
-                  <a:srgbClr val="000000"/>
-                </a:solidFill>
-                <a:latin typeface="Courier" charset="0"/>
-                <a:ea typeface="Courier" charset="0"/>
-                <a:cs typeface="Courier" charset="0"/>
-              </a:rPr>
-              <a:t>st:Switch.valueData</a:t>
-            </a:r>
-            <a:r>
-              <a:rPr lang="en-US" sz="1400" dirty="0">
-                <a:solidFill>
-                  <a:srgbClr val="000000"/>
-                </a:solidFill>
-                <a:latin typeface="Courier" charset="0"/>
-                <a:ea typeface="Courier" charset="0"/>
-                <a:cs typeface="Courier" charset="0"/>
-              </a:rPr>
-              <a:t>",</a:t>
-            </a:r>
-          </a:p>
-          <a:p>
-            <a:r>
-              <a:rPr lang="en-US" sz="1400" dirty="0">
-                <a:solidFill>
-                  <a:srgbClr val="000000"/>
-                </a:solidFill>
-                <a:latin typeface="Courier" charset="0"/>
-                <a:ea typeface="Courier" charset="0"/>
-                <a:cs typeface="Courier" charset="0"/>
-              </a:rPr>
-              <a:t>  "</a:t>
-            </a:r>
-            <a:r>
-              <a:rPr lang="en-US" sz="1400" dirty="0" err="1">
-                <a:solidFill>
-                  <a:srgbClr val="000000"/>
-                </a:solidFill>
-                <a:latin typeface="Courier" charset="0"/>
-                <a:ea typeface="Courier" charset="0"/>
-                <a:cs typeface="Courier" charset="0"/>
-              </a:rPr>
-              <a:t>rdfs:comment</a:t>
-            </a:r>
-            <a:r>
-              <a:rPr lang="en-US" sz="1400" dirty="0">
-                <a:solidFill>
-                  <a:srgbClr val="000000"/>
-                </a:solidFill>
-                <a:latin typeface="Courier" charset="0"/>
-                <a:ea typeface="Courier" charset="0"/>
-                <a:cs typeface="Courier" charset="0"/>
-              </a:rPr>
-              <a:t>": "value data for Switch (on/off string encoding)",</a:t>
-            </a:r>
-          </a:p>
-          <a:p>
-            <a:r>
-              <a:rPr lang="en-US" sz="1400" dirty="0">
-                <a:solidFill>
-                  <a:srgbClr val="000000"/>
-                </a:solidFill>
-                <a:latin typeface="Courier" charset="0"/>
-                <a:ea typeface="Courier" charset="0"/>
-                <a:cs typeface="Courier" charset="0"/>
-              </a:rPr>
-              <a:t>  "</a:t>
-            </a:r>
-            <a:r>
-              <a:rPr lang="en-US" sz="1400" dirty="0" err="1">
-                <a:solidFill>
-                  <a:srgbClr val="000000"/>
-                </a:solidFill>
-                <a:latin typeface="Courier" charset="0"/>
-                <a:ea typeface="Courier" charset="0"/>
-                <a:cs typeface="Courier" charset="0"/>
-              </a:rPr>
-              <a:t>rdfs:label</a:t>
-            </a:r>
-            <a:r>
-              <a:rPr lang="en-US" sz="1400" dirty="0">
-                <a:solidFill>
-                  <a:srgbClr val="000000"/>
-                </a:solidFill>
-                <a:latin typeface="Courier" charset="0"/>
-                <a:ea typeface="Courier" charset="0"/>
-                <a:cs typeface="Courier" charset="0"/>
-              </a:rPr>
-              <a:t>": "SmartThings </a:t>
-            </a:r>
-            <a:r>
-              <a:rPr lang="en-US" sz="1400" dirty="0" err="1">
-                <a:solidFill>
-                  <a:srgbClr val="000000"/>
-                </a:solidFill>
-                <a:latin typeface="Courier" charset="0"/>
-                <a:ea typeface="Courier" charset="0"/>
-                <a:cs typeface="Courier" charset="0"/>
-              </a:rPr>
-              <a:t>SwitchLevel.levelData</a:t>
-            </a:r>
-            <a:r>
-              <a:rPr lang="en-US" sz="1400" dirty="0">
-                <a:solidFill>
-                  <a:srgbClr val="000000"/>
-                </a:solidFill>
-                <a:latin typeface="Courier" charset="0"/>
-                <a:ea typeface="Courier" charset="0"/>
-                <a:cs typeface="Courier" charset="0"/>
-              </a:rPr>
-              <a:t>",</a:t>
-            </a:r>
-          </a:p>
-          <a:p>
-            <a:r>
-              <a:rPr lang="en-US" sz="1400" dirty="0">
-                <a:solidFill>
-                  <a:srgbClr val="000000"/>
-                </a:solidFill>
-                <a:latin typeface="Courier" charset="0"/>
-                <a:ea typeface="Courier" charset="0"/>
-                <a:cs typeface="Courier" charset="0"/>
-              </a:rPr>
-              <a:t>  "</a:t>
-            </a:r>
-            <a:r>
-              <a:rPr lang="en-US" sz="1400" dirty="0" err="1">
-                <a:solidFill>
-                  <a:srgbClr val="000000"/>
-                </a:solidFill>
-                <a:latin typeface="Courier" charset="0"/>
-                <a:ea typeface="Courier" charset="0"/>
-                <a:cs typeface="Courier" charset="0"/>
-              </a:rPr>
-              <a:t>rdfs:subClassOf</a:t>
-            </a:r>
-            <a:r>
-              <a:rPr lang="en-US" sz="1400" dirty="0">
-                <a:solidFill>
-                  <a:srgbClr val="000000"/>
-                </a:solidFill>
-                <a:latin typeface="Courier" charset="0"/>
-                <a:ea typeface="Courier" charset="0"/>
-                <a:cs typeface="Courier" charset="0"/>
-              </a:rPr>
-              <a:t>": "</a:t>
-            </a:r>
-            <a:r>
-              <a:rPr lang="en-US" sz="1400" dirty="0" err="1">
-                <a:solidFill>
-                  <a:srgbClr val="000000"/>
-                </a:solidFill>
-                <a:latin typeface="Courier" charset="0"/>
-                <a:ea typeface="Courier" charset="0"/>
-                <a:cs typeface="Courier" charset="0"/>
-              </a:rPr>
-              <a:t>odm:DataItem</a:t>
-            </a:r>
-            <a:r>
-              <a:rPr lang="en-US" sz="1400" dirty="0">
-                <a:solidFill>
-                  <a:srgbClr val="000000"/>
-                </a:solidFill>
-                <a:latin typeface="Courier" charset="0"/>
-                <a:ea typeface="Courier" charset="0"/>
-                <a:cs typeface="Courier" charset="0"/>
-              </a:rPr>
-              <a:t>",</a:t>
-            </a:r>
-          </a:p>
-          <a:p>
-            <a:r>
-              <a:rPr lang="en-US" sz="1400" dirty="0">
-                <a:solidFill>
-                  <a:srgbClr val="000000"/>
-                </a:solidFill>
-                <a:latin typeface="Courier" charset="0"/>
-                <a:ea typeface="Courier" charset="0"/>
-                <a:cs typeface="Courier" charset="0"/>
-              </a:rPr>
-              <a:t>  "</a:t>
-            </a:r>
-            <a:r>
-              <a:rPr lang="en-US" sz="1400" dirty="0" err="1">
-                <a:solidFill>
-                  <a:srgbClr val="000000"/>
-                </a:solidFill>
-                <a:latin typeface="Courier" charset="0"/>
-                <a:ea typeface="Courier" charset="0"/>
-                <a:cs typeface="Courier" charset="0"/>
-              </a:rPr>
-              <a:t>odm:DataItemType</a:t>
-            </a:r>
-            <a:r>
-              <a:rPr lang="en-US" sz="1400" dirty="0">
-                <a:solidFill>
-                  <a:srgbClr val="000000"/>
-                </a:solidFill>
-                <a:latin typeface="Courier" charset="0"/>
-                <a:ea typeface="Courier" charset="0"/>
-                <a:cs typeface="Courier" charset="0"/>
-              </a:rPr>
-              <a:t>": "</a:t>
-            </a:r>
-            <a:r>
-              <a:rPr lang="en-US" sz="1400" dirty="0" err="1">
-                <a:solidFill>
-                  <a:srgbClr val="000000"/>
-                </a:solidFill>
-                <a:latin typeface="Courier" charset="0"/>
-                <a:ea typeface="Courier" charset="0"/>
-                <a:cs typeface="Courier" charset="0"/>
-              </a:rPr>
-              <a:t>js:string</a:t>
-            </a:r>
-            <a:r>
-              <a:rPr lang="en-US" sz="1400" dirty="0">
-                <a:solidFill>
-                  <a:srgbClr val="000000"/>
-                </a:solidFill>
-                <a:latin typeface="Courier" charset="0"/>
-                <a:ea typeface="Courier" charset="0"/>
-                <a:cs typeface="Courier" charset="0"/>
-              </a:rPr>
-              <a:t>",</a:t>
-            </a:r>
-          </a:p>
-          <a:p>
-            <a:r>
-              <a:rPr lang="en-US" sz="1400" dirty="0">
-                <a:solidFill>
-                  <a:srgbClr val="000000"/>
-                </a:solidFill>
-                <a:latin typeface="Courier" charset="0"/>
-                <a:ea typeface="Courier" charset="0"/>
-                <a:cs typeface="Courier" charset="0"/>
-              </a:rPr>
-              <a:t>  "</a:t>
-            </a:r>
-            <a:r>
-              <a:rPr lang="en-US" sz="1400" dirty="0" err="1">
-                <a:solidFill>
-                  <a:srgbClr val="000000"/>
-                </a:solidFill>
-                <a:latin typeface="Courier" charset="0"/>
-                <a:ea typeface="Courier" charset="0"/>
-                <a:cs typeface="Courier" charset="0"/>
-              </a:rPr>
-              <a:t>js:enum</a:t>
-            </a:r>
-            <a:r>
-              <a:rPr lang="en-US" sz="1400" dirty="0">
-                <a:solidFill>
-                  <a:srgbClr val="000000"/>
-                </a:solidFill>
-                <a:latin typeface="Courier" charset="0"/>
-                <a:ea typeface="Courier" charset="0"/>
-                <a:cs typeface="Courier" charset="0"/>
-              </a:rPr>
-              <a:t>": ["on", "off"]</a:t>
-            </a:r>
-          </a:p>
-          <a:p>
-            <a:r>
-              <a:rPr lang="en-US" sz="1400" dirty="0">
-                <a:solidFill>
-                  <a:srgbClr val="000000"/>
-                </a:solidFill>
-                <a:latin typeface="Courier" charset="0"/>
-                <a:ea typeface="Courier" charset="0"/>
-                <a:cs typeface="Courier" charset="0"/>
-              </a:rPr>
-              <a:t>},</a:t>
-            </a:r>
-          </a:p>
-          <a:p>
-            <a:r>
-              <a:rPr lang="en-US" sz="1400" dirty="0">
-                <a:solidFill>
-                  <a:srgbClr val="000000"/>
-                </a:solidFill>
-                <a:latin typeface="Courier" charset="0"/>
-                <a:ea typeface="Courier" charset="0"/>
-                <a:cs typeface="Courier" charset="0"/>
-              </a:rPr>
-              <a:t>{</a:t>
-            </a:r>
-          </a:p>
-          <a:p>
-            <a:r>
-              <a:rPr lang="en-US" sz="1400" dirty="0">
-                <a:solidFill>
-                  <a:srgbClr val="000000"/>
-                </a:solidFill>
-                <a:latin typeface="Courier" charset="0"/>
-                <a:ea typeface="Courier" charset="0"/>
-                <a:cs typeface="Courier" charset="0"/>
-              </a:rPr>
-              <a:t>  "@id": "</a:t>
-            </a:r>
-            <a:r>
-              <a:rPr lang="en-US" sz="1400" dirty="0" err="1">
-                <a:solidFill>
-                  <a:srgbClr val="000000"/>
-                </a:solidFill>
-                <a:latin typeface="Courier" charset="0"/>
-                <a:ea typeface="Courier" charset="0"/>
-                <a:cs typeface="Courier" charset="0"/>
-              </a:rPr>
-              <a:t>st:SwitchLevel.levelData</a:t>
-            </a:r>
-            <a:r>
-              <a:rPr lang="en-US" sz="1400" dirty="0">
-                <a:solidFill>
-                  <a:srgbClr val="000000"/>
-                </a:solidFill>
-                <a:latin typeface="Courier" charset="0"/>
-                <a:ea typeface="Courier" charset="0"/>
-                <a:cs typeface="Courier" charset="0"/>
-              </a:rPr>
-              <a:t>",</a:t>
-            </a:r>
-          </a:p>
-          <a:p>
-            <a:r>
-              <a:rPr lang="en-US" sz="1400" dirty="0">
-                <a:solidFill>
-                  <a:srgbClr val="000000"/>
-                </a:solidFill>
-                <a:latin typeface="Courier" charset="0"/>
-                <a:ea typeface="Courier" charset="0"/>
-                <a:cs typeface="Courier" charset="0"/>
-              </a:rPr>
-              <a:t>  "</a:t>
-            </a:r>
-            <a:r>
-              <a:rPr lang="en-US" sz="1400" dirty="0" err="1">
-                <a:solidFill>
-                  <a:srgbClr val="000000"/>
-                </a:solidFill>
-                <a:latin typeface="Courier" charset="0"/>
-                <a:ea typeface="Courier" charset="0"/>
-                <a:cs typeface="Courier" charset="0"/>
-              </a:rPr>
-              <a:t>rdfs:comment</a:t>
-            </a:r>
-            <a:r>
-              <a:rPr lang="en-US" sz="1400" dirty="0">
-                <a:solidFill>
-                  <a:srgbClr val="000000"/>
-                </a:solidFill>
-                <a:latin typeface="Courier" charset="0"/>
-                <a:ea typeface="Courier" charset="0"/>
-                <a:cs typeface="Courier" charset="0"/>
-              </a:rPr>
-              <a:t>": "Level data for </a:t>
-            </a:r>
-            <a:r>
-              <a:rPr lang="en-US" sz="1400" dirty="0" err="1">
-                <a:solidFill>
-                  <a:srgbClr val="000000"/>
-                </a:solidFill>
-                <a:latin typeface="Courier" charset="0"/>
-                <a:ea typeface="Courier" charset="0"/>
-                <a:cs typeface="Courier" charset="0"/>
-              </a:rPr>
-              <a:t>SwitchLevel</a:t>
-            </a:r>
-            <a:r>
-              <a:rPr lang="en-US" sz="1400" dirty="0">
-                <a:solidFill>
-                  <a:srgbClr val="000000"/>
-                </a:solidFill>
-                <a:latin typeface="Courier" charset="0"/>
-                <a:ea typeface="Courier" charset="0"/>
-                <a:cs typeface="Courier" charset="0"/>
-              </a:rPr>
-              <a:t>",</a:t>
-            </a:r>
-          </a:p>
-          <a:p>
-            <a:r>
-              <a:rPr lang="en-US" sz="1400" dirty="0">
-                <a:solidFill>
-                  <a:srgbClr val="000000"/>
-                </a:solidFill>
-                <a:latin typeface="Courier" charset="0"/>
-                <a:ea typeface="Courier" charset="0"/>
-                <a:cs typeface="Courier" charset="0"/>
-              </a:rPr>
-              <a:t>  "</a:t>
-            </a:r>
-            <a:r>
-              <a:rPr lang="en-US" sz="1400" dirty="0" err="1">
-                <a:solidFill>
-                  <a:srgbClr val="000000"/>
-                </a:solidFill>
-                <a:latin typeface="Courier" charset="0"/>
-                <a:ea typeface="Courier" charset="0"/>
-                <a:cs typeface="Courier" charset="0"/>
-              </a:rPr>
-              <a:t>rdfs:label</a:t>
-            </a:r>
-            <a:r>
-              <a:rPr lang="en-US" sz="1400" dirty="0">
-                <a:solidFill>
-                  <a:srgbClr val="000000"/>
-                </a:solidFill>
-                <a:latin typeface="Courier" charset="0"/>
-                <a:ea typeface="Courier" charset="0"/>
-                <a:cs typeface="Courier" charset="0"/>
-              </a:rPr>
-              <a:t>": "SmartThings </a:t>
-            </a:r>
-            <a:r>
-              <a:rPr lang="en-US" sz="1400" dirty="0" err="1">
-                <a:solidFill>
-                  <a:srgbClr val="000000"/>
-                </a:solidFill>
-                <a:latin typeface="Courier" charset="0"/>
-                <a:ea typeface="Courier" charset="0"/>
-                <a:cs typeface="Courier" charset="0"/>
-              </a:rPr>
-              <a:t>SwitchLevel.levelData</a:t>
-            </a:r>
-            <a:r>
-              <a:rPr lang="en-US" sz="1400" dirty="0">
-                <a:solidFill>
-                  <a:srgbClr val="000000"/>
-                </a:solidFill>
-                <a:latin typeface="Courier" charset="0"/>
-                <a:ea typeface="Courier" charset="0"/>
-                <a:cs typeface="Courier" charset="0"/>
-              </a:rPr>
-              <a:t>",</a:t>
-            </a:r>
-          </a:p>
-          <a:p>
-            <a:r>
-              <a:rPr lang="en-US" sz="1400" dirty="0">
-                <a:solidFill>
-                  <a:srgbClr val="000000"/>
-                </a:solidFill>
-                <a:latin typeface="Courier" charset="0"/>
-                <a:ea typeface="Courier" charset="0"/>
-                <a:cs typeface="Courier" charset="0"/>
-              </a:rPr>
-              <a:t>  "</a:t>
-            </a:r>
-            <a:r>
-              <a:rPr lang="en-US" sz="1400" dirty="0" err="1">
-                <a:solidFill>
-                  <a:srgbClr val="000000"/>
-                </a:solidFill>
-                <a:latin typeface="Courier" charset="0"/>
-                <a:ea typeface="Courier" charset="0"/>
-                <a:cs typeface="Courier" charset="0"/>
-              </a:rPr>
-              <a:t>rdfs:subClassOf</a:t>
-            </a:r>
-            <a:r>
-              <a:rPr lang="en-US" sz="1400" dirty="0">
-                <a:solidFill>
-                  <a:srgbClr val="000000"/>
-                </a:solidFill>
-                <a:latin typeface="Courier" charset="0"/>
-                <a:ea typeface="Courier" charset="0"/>
-                <a:cs typeface="Courier" charset="0"/>
-              </a:rPr>
-              <a:t>": "</a:t>
-            </a:r>
-            <a:r>
-              <a:rPr lang="en-US" sz="1400" dirty="0" err="1">
-                <a:solidFill>
-                  <a:srgbClr val="000000"/>
-                </a:solidFill>
-                <a:latin typeface="Courier" charset="0"/>
-                <a:ea typeface="Courier" charset="0"/>
-                <a:cs typeface="Courier" charset="0"/>
-              </a:rPr>
-              <a:t>odm:DataItem</a:t>
-            </a:r>
-            <a:r>
-              <a:rPr lang="en-US" sz="1400" dirty="0">
-                <a:solidFill>
-                  <a:srgbClr val="000000"/>
-                </a:solidFill>
-                <a:latin typeface="Courier" charset="0"/>
-                <a:ea typeface="Courier" charset="0"/>
-                <a:cs typeface="Courier" charset="0"/>
-              </a:rPr>
-              <a:t>",</a:t>
-            </a:r>
-          </a:p>
-          <a:p>
-            <a:r>
-              <a:rPr lang="en-US" sz="1400" dirty="0">
-                <a:solidFill>
-                  <a:srgbClr val="000000"/>
-                </a:solidFill>
-                <a:latin typeface="Courier" charset="0"/>
-                <a:ea typeface="Courier" charset="0"/>
-                <a:cs typeface="Courier" charset="0"/>
-              </a:rPr>
-              <a:t>  "</a:t>
-            </a:r>
-            <a:r>
-              <a:rPr lang="en-US" sz="1400" dirty="0" err="1">
-                <a:solidFill>
-                  <a:srgbClr val="000000"/>
-                </a:solidFill>
-                <a:latin typeface="Courier" charset="0"/>
-                <a:ea typeface="Courier" charset="0"/>
-                <a:cs typeface="Courier" charset="0"/>
-              </a:rPr>
-              <a:t>odm:DataItemType</a:t>
-            </a:r>
-            <a:r>
-              <a:rPr lang="en-US" sz="1400" dirty="0">
-                <a:solidFill>
-                  <a:srgbClr val="000000"/>
-                </a:solidFill>
-                <a:latin typeface="Courier" charset="0"/>
-                <a:ea typeface="Courier" charset="0"/>
-                <a:cs typeface="Courier" charset="0"/>
-              </a:rPr>
-              <a:t>": "</a:t>
-            </a:r>
-            <a:r>
-              <a:rPr lang="en-US" sz="1400" dirty="0" err="1">
-                <a:solidFill>
-                  <a:srgbClr val="000000"/>
-                </a:solidFill>
-                <a:latin typeface="Courier" charset="0"/>
-                <a:ea typeface="Courier" charset="0"/>
-                <a:cs typeface="Courier" charset="0"/>
-              </a:rPr>
-              <a:t>js:integer</a:t>
-            </a:r>
-            <a:r>
-              <a:rPr lang="en-US" sz="1400" dirty="0">
-                <a:solidFill>
-                  <a:srgbClr val="000000"/>
-                </a:solidFill>
-                <a:latin typeface="Courier" charset="0"/>
-                <a:ea typeface="Courier" charset="0"/>
-                <a:cs typeface="Courier" charset="0"/>
-              </a:rPr>
-              <a:t>",</a:t>
-            </a:r>
-          </a:p>
-          <a:p>
-            <a:r>
-              <a:rPr lang="en-US" sz="1400" dirty="0">
-                <a:solidFill>
-                  <a:srgbClr val="000000"/>
-                </a:solidFill>
-                <a:latin typeface="Courier" charset="0"/>
-                <a:ea typeface="Courier" charset="0"/>
-                <a:cs typeface="Courier" charset="0"/>
-              </a:rPr>
-              <a:t>  "</a:t>
-            </a:r>
-            <a:r>
-              <a:rPr lang="en-US" sz="1400" dirty="0" err="1">
-                <a:solidFill>
-                  <a:srgbClr val="000000"/>
-                </a:solidFill>
-                <a:latin typeface="Courier" charset="0"/>
-                <a:ea typeface="Courier" charset="0"/>
-                <a:cs typeface="Courier" charset="0"/>
-              </a:rPr>
-              <a:t>js:minimum</a:t>
-            </a:r>
-            <a:r>
-              <a:rPr lang="en-US" sz="1400" dirty="0">
-                <a:solidFill>
-                  <a:srgbClr val="000000"/>
-                </a:solidFill>
-                <a:latin typeface="Courier" charset="0"/>
-                <a:ea typeface="Courier" charset="0"/>
-                <a:cs typeface="Courier" charset="0"/>
-              </a:rPr>
-              <a:t>": 0,</a:t>
-            </a:r>
-          </a:p>
-          <a:p>
-            <a:r>
-              <a:rPr lang="en-US" sz="1400" dirty="0">
-                <a:solidFill>
-                  <a:srgbClr val="000000"/>
-                </a:solidFill>
-                <a:latin typeface="Courier" charset="0"/>
-                <a:ea typeface="Courier" charset="0"/>
-                <a:cs typeface="Courier" charset="0"/>
-              </a:rPr>
-              <a:t>  "</a:t>
-            </a:r>
-            <a:r>
-              <a:rPr lang="en-US" sz="1400" dirty="0" err="1">
-                <a:solidFill>
-                  <a:srgbClr val="000000"/>
-                </a:solidFill>
-                <a:latin typeface="Courier" charset="0"/>
-                <a:ea typeface="Courier" charset="0"/>
-                <a:cs typeface="Courier" charset="0"/>
-              </a:rPr>
-              <a:t>js:maximum</a:t>
-            </a:r>
-            <a:r>
-              <a:rPr lang="en-US" sz="1400" dirty="0">
-                <a:solidFill>
-                  <a:srgbClr val="000000"/>
-                </a:solidFill>
-                <a:latin typeface="Courier" charset="0"/>
-                <a:ea typeface="Courier" charset="0"/>
-                <a:cs typeface="Courier" charset="0"/>
-              </a:rPr>
-              <a:t>": 100</a:t>
-            </a:r>
-          </a:p>
-          <a:p>
-            <a:r>
-              <a:rPr lang="en-US" sz="1400" dirty="0">
-                <a:solidFill>
-                  <a:srgbClr val="000000"/>
-                </a:solidFill>
-                <a:latin typeface="Courier" charset="0"/>
-                <a:ea typeface="Courier" charset="0"/>
-                <a:cs typeface="Courier" charset="0"/>
-              </a:rPr>
-              <a:t>},</a:t>
-            </a:r>
-          </a:p>
-          <a:p>
-            <a:r>
-              <a:rPr lang="en-US" sz="1400" dirty="0">
-                <a:solidFill>
-                  <a:srgbClr val="000000"/>
-                </a:solidFill>
-                <a:latin typeface="Courier" charset="0"/>
-                <a:ea typeface="Courier" charset="0"/>
-                <a:cs typeface="Courier" charset="0"/>
-              </a:rPr>
-              <a:t>{</a:t>
-            </a:r>
-          </a:p>
-          <a:p>
-            <a:r>
-              <a:rPr lang="en-US" sz="1400" dirty="0">
-                <a:solidFill>
-                  <a:srgbClr val="000000"/>
-                </a:solidFill>
-                <a:latin typeface="Courier" charset="0"/>
-                <a:ea typeface="Courier" charset="0"/>
-                <a:cs typeface="Courier" charset="0"/>
-              </a:rPr>
-              <a:t>  "@id": "</a:t>
-            </a:r>
-            <a:r>
-              <a:rPr lang="en-US" sz="1400" dirty="0" err="1">
-                <a:solidFill>
-                  <a:srgbClr val="000000"/>
-                </a:solidFill>
-                <a:latin typeface="Courier" charset="0"/>
-                <a:ea typeface="Courier" charset="0"/>
-                <a:cs typeface="Courier" charset="0"/>
-              </a:rPr>
-              <a:t>st:SwitchLevel.rateData</a:t>
-            </a:r>
-            <a:r>
-              <a:rPr lang="en-US" sz="1400" dirty="0">
-                <a:solidFill>
-                  <a:srgbClr val="000000"/>
-                </a:solidFill>
-                <a:latin typeface="Courier" charset="0"/>
-                <a:ea typeface="Courier" charset="0"/>
-                <a:cs typeface="Courier" charset="0"/>
-              </a:rPr>
-              <a:t>",</a:t>
-            </a:r>
-          </a:p>
-          <a:p>
-            <a:r>
-              <a:rPr lang="en-US" sz="1400" dirty="0">
-                <a:solidFill>
-                  <a:srgbClr val="000000"/>
-                </a:solidFill>
-                <a:latin typeface="Courier" charset="0"/>
-                <a:ea typeface="Courier" charset="0"/>
-                <a:cs typeface="Courier" charset="0"/>
-              </a:rPr>
-              <a:t>  "</a:t>
-            </a:r>
-            <a:r>
-              <a:rPr lang="en-US" sz="1400" dirty="0" err="1">
-                <a:solidFill>
-                  <a:srgbClr val="000000"/>
-                </a:solidFill>
-                <a:latin typeface="Courier" charset="0"/>
-                <a:ea typeface="Courier" charset="0"/>
-                <a:cs typeface="Courier" charset="0"/>
-              </a:rPr>
-              <a:t>rdfs:comment</a:t>
-            </a:r>
-            <a:r>
-              <a:rPr lang="en-US" sz="1400" dirty="0">
-                <a:solidFill>
-                  <a:srgbClr val="000000"/>
-                </a:solidFill>
-                <a:latin typeface="Courier" charset="0"/>
-                <a:ea typeface="Courier" charset="0"/>
-                <a:cs typeface="Courier" charset="0"/>
-              </a:rPr>
-              <a:t>": "Rate time data for </a:t>
-            </a:r>
-            <a:r>
-              <a:rPr lang="en-US" sz="1400" dirty="0" err="1">
-                <a:solidFill>
-                  <a:srgbClr val="000000"/>
-                </a:solidFill>
-                <a:latin typeface="Courier" charset="0"/>
-                <a:ea typeface="Courier" charset="0"/>
-                <a:cs typeface="Courier" charset="0"/>
-              </a:rPr>
-              <a:t>setLevelAction</a:t>
-            </a:r>
-            <a:r>
-              <a:rPr lang="en-US" sz="1400" dirty="0">
-                <a:solidFill>
-                  <a:srgbClr val="000000"/>
-                </a:solidFill>
-                <a:latin typeface="Courier" charset="0"/>
-                <a:ea typeface="Courier" charset="0"/>
-                <a:cs typeface="Courier" charset="0"/>
-              </a:rPr>
-              <a:t>",</a:t>
-            </a:r>
-          </a:p>
-          <a:p>
-            <a:r>
-              <a:rPr lang="en-US" sz="1400" dirty="0">
-                <a:solidFill>
-                  <a:srgbClr val="000000"/>
-                </a:solidFill>
-                <a:latin typeface="Courier" charset="0"/>
-                <a:ea typeface="Courier" charset="0"/>
-                <a:cs typeface="Courier" charset="0"/>
-              </a:rPr>
-              <a:t>  "</a:t>
-            </a:r>
-            <a:r>
-              <a:rPr lang="en-US" sz="1400" dirty="0" err="1">
-                <a:solidFill>
-                  <a:srgbClr val="000000"/>
-                </a:solidFill>
-                <a:latin typeface="Courier" charset="0"/>
-                <a:ea typeface="Courier" charset="0"/>
-                <a:cs typeface="Courier" charset="0"/>
-              </a:rPr>
-              <a:t>rdfs:label</a:t>
-            </a:r>
-            <a:r>
-              <a:rPr lang="en-US" sz="1400" dirty="0">
-                <a:solidFill>
-                  <a:srgbClr val="000000"/>
-                </a:solidFill>
-                <a:latin typeface="Courier" charset="0"/>
-                <a:ea typeface="Courier" charset="0"/>
-                <a:cs typeface="Courier" charset="0"/>
-              </a:rPr>
-              <a:t>": "SmartThings </a:t>
-            </a:r>
-            <a:r>
-              <a:rPr lang="en-US" sz="1400" dirty="0" err="1">
-                <a:solidFill>
-                  <a:srgbClr val="000000"/>
-                </a:solidFill>
-                <a:latin typeface="Courier" charset="0"/>
-                <a:ea typeface="Courier" charset="0"/>
-                <a:cs typeface="Courier" charset="0"/>
-              </a:rPr>
-              <a:t>SwitchLevel.rateData</a:t>
-            </a:r>
-            <a:r>
-              <a:rPr lang="en-US" sz="1400" dirty="0">
-                <a:solidFill>
-                  <a:srgbClr val="000000"/>
-                </a:solidFill>
-                <a:latin typeface="Courier" charset="0"/>
-                <a:ea typeface="Courier" charset="0"/>
-                <a:cs typeface="Courier" charset="0"/>
-              </a:rPr>
-              <a:t>",</a:t>
-            </a:r>
-          </a:p>
-          <a:p>
-            <a:r>
-              <a:rPr lang="en-US" sz="1400" dirty="0">
-                <a:solidFill>
-                  <a:srgbClr val="000000"/>
-                </a:solidFill>
-                <a:latin typeface="Courier" charset="0"/>
-                <a:ea typeface="Courier" charset="0"/>
-                <a:cs typeface="Courier" charset="0"/>
-              </a:rPr>
-              <a:t>  "</a:t>
-            </a:r>
-            <a:r>
-              <a:rPr lang="en-US" sz="1400" dirty="0" err="1">
-                <a:solidFill>
-                  <a:srgbClr val="000000"/>
-                </a:solidFill>
-                <a:latin typeface="Courier" charset="0"/>
-                <a:ea typeface="Courier" charset="0"/>
-                <a:cs typeface="Courier" charset="0"/>
-              </a:rPr>
-              <a:t>rdfs:subClassOf</a:t>
-            </a:r>
-            <a:r>
-              <a:rPr lang="en-US" sz="1400" dirty="0">
-                <a:solidFill>
-                  <a:srgbClr val="000000"/>
-                </a:solidFill>
-                <a:latin typeface="Courier" charset="0"/>
-                <a:ea typeface="Courier" charset="0"/>
-                <a:cs typeface="Courier" charset="0"/>
-              </a:rPr>
-              <a:t>": "</a:t>
-            </a:r>
-            <a:r>
-              <a:rPr lang="en-US" sz="1400" dirty="0" err="1">
-                <a:solidFill>
-                  <a:srgbClr val="000000"/>
-                </a:solidFill>
-                <a:latin typeface="Courier" charset="0"/>
-                <a:ea typeface="Courier" charset="0"/>
-                <a:cs typeface="Courier" charset="0"/>
-              </a:rPr>
-              <a:t>odm:DataItem</a:t>
-            </a:r>
-            <a:r>
-              <a:rPr lang="en-US" sz="1400" dirty="0">
-                <a:solidFill>
-                  <a:srgbClr val="000000"/>
-                </a:solidFill>
-                <a:latin typeface="Courier" charset="0"/>
-                <a:ea typeface="Courier" charset="0"/>
-                <a:cs typeface="Courier" charset="0"/>
-              </a:rPr>
-              <a:t>",</a:t>
-            </a:r>
-          </a:p>
-          <a:p>
-            <a:r>
-              <a:rPr lang="en-US" sz="1400" dirty="0">
-                <a:solidFill>
-                  <a:srgbClr val="000000"/>
-                </a:solidFill>
-                <a:latin typeface="Courier" charset="0"/>
-                <a:ea typeface="Courier" charset="0"/>
-                <a:cs typeface="Courier" charset="0"/>
-              </a:rPr>
-              <a:t>  "</a:t>
-            </a:r>
-            <a:r>
-              <a:rPr lang="en-US" sz="1400" dirty="0" err="1">
-                <a:solidFill>
-                  <a:srgbClr val="000000"/>
-                </a:solidFill>
-                <a:latin typeface="Courier" charset="0"/>
-                <a:ea typeface="Courier" charset="0"/>
-                <a:cs typeface="Courier" charset="0"/>
-              </a:rPr>
-              <a:t>odm:DataItemType</a:t>
-            </a:r>
-            <a:r>
-              <a:rPr lang="en-US" sz="1400" dirty="0">
-                <a:solidFill>
-                  <a:srgbClr val="000000"/>
-                </a:solidFill>
-                <a:latin typeface="Courier" charset="0"/>
-                <a:ea typeface="Courier" charset="0"/>
-                <a:cs typeface="Courier" charset="0"/>
-              </a:rPr>
-              <a:t>": "</a:t>
-            </a:r>
-            <a:r>
-              <a:rPr lang="en-US" sz="1400" dirty="0" err="1">
-                <a:solidFill>
-                  <a:srgbClr val="000000"/>
-                </a:solidFill>
-                <a:latin typeface="Courier" charset="0"/>
-                <a:ea typeface="Courier" charset="0"/>
-                <a:cs typeface="Courier" charset="0"/>
-              </a:rPr>
-              <a:t>js:integer</a:t>
-            </a:r>
-            <a:r>
-              <a:rPr lang="en-US" sz="1400" dirty="0">
-                <a:solidFill>
-                  <a:srgbClr val="000000"/>
-                </a:solidFill>
-                <a:latin typeface="Courier" charset="0"/>
-                <a:ea typeface="Courier" charset="0"/>
-                <a:cs typeface="Courier" charset="0"/>
-              </a:rPr>
-              <a:t>",</a:t>
-            </a:r>
-          </a:p>
-          <a:p>
-            <a:r>
-              <a:rPr lang="en-US" sz="1400" dirty="0">
-                <a:solidFill>
-                  <a:srgbClr val="000000"/>
-                </a:solidFill>
-                <a:latin typeface="Courier" charset="0"/>
-                <a:ea typeface="Courier" charset="0"/>
-                <a:cs typeface="Courier" charset="0"/>
-              </a:rPr>
-              <a:t>  "</a:t>
-            </a:r>
-            <a:r>
-              <a:rPr lang="en-US" sz="1400" dirty="0" err="1">
-                <a:solidFill>
-                  <a:srgbClr val="000000"/>
-                </a:solidFill>
-                <a:latin typeface="Courier" charset="0"/>
-                <a:ea typeface="Courier" charset="0"/>
-                <a:cs typeface="Courier" charset="0"/>
-              </a:rPr>
-              <a:t>js:minimum</a:t>
-            </a:r>
-            <a:r>
-              <a:rPr lang="en-US" sz="1400" dirty="0">
-                <a:solidFill>
-                  <a:srgbClr val="000000"/>
-                </a:solidFill>
-                <a:latin typeface="Courier" charset="0"/>
-                <a:ea typeface="Courier" charset="0"/>
-                <a:cs typeface="Courier" charset="0"/>
-              </a:rPr>
-              <a:t>": 0,</a:t>
-            </a:r>
-          </a:p>
-          <a:p>
-            <a:r>
-              <a:rPr lang="en-US" sz="1400" dirty="0">
-                <a:solidFill>
-                  <a:srgbClr val="000000"/>
-                </a:solidFill>
-                <a:latin typeface="Courier" charset="0"/>
-                <a:ea typeface="Courier" charset="0"/>
-                <a:cs typeface="Courier" charset="0"/>
-              </a:rPr>
-              <a:t>  "</a:t>
-            </a:r>
-            <a:r>
-              <a:rPr lang="en-US" sz="1400" dirty="0" err="1">
-                <a:solidFill>
-                  <a:srgbClr val="000000"/>
-                </a:solidFill>
-                <a:latin typeface="Courier" charset="0"/>
-                <a:ea typeface="Courier" charset="0"/>
-                <a:cs typeface="Courier" charset="0"/>
-              </a:rPr>
-              <a:t>js:maximum</a:t>
-            </a:r>
-            <a:r>
-              <a:rPr lang="en-US" sz="1400" dirty="0">
-                <a:solidFill>
-                  <a:srgbClr val="000000"/>
-                </a:solidFill>
-                <a:latin typeface="Courier" charset="0"/>
-                <a:ea typeface="Courier" charset="0"/>
-                <a:cs typeface="Courier" charset="0"/>
-              </a:rPr>
-              <a:t>": 65535</a:t>
-            </a:r>
-          </a:p>
-          <a:p>
-            <a:r>
-              <a:rPr lang="en-US" sz="1400" dirty="0">
-                <a:solidFill>
-                  <a:srgbClr val="000000"/>
-                </a:solidFill>
-                <a:latin typeface="Courier" charset="0"/>
-                <a:ea typeface="Courier" charset="0"/>
-                <a:cs typeface="Courier" charset="0"/>
-              </a:rPr>
-              <a:t>}</a:t>
-            </a:r>
-            <a:endParaRPr lang="en-US" sz="1400" b="0" i="0" dirty="0">
-              <a:solidFill>
-                <a:srgbClr val="000000"/>
-              </a:solidFill>
-              <a:effectLst/>
-              <a:latin typeface="Courier" charset="0"/>
-              <a:ea typeface="Courier" charset="0"/>
-              <a:cs typeface="Courier" charset="0"/>
-            </a:endParaRPr>
+              <a:rPr lang="en-US" dirty="0" smtClean="0"/>
+              <a:t>High level semantic model that is aligned with the pattern we have been using for the prototype definitions</a:t>
+            </a:r>
+          </a:p>
+          <a:p>
+            <a:r>
+              <a:rPr lang="en-US" dirty="0" smtClean="0"/>
+              <a:t>"has" property types</a:t>
+            </a:r>
+          </a:p>
+          <a:p>
+            <a:r>
+              <a:rPr lang="en-US" dirty="0" err="1" smtClean="0"/>
+              <a:t>DataItem</a:t>
+            </a:r>
+            <a:r>
+              <a:rPr lang="en-US" dirty="0" smtClean="0"/>
+              <a:t> class without any directionality</a:t>
+            </a:r>
+          </a:p>
+          <a:p>
+            <a:r>
+              <a:rPr lang="en-US" dirty="0" smtClean="0"/>
+              <a:t>Protocol Binding based on @type annotations in OCF/Swagger definition files </a:t>
+            </a:r>
+            <a:r>
+              <a:rPr lang="mr-IN" dirty="0" smtClean="0"/>
+              <a:t>–</a:t>
+            </a:r>
+            <a:r>
+              <a:rPr lang="en-US" dirty="0" smtClean="0"/>
+              <a:t> same format as the </a:t>
+            </a:r>
+            <a:r>
+              <a:rPr lang="en-US" dirty="0" err="1" smtClean="0"/>
+              <a:t>WoT</a:t>
+            </a:r>
+            <a:r>
+              <a:rPr lang="en-US" dirty="0" smtClean="0"/>
+              <a:t> TD annotation</a:t>
+            </a:r>
+          </a:p>
+          <a:p>
+            <a:r>
+              <a:rPr lang="en-US" dirty="0">
+                <a:hlinkClick r:id="rId2"/>
+              </a:rPr>
+              <a:t>https://</a:t>
+            </a:r>
+            <a:r>
+              <a:rPr lang="en-US" dirty="0" err="1">
+                <a:hlinkClick r:id="rId2"/>
+              </a:rPr>
+              <a:t>github.com</a:t>
+            </a:r>
+            <a:r>
+              <a:rPr lang="en-US" dirty="0">
+                <a:hlinkClick r:id="rId2"/>
+              </a:rPr>
+              <a:t>/</a:t>
+            </a:r>
+            <a:r>
+              <a:rPr lang="en-US" dirty="0" err="1">
+                <a:hlinkClick r:id="rId2"/>
+              </a:rPr>
+              <a:t>mjkoster</a:t>
+            </a:r>
+            <a:r>
+              <a:rPr lang="en-US" dirty="0">
+                <a:hlinkClick r:id="rId2"/>
+              </a:rPr>
+              <a:t>/ODM-Examples</a:t>
+            </a:r>
+            <a:endParaRPr lang="en-US" dirty="0" smtClean="0"/>
+          </a:p>
+          <a:p>
+            <a:endParaRPr lang="en-US" dirty="0" smtClean="0"/>
           </a:p>
         </p:txBody>
       </p:sp>
     </p:spTree>
     <p:extLst>
       <p:ext uri="{BB962C8B-B14F-4D97-AF65-F5344CB8AC3E}">
-        <p14:creationId xmlns:p14="http://schemas.microsoft.com/office/powerpoint/2010/main" val="509662397"/>
+        <p14:creationId xmlns:p14="http://schemas.microsoft.com/office/powerpoint/2010/main" val="417343712"/>
       </p:ext>
     </p:extLst>
   </p:cSld>
@@ -8902,7 +8735,7 @@
         </p:nvSpPr>
         <p:spPr>
           <a:xfrm>
-            <a:off x="649432" y="84572"/>
+            <a:off x="597477" y="81549"/>
             <a:ext cx="7886700" cy="1325563"/>
           </a:xfrm>
         </p:spPr>
@@ -8912,462 +8745,188 @@
           <a:p>
             <a:r>
               <a:rPr lang="en-US" dirty="0"/>
-              <a:t>OCF Definition </a:t>
+              <a:t>UML </a:t>
             </a:r>
             <a:r>
               <a:rPr lang="en-US" dirty="0" smtClean="0"/>
-              <a:t>with annotated  paths and operations </a:t>
+              <a:t>Model</a:t>
             </a:r>
             <a:endParaRPr lang="en-US" dirty="0"/>
           </a:p>
         </p:txBody>
       </p:sp>
-      <p:sp>
-        <p:nvSpPr>
-          <p:cNvPr id="4" name="Rectangle 3"/>
-          <p:cNvSpPr/>
+      <p:pic>
+        <p:nvPicPr>
+          <p:cNvPr id="4" name="Picture 3"/>
+          <p:cNvPicPr>
+            <a:picLocks noChangeAspect="1"/>
+          </p:cNvPicPr>
           <p:nvPr/>
-        </p:nvSpPr>
+        </p:nvPicPr>
+        <p:blipFill>
+          <a:blip r:embed="rId2">
+            <a:extLst>
+              <a:ext uri="{28A0092B-C50C-407E-A947-70E740481C1C}">
+                <a14:useLocalDpi xmlns:a14="http://schemas.microsoft.com/office/drawing/2010/main" val="0"/>
+              </a:ext>
+            </a:extLst>
+          </a:blip>
+          <a:stretch>
+            <a:fillRect/>
+          </a:stretch>
+        </p:blipFill>
         <p:spPr>
           <a:xfrm>
-            <a:off x="820882" y="1625314"/>
-            <a:ext cx="7086600" cy="4770537"/>
+            <a:off x="4521774" y="1204291"/>
+            <a:ext cx="3167495" cy="5258853"/>
           </a:xfrm>
           <a:prstGeom prst="rect">
             <a:avLst/>
           </a:prstGeom>
         </p:spPr>
-        <p:txBody>
-          <a:bodyPr wrap="square">
+      </p:pic>
+      <p:sp>
+        <p:nvSpPr>
+          <p:cNvPr id="5" name="TextBox 4"/>
+          <p:cNvSpPr txBox="1"/>
+          <p:nvPr/>
+        </p:nvSpPr>
+        <p:spPr>
+          <a:xfrm>
+            <a:off x="2223650" y="1402113"/>
+            <a:ext cx="2919846" cy="646331"/>
+          </a:xfrm>
+          <a:prstGeom prst="rect">
+            <a:avLst/>
+          </a:prstGeom>
+          <a:noFill/>
+        </p:spPr>
+        <p:txBody>
+          <a:bodyPr wrap="square" rtlCol="0">
             <a:spAutoFit/>
           </a:bodyPr>
           <a:lstStyle/>
           <a:p>
             <a:r>
-              <a:rPr lang="en-US" sz="1600" dirty="0">
-                <a:latin typeface="Courier" charset="0"/>
-                <a:ea typeface="Courier" charset="0"/>
-                <a:cs typeface="Courier" charset="0"/>
-              </a:rPr>
-              <a:t>  "paths": {</a:t>
-            </a:r>
-          </a:p>
-          <a:p>
-            <a:r>
-              <a:rPr lang="en-US" sz="1600" dirty="0">
-                <a:latin typeface="Courier" charset="0"/>
-                <a:ea typeface="Courier" charset="0"/>
-                <a:cs typeface="Courier" charset="0"/>
-              </a:rPr>
-              <a:t>    "/</a:t>
-            </a:r>
-            <a:r>
-              <a:rPr lang="en-US" sz="1600" dirty="0" err="1">
-                <a:latin typeface="Courier" charset="0"/>
-                <a:ea typeface="Courier" charset="0"/>
-                <a:cs typeface="Courier" charset="0"/>
-              </a:rPr>
-              <a:t>BinarySwitchResURI</a:t>
-            </a:r>
-            <a:r>
-              <a:rPr lang="en-US" sz="1600" dirty="0">
-                <a:latin typeface="Courier" charset="0"/>
-                <a:ea typeface="Courier" charset="0"/>
-                <a:cs typeface="Courier" charset="0"/>
-              </a:rPr>
-              <a:t>" : {</a:t>
-            </a:r>
-          </a:p>
-          <a:p>
-            <a:r>
-              <a:rPr lang="en-US" sz="1600" dirty="0">
-                <a:latin typeface="Courier" charset="0"/>
-                <a:ea typeface="Courier" charset="0"/>
-                <a:cs typeface="Courier" charset="0"/>
-              </a:rPr>
-              <a:t>      "@type": [</a:t>
-            </a:r>
-          </a:p>
-          <a:p>
-            <a:r>
-              <a:rPr lang="en-US" sz="1600" dirty="0">
-                <a:latin typeface="Courier" charset="0"/>
-                <a:ea typeface="Courier" charset="0"/>
-                <a:cs typeface="Courier" charset="0"/>
-              </a:rPr>
-              <a:t>        "</a:t>
-            </a:r>
-            <a:r>
-              <a:rPr lang="en-US" sz="1600" dirty="0" err="1">
-                <a:solidFill>
-                  <a:srgbClr val="FF0000"/>
-                </a:solidFill>
-                <a:latin typeface="Courier" charset="0"/>
-                <a:ea typeface="Courier" charset="0"/>
-                <a:cs typeface="Courier" charset="0"/>
-              </a:rPr>
-              <a:t>ocf:BinarySwitch.valueProperty</a:t>
-            </a:r>
-            <a:r>
-              <a:rPr lang="en-US" sz="1600" dirty="0">
-                <a:latin typeface="Courier" charset="0"/>
-                <a:ea typeface="Courier" charset="0"/>
-                <a:cs typeface="Courier" charset="0"/>
-              </a:rPr>
-              <a:t>",</a:t>
-            </a:r>
-          </a:p>
-          <a:p>
-            <a:r>
-              <a:rPr lang="en-US" sz="1600" dirty="0">
-                <a:latin typeface="Courier" charset="0"/>
-                <a:ea typeface="Courier" charset="0"/>
-                <a:cs typeface="Courier" charset="0"/>
-              </a:rPr>
-              <a:t>        "</a:t>
-            </a:r>
-            <a:r>
-              <a:rPr lang="en-US" sz="1600" dirty="0" err="1">
-                <a:solidFill>
-                  <a:srgbClr val="FF0000"/>
-                </a:solidFill>
-                <a:latin typeface="Courier" charset="0"/>
-                <a:ea typeface="Courier" charset="0"/>
-                <a:cs typeface="Courier" charset="0"/>
-              </a:rPr>
-              <a:t>ocf:BinarySwitch.OnAction</a:t>
-            </a:r>
-            <a:r>
-              <a:rPr lang="en-US" sz="1600" dirty="0">
-                <a:latin typeface="Courier" charset="0"/>
-                <a:ea typeface="Courier" charset="0"/>
-                <a:cs typeface="Courier" charset="0"/>
-              </a:rPr>
-              <a:t>",</a:t>
-            </a:r>
-          </a:p>
-          <a:p>
-            <a:r>
-              <a:rPr lang="en-US" sz="1600" dirty="0">
-                <a:latin typeface="Courier" charset="0"/>
-                <a:ea typeface="Courier" charset="0"/>
-                <a:cs typeface="Courier" charset="0"/>
-              </a:rPr>
-              <a:t>        "</a:t>
-            </a:r>
-            <a:r>
-              <a:rPr lang="en-US" sz="1600" dirty="0" err="1">
-                <a:solidFill>
-                  <a:srgbClr val="FF0000"/>
-                </a:solidFill>
-                <a:latin typeface="Courier" charset="0"/>
-                <a:ea typeface="Courier" charset="0"/>
-                <a:cs typeface="Courier" charset="0"/>
-              </a:rPr>
-              <a:t>ocf:BinarySwitch.OffAction</a:t>
-            </a:r>
-            <a:r>
-              <a:rPr lang="en-US" sz="1600" dirty="0">
-                <a:latin typeface="Courier" charset="0"/>
-                <a:ea typeface="Courier" charset="0"/>
-                <a:cs typeface="Courier" charset="0"/>
-              </a:rPr>
-              <a:t>"</a:t>
-            </a:r>
-          </a:p>
-          <a:p>
-            <a:r>
-              <a:rPr lang="en-US" sz="1600" dirty="0">
-                <a:latin typeface="Courier" charset="0"/>
-                <a:ea typeface="Courier" charset="0"/>
-                <a:cs typeface="Courier" charset="0"/>
-              </a:rPr>
-              <a:t>      ],</a:t>
-            </a:r>
-          </a:p>
-          <a:p>
-            <a:r>
-              <a:rPr lang="is-IS" sz="1600" dirty="0">
-                <a:latin typeface="Courier" charset="0"/>
-                <a:ea typeface="Courier" charset="0"/>
-                <a:cs typeface="Courier" charset="0"/>
-              </a:rPr>
-              <a:t> </a:t>
-            </a:r>
-            <a:r>
-              <a:rPr lang="en-US" sz="1600" dirty="0">
-                <a:latin typeface="Courier" charset="0"/>
-                <a:ea typeface="Courier" charset="0"/>
-                <a:cs typeface="Courier" charset="0"/>
-              </a:rPr>
-              <a:t>     </a:t>
-            </a:r>
-            <a:r>
-              <a:rPr lang="en-US" sz="1600" dirty="0" smtClean="0">
-                <a:latin typeface="Courier" charset="0"/>
-                <a:ea typeface="Courier" charset="0"/>
-                <a:cs typeface="Courier" charset="0"/>
-              </a:rPr>
-              <a:t>"</a:t>
-            </a:r>
-            <a:r>
-              <a:rPr lang="en-US" sz="1600" dirty="0">
-                <a:latin typeface="Courier" charset="0"/>
-                <a:ea typeface="Courier" charset="0"/>
-                <a:cs typeface="Courier" charset="0"/>
-              </a:rPr>
-              <a:t>get": {        </a:t>
-            </a:r>
-            <a:endParaRPr lang="en-US" sz="1600" dirty="0" smtClean="0">
-              <a:latin typeface="Courier" charset="0"/>
-              <a:ea typeface="Courier" charset="0"/>
-              <a:cs typeface="Courier" charset="0"/>
-            </a:endParaRPr>
-          </a:p>
-          <a:p>
-            <a:r>
-              <a:rPr lang="en-US" sz="1600" dirty="0">
-                <a:latin typeface="Courier" charset="0"/>
-                <a:ea typeface="Courier" charset="0"/>
-                <a:cs typeface="Courier" charset="0"/>
-              </a:rPr>
-              <a:t> </a:t>
-            </a:r>
-            <a:r>
-              <a:rPr lang="en-US" sz="1600" dirty="0" smtClean="0">
-                <a:latin typeface="Courier" charset="0"/>
-                <a:ea typeface="Courier" charset="0"/>
-                <a:cs typeface="Courier" charset="0"/>
-              </a:rPr>
-              <a:t>       "@</a:t>
-            </a:r>
-            <a:r>
-              <a:rPr lang="en-US" sz="1600" dirty="0">
-                <a:latin typeface="Courier" charset="0"/>
-                <a:ea typeface="Courier" charset="0"/>
-                <a:cs typeface="Courier" charset="0"/>
-              </a:rPr>
-              <a:t>type": "</a:t>
-            </a:r>
-            <a:r>
-              <a:rPr lang="en-US" sz="1600" dirty="0" err="1">
-                <a:solidFill>
-                  <a:srgbClr val="FF0000"/>
-                </a:solidFill>
-                <a:latin typeface="Courier" charset="0"/>
-                <a:ea typeface="Courier" charset="0"/>
-                <a:cs typeface="Courier" charset="0"/>
-              </a:rPr>
-              <a:t>ocf:BinarySwitch.valueProperty</a:t>
-            </a:r>
-            <a:r>
-              <a:rPr lang="en-US" sz="1600" dirty="0" smtClean="0">
-                <a:latin typeface="Courier" charset="0"/>
-                <a:ea typeface="Courier" charset="0"/>
-                <a:cs typeface="Courier" charset="0"/>
-              </a:rPr>
-              <a:t>",</a:t>
-            </a:r>
-          </a:p>
-          <a:p>
-            <a:r>
-              <a:rPr lang="en-US" sz="1600" dirty="0" smtClean="0">
-                <a:latin typeface="Courier" charset="0"/>
-                <a:ea typeface="Courier" charset="0"/>
-                <a:cs typeface="Courier" charset="0"/>
-              </a:rPr>
-              <a:t>       }</a:t>
-            </a:r>
-            <a:endParaRPr lang="en-US" sz="1600" dirty="0">
-              <a:latin typeface="Courier" charset="0"/>
-              <a:ea typeface="Courier" charset="0"/>
-              <a:cs typeface="Courier" charset="0"/>
-            </a:endParaRPr>
-          </a:p>
-          <a:p>
-            <a:r>
-              <a:rPr lang="is-IS" sz="1600" dirty="0" smtClean="0">
-                <a:latin typeface="Courier" charset="0"/>
-                <a:ea typeface="Courier" charset="0"/>
-                <a:cs typeface="Courier" charset="0"/>
-              </a:rPr>
-              <a:t> </a:t>
-            </a:r>
-            <a:r>
-              <a:rPr lang="is-IS" sz="1600" dirty="0">
-                <a:latin typeface="Courier" charset="0"/>
-                <a:ea typeface="Courier" charset="0"/>
-                <a:cs typeface="Courier" charset="0"/>
-              </a:rPr>
-              <a:t>    </a:t>
-            </a:r>
-            <a:endParaRPr lang="is-IS" sz="1600" dirty="0" smtClean="0">
-              <a:latin typeface="Courier" charset="0"/>
-              <a:ea typeface="Courier" charset="0"/>
-              <a:cs typeface="Courier" charset="0"/>
-            </a:endParaRPr>
-          </a:p>
-          <a:p>
-            <a:r>
-              <a:rPr lang="is-IS" sz="1600" dirty="0">
-                <a:latin typeface="Courier" charset="0"/>
-                <a:ea typeface="Courier" charset="0"/>
-                <a:cs typeface="Courier" charset="0"/>
-              </a:rPr>
-              <a:t> </a:t>
-            </a:r>
-            <a:r>
-              <a:rPr lang="is-IS" sz="1600" dirty="0" smtClean="0">
-                <a:latin typeface="Courier" charset="0"/>
-                <a:ea typeface="Courier" charset="0"/>
-                <a:cs typeface="Courier" charset="0"/>
-              </a:rPr>
-              <a:t>     "</a:t>
-            </a:r>
-            <a:r>
-              <a:rPr lang="is-IS" sz="1600" dirty="0">
-                <a:latin typeface="Courier" charset="0"/>
-                <a:ea typeface="Courier" charset="0"/>
-                <a:cs typeface="Courier" charset="0"/>
-              </a:rPr>
-              <a:t>post": {</a:t>
-            </a:r>
-          </a:p>
-          <a:p>
-            <a:r>
-              <a:rPr lang="is-IS" sz="1600" dirty="0">
-                <a:latin typeface="Courier" charset="0"/>
-                <a:ea typeface="Courier" charset="0"/>
-                <a:cs typeface="Courier" charset="0"/>
-              </a:rPr>
-              <a:t>        "@type": [</a:t>
-            </a:r>
-          </a:p>
-          <a:p>
-            <a:r>
-              <a:rPr lang="is-IS" sz="1600" dirty="0" smtClean="0">
-                <a:latin typeface="Courier" charset="0"/>
-                <a:ea typeface="Courier" charset="0"/>
-                <a:cs typeface="Courier" charset="0"/>
-              </a:rPr>
-              <a:t>          "</a:t>
-            </a:r>
-            <a:r>
-              <a:rPr lang="is-IS" sz="1600" dirty="0" smtClean="0">
-                <a:solidFill>
-                  <a:srgbClr val="FF0000"/>
-                </a:solidFill>
-                <a:latin typeface="Courier" charset="0"/>
-                <a:ea typeface="Courier" charset="0"/>
-                <a:cs typeface="Courier" charset="0"/>
-              </a:rPr>
-              <a:t>ocf:BinarySwitch.valueProperty</a:t>
-            </a:r>
-            <a:r>
-              <a:rPr lang="is-IS" sz="1600" dirty="0" smtClean="0">
-                <a:latin typeface="Courier" charset="0"/>
-                <a:ea typeface="Courier" charset="0"/>
-                <a:cs typeface="Courier" charset="0"/>
-              </a:rPr>
-              <a:t>",</a:t>
-            </a:r>
-          </a:p>
-          <a:p>
-            <a:r>
-              <a:rPr lang="is-IS" sz="1600" dirty="0" smtClean="0">
-                <a:latin typeface="Courier" charset="0"/>
-                <a:ea typeface="Courier" charset="0"/>
-                <a:cs typeface="Courier" charset="0"/>
-              </a:rPr>
-              <a:t>          "</a:t>
-            </a:r>
-            <a:r>
-              <a:rPr lang="is-IS" sz="1600" dirty="0" smtClean="0">
-                <a:solidFill>
-                  <a:srgbClr val="FF0000"/>
-                </a:solidFill>
-                <a:latin typeface="Courier" charset="0"/>
-                <a:ea typeface="Courier" charset="0"/>
-                <a:cs typeface="Courier" charset="0"/>
-              </a:rPr>
-              <a:t>ocf:BinarySwitch.OnAction</a:t>
-            </a:r>
-            <a:r>
-              <a:rPr lang="is-IS" sz="1600" dirty="0" smtClean="0">
-                <a:latin typeface="Courier" charset="0"/>
-                <a:ea typeface="Courier" charset="0"/>
-                <a:cs typeface="Courier" charset="0"/>
-              </a:rPr>
-              <a:t>",</a:t>
-            </a:r>
-          </a:p>
-          <a:p>
-            <a:r>
-              <a:rPr lang="is-IS" sz="1600" dirty="0" smtClean="0">
-                <a:latin typeface="Courier" charset="0"/>
-                <a:ea typeface="Courier" charset="0"/>
-                <a:cs typeface="Courier" charset="0"/>
-              </a:rPr>
-              <a:t>          "</a:t>
-            </a:r>
-            <a:r>
-              <a:rPr lang="is-IS" sz="1600" dirty="0" smtClean="0">
-                <a:solidFill>
-                  <a:srgbClr val="FF0000"/>
-                </a:solidFill>
-                <a:latin typeface="Courier" charset="0"/>
-                <a:ea typeface="Courier" charset="0"/>
-                <a:cs typeface="Courier" charset="0"/>
-              </a:rPr>
-              <a:t>ocf:BinarySwitch.OffAction</a:t>
-            </a:r>
-            <a:r>
-              <a:rPr lang="is-IS" sz="1600" dirty="0" smtClean="0">
-                <a:latin typeface="Courier" charset="0"/>
-                <a:ea typeface="Courier" charset="0"/>
-                <a:cs typeface="Courier" charset="0"/>
-              </a:rPr>
-              <a:t>"</a:t>
-            </a:r>
-          </a:p>
-          <a:p>
-            <a:r>
-              <a:rPr lang="is-IS" sz="1600" dirty="0" smtClean="0">
-                <a:latin typeface="Courier" charset="0"/>
-                <a:ea typeface="Courier" charset="0"/>
-                <a:cs typeface="Courier" charset="0"/>
-              </a:rPr>
-              <a:t>        ],</a:t>
-            </a:r>
-          </a:p>
-          <a:p>
-            <a:r>
-              <a:rPr lang="is-IS" sz="1600" dirty="0" smtClean="0">
-                <a:latin typeface="Courier" charset="0"/>
-                <a:ea typeface="Courier" charset="0"/>
-                <a:cs typeface="Courier" charset="0"/>
-              </a:rPr>
-              <a:t>      }</a:t>
-            </a:r>
-            <a:br>
-              <a:rPr lang="is-IS" sz="1600" dirty="0" smtClean="0">
-                <a:latin typeface="Courier" charset="0"/>
-                <a:ea typeface="Courier" charset="0"/>
-                <a:cs typeface="Courier" charset="0"/>
-              </a:rPr>
-            </a:br>
-            <a:endParaRPr lang="en-US" sz="1600" dirty="0">
-              <a:latin typeface="Courier" charset="0"/>
-              <a:ea typeface="Courier" charset="0"/>
-              <a:cs typeface="Courier" charset="0"/>
-            </a:endParaRPr>
+              <a:rPr lang="en-US" dirty="0"/>
+              <a:t>Device Type and Constraints e.g. Thermostat, Light</a:t>
+            </a:r>
+          </a:p>
+        </p:txBody>
+      </p:sp>
+      <p:sp>
+        <p:nvSpPr>
+          <p:cNvPr id="6" name="TextBox 5"/>
+          <p:cNvSpPr txBox="1"/>
+          <p:nvPr/>
+        </p:nvSpPr>
+        <p:spPr>
+          <a:xfrm>
+            <a:off x="2223650" y="2727676"/>
+            <a:ext cx="2919846" cy="646331"/>
+          </a:xfrm>
+          <a:prstGeom prst="rect">
+            <a:avLst/>
+          </a:prstGeom>
+          <a:noFill/>
+        </p:spPr>
+        <p:txBody>
+          <a:bodyPr wrap="square" rtlCol="0">
+            <a:spAutoFit/>
+          </a:bodyPr>
+          <a:lstStyle/>
+          <a:p>
+            <a:r>
+              <a:rPr lang="en-US" dirty="0" err="1"/>
+              <a:t>Composable</a:t>
+            </a:r>
+            <a:r>
+              <a:rPr lang="en-US" dirty="0"/>
+              <a:t> Capabilities e.g. </a:t>
+            </a:r>
+            <a:r>
+              <a:rPr lang="en-US" dirty="0" err="1"/>
+              <a:t>onoff</a:t>
+            </a:r>
+            <a:r>
+              <a:rPr lang="en-US" dirty="0"/>
+              <a:t>, level, temperature</a:t>
+            </a:r>
+          </a:p>
+        </p:txBody>
+      </p:sp>
+      <p:sp>
+        <p:nvSpPr>
+          <p:cNvPr id="7" name="TextBox 6"/>
+          <p:cNvSpPr txBox="1"/>
+          <p:nvPr/>
+        </p:nvSpPr>
+        <p:spPr>
+          <a:xfrm>
+            <a:off x="1912789" y="4215543"/>
+            <a:ext cx="2919846" cy="369332"/>
+          </a:xfrm>
+          <a:prstGeom prst="rect">
+            <a:avLst/>
+          </a:prstGeom>
+          <a:noFill/>
+        </p:spPr>
+        <p:txBody>
+          <a:bodyPr wrap="square" rtlCol="0">
+            <a:spAutoFit/>
+          </a:bodyPr>
+          <a:lstStyle/>
+          <a:p>
+            <a:r>
+              <a:rPr lang="en-US" dirty="0"/>
+              <a:t>Events, Actions</a:t>
+            </a:r>
+            <a:r>
+              <a:rPr lang="en-US"/>
+              <a:t>, Properties</a:t>
+            </a:r>
+            <a:endParaRPr lang="en-US" dirty="0"/>
+          </a:p>
+        </p:txBody>
+      </p:sp>
+      <p:sp>
+        <p:nvSpPr>
+          <p:cNvPr id="8" name="TextBox 7"/>
+          <p:cNvSpPr txBox="1"/>
+          <p:nvPr/>
+        </p:nvSpPr>
+        <p:spPr>
+          <a:xfrm>
+            <a:off x="2285996" y="5724587"/>
+            <a:ext cx="2173433" cy="369332"/>
+          </a:xfrm>
+          <a:prstGeom prst="rect">
+            <a:avLst/>
+          </a:prstGeom>
+          <a:noFill/>
+        </p:spPr>
+        <p:txBody>
+          <a:bodyPr wrap="square" rtlCol="0">
+            <a:spAutoFit/>
+          </a:bodyPr>
+          <a:lstStyle/>
+          <a:p>
+            <a:r>
+              <a:rPr lang="en-US" dirty="0"/>
+              <a:t>Data Types, </a:t>
+            </a:r>
+            <a:r>
+              <a:rPr lang="en-US" dirty="0" err="1"/>
+              <a:t>Enums</a:t>
+            </a:r>
+            <a:endParaRPr lang="en-US" dirty="0"/>
           </a:p>
         </p:txBody>
       </p:sp>
     </p:spTree>
     <p:extLst>
       <p:ext uri="{BB962C8B-B14F-4D97-AF65-F5344CB8AC3E}">
-        <p14:creationId xmlns:p14="http://schemas.microsoft.com/office/powerpoint/2010/main" val="768916787"/>
+        <p14:creationId xmlns:p14="http://schemas.microsoft.com/office/powerpoint/2010/main" val="1195805150"/>
       </p:ext>
     </p:extLst>
   </p:cSld>
@@ -9413,8 +8972,8 @@
         </p:nvSpPr>
         <p:spPr>
           <a:xfrm>
-            <a:off x="540327" y="365126"/>
-            <a:ext cx="8115299" cy="1325563"/>
+            <a:off x="659823" y="0"/>
+            <a:ext cx="7886700" cy="1325563"/>
           </a:xfrm>
         </p:spPr>
         <p:txBody>
@@ -9422,16 +8981,8 @@
           <a:lstStyle/>
           <a:p>
             <a:r>
-              <a:rPr lang="en-US" dirty="0"/>
-              <a:t>OCF Definition </a:t>
-            </a:r>
-            <a:r>
-              <a:rPr lang="en-US"/>
-              <a:t>with </a:t>
-            </a:r>
-            <a:r>
-              <a:rPr lang="en-US" smtClean="0"/>
-              <a:t>data annotations</a:t>
+              <a:rPr lang="en-US" dirty="0" smtClean="0"/>
+              <a:t>Capabilities</a:t>
             </a:r>
             <a:endParaRPr lang="en-US" dirty="0"/>
           </a:p>
@@ -9439,14 +8990,14 @@
       </p:sp>
       <p:sp>
         <p:nvSpPr>
-          <p:cNvPr id="3" name="Rectangle 2"/>
+          <p:cNvPr id="4" name="Rectangle 3"/>
           <p:cNvSpPr/>
           <p:nvPr/>
         </p:nvSpPr>
         <p:spPr>
           <a:xfrm>
-            <a:off x="540327" y="1919289"/>
-            <a:ext cx="6633556" cy="3785652"/>
+            <a:off x="748146" y="1115300"/>
+            <a:ext cx="8073736" cy="5262979"/>
           </a:xfrm>
           <a:prstGeom prst="rect">
             <a:avLst/>
@@ -9459,211 +9010,335 @@
           <a:lstStyle/>
           <a:p>
             <a:r>
-              <a:rPr lang="is-IS" sz="1600" dirty="0">
-                <a:solidFill>
-                  <a:srgbClr val="000000"/>
-                </a:solidFill>
-                <a:latin typeface="Courier" charset="0"/>
-                <a:ea typeface="Courier" charset="0"/>
-                <a:cs typeface="Courier" charset="0"/>
-              </a:rPr>
-              <a:t>          (...)</a:t>
-            </a:r>
-          </a:p>
-          <a:p>
-            <a:r>
-              <a:rPr lang="is-IS" sz="1600" dirty="0">
-                <a:solidFill>
-                  <a:srgbClr val="000000"/>
-                </a:solidFill>
-                <a:latin typeface="Courier" charset="0"/>
-                <a:ea typeface="Courier" charset="0"/>
-                <a:cs typeface="Courier" charset="0"/>
-              </a:rPr>
-              <a:t>          "minItems": 1,</a:t>
-            </a:r>
-          </a:p>
-          <a:p>
-            <a:r>
-              <a:rPr lang="is-IS" sz="1600" dirty="0">
-                <a:solidFill>
-                  <a:srgbClr val="000000"/>
-                </a:solidFill>
-                <a:latin typeface="Courier" charset="0"/>
-                <a:ea typeface="Courier" charset="0"/>
-                <a:cs typeface="Courier" charset="0"/>
-              </a:rPr>
-              <a:t>          "readOnly": true,</a:t>
-            </a:r>
-          </a:p>
-          <a:p>
-            <a:r>
-              <a:rPr lang="is-IS" sz="1600" dirty="0">
-                <a:solidFill>
-                  <a:srgbClr val="000000"/>
-                </a:solidFill>
-                <a:latin typeface="Courier" charset="0"/>
-                <a:ea typeface="Courier" charset="0"/>
-                <a:cs typeface="Courier" charset="0"/>
-              </a:rPr>
-              <a:t>          "type": "array"</a:t>
-            </a:r>
-          </a:p>
-          <a:p>
-            <a:r>
-              <a:rPr lang="is-IS" sz="1600" dirty="0">
-                <a:solidFill>
-                  <a:srgbClr val="000000"/>
-                </a:solidFill>
-                <a:latin typeface="Courier" charset="0"/>
-                <a:ea typeface="Courier" charset="0"/>
-                <a:cs typeface="Courier" charset="0"/>
-              </a:rPr>
-              <a:t>        },</a:t>
-            </a:r>
-          </a:p>
-          <a:p>
-            <a:r>
-              <a:rPr lang="is-IS" sz="1600" dirty="0">
-                <a:solidFill>
-                  <a:srgbClr val="000000"/>
-                </a:solidFill>
-                <a:latin typeface="Courier" charset="0"/>
-                <a:ea typeface="Courier" charset="0"/>
-                <a:cs typeface="Courier" charset="0"/>
-              </a:rPr>
-              <a:t>        "value" :</a:t>
-            </a:r>
-          </a:p>
-          <a:p>
-            <a:r>
-              <a:rPr lang="is-IS" sz="1600" dirty="0">
-                <a:solidFill>
-                  <a:srgbClr val="000000"/>
-                </a:solidFill>
-                <a:latin typeface="Courier" charset="0"/>
-                <a:ea typeface="Courier" charset="0"/>
-                <a:cs typeface="Courier" charset="0"/>
-              </a:rPr>
-              <a:t>                {</a:t>
-            </a:r>
-          </a:p>
-          <a:p>
-            <a:r>
-              <a:rPr lang="is-IS" sz="1600" dirty="0">
-                <a:solidFill>
-                  <a:srgbClr val="000000"/>
-                </a:solidFill>
-                <a:latin typeface="Courier" charset="0"/>
-                <a:ea typeface="Courier" charset="0"/>
-                <a:cs typeface="Courier" charset="0"/>
-              </a:rPr>
-              <a:t>          </a:t>
-            </a:r>
-            <a:r>
-              <a:rPr lang="is-IS" sz="1600" dirty="0">
-                <a:solidFill>
-                  <a:srgbClr val="FF0000"/>
-                </a:solidFill>
-                <a:latin typeface="Courier" charset="0"/>
-                <a:ea typeface="Courier" charset="0"/>
-                <a:cs typeface="Courier" charset="0"/>
-              </a:rPr>
-              <a:t>"@type": [</a:t>
-            </a:r>
-          </a:p>
-          <a:p>
-            <a:r>
-              <a:rPr lang="is-IS" sz="1600" dirty="0">
-                <a:solidFill>
-                  <a:srgbClr val="FF0000"/>
-                </a:solidFill>
-                <a:latin typeface="Courier" charset="0"/>
-                <a:ea typeface="Courier" charset="0"/>
-                <a:cs typeface="Courier" charset="0"/>
-              </a:rPr>
-              <a:t>            "ocf:BinarySwitch.valueData",</a:t>
-            </a:r>
-          </a:p>
-          <a:p>
-            <a:r>
-              <a:rPr lang="is-IS" sz="1600" dirty="0">
-                <a:solidFill>
-                  <a:srgbClr val="FF0000"/>
-                </a:solidFill>
-                <a:latin typeface="Courier" charset="0"/>
-                <a:ea typeface="Courier" charset="0"/>
-                <a:cs typeface="Courier" charset="0"/>
-              </a:rPr>
-              <a:t>            "ocf:BinarySwitch.OnValueData",</a:t>
-            </a:r>
-          </a:p>
-          <a:p>
-            <a:r>
-              <a:rPr lang="is-IS" sz="1600" dirty="0">
-                <a:solidFill>
-                  <a:srgbClr val="FF0000"/>
-                </a:solidFill>
-                <a:latin typeface="Courier" charset="0"/>
-                <a:ea typeface="Courier" charset="0"/>
-                <a:cs typeface="Courier" charset="0"/>
-              </a:rPr>
-              <a:t>            "ocf:BinarySwitch.OffValueData"</a:t>
-            </a:r>
-          </a:p>
-          <a:p>
-            <a:r>
-              <a:rPr lang="is-IS" sz="1600" dirty="0">
-                <a:solidFill>
-                  <a:srgbClr val="FF0000"/>
-                </a:solidFill>
-                <a:latin typeface="Courier" charset="0"/>
-                <a:ea typeface="Courier" charset="0"/>
-                <a:cs typeface="Courier" charset="0"/>
-              </a:rPr>
-              <a:t>          ],</a:t>
-            </a:r>
-          </a:p>
-          <a:p>
-            <a:r>
-              <a:rPr lang="is-IS" sz="1600" dirty="0">
-                <a:solidFill>
-                  <a:srgbClr val="000000"/>
-                </a:solidFill>
-                <a:latin typeface="Courier" charset="0"/>
-                <a:ea typeface="Courier" charset="0"/>
-                <a:cs typeface="Courier" charset="0"/>
-              </a:rPr>
-              <a:t>          "description": "Status of the switch",</a:t>
-            </a:r>
-          </a:p>
-          <a:p>
-            <a:r>
-              <a:rPr lang="is-IS" sz="1600" dirty="0">
-                <a:solidFill>
-                  <a:srgbClr val="000000"/>
-                </a:solidFill>
-                <a:latin typeface="Courier" charset="0"/>
-                <a:ea typeface="Courier" charset="0"/>
-                <a:cs typeface="Courier" charset="0"/>
-              </a:rPr>
-              <a:t>          "type": "boolean"</a:t>
-            </a:r>
-          </a:p>
-          <a:p>
-            <a:r>
-              <a:rPr lang="is-IS" sz="1600" dirty="0">
-                <a:solidFill>
-                  <a:srgbClr val="000000"/>
-                </a:solidFill>
-                <a:latin typeface="Courier" charset="0"/>
-                <a:ea typeface="Courier" charset="0"/>
-                <a:cs typeface="Courier" charset="0"/>
-              </a:rPr>
-              <a:t>        </a:t>
-            </a:r>
-            <a:r>
-              <a:rPr lang="is-IS" sz="1600" dirty="0" smtClean="0">
+              <a:rPr lang="en-US" sz="1600" dirty="0">
+                <a:solidFill>
+                  <a:srgbClr val="000000"/>
+                </a:solidFill>
+                <a:latin typeface="Courier" charset="0"/>
+                <a:ea typeface="Courier" charset="0"/>
+                <a:cs typeface="Courier" charset="0"/>
+              </a:rPr>
+              <a:t>{</a:t>
+            </a:r>
+          </a:p>
+          <a:p>
+            <a:r>
+              <a:rPr lang="en-US" sz="1600" dirty="0">
+                <a:solidFill>
+                  <a:srgbClr val="000000"/>
+                </a:solidFill>
+                <a:latin typeface="Courier" charset="0"/>
+                <a:ea typeface="Courier" charset="0"/>
+                <a:cs typeface="Courier" charset="0"/>
+              </a:rPr>
+              <a:t>  "@id": "</a:t>
+            </a:r>
+            <a:r>
+              <a:rPr lang="en-US" sz="1600" dirty="0" err="1">
+                <a:solidFill>
+                  <a:srgbClr val="000000"/>
+                </a:solidFill>
+                <a:latin typeface="Courier" charset="0"/>
+                <a:ea typeface="Courier" charset="0"/>
+                <a:cs typeface="Courier" charset="0"/>
+              </a:rPr>
+              <a:t>st:SwitchCapability</a:t>
+            </a:r>
+            <a:r>
+              <a:rPr lang="en-US" sz="1600" dirty="0">
+                <a:solidFill>
+                  <a:srgbClr val="000000"/>
+                </a:solidFill>
+                <a:latin typeface="Courier" charset="0"/>
+                <a:ea typeface="Courier" charset="0"/>
+                <a:cs typeface="Courier" charset="0"/>
+              </a:rPr>
+              <a:t>",</a:t>
+            </a:r>
+          </a:p>
+          <a:p>
+            <a:r>
+              <a:rPr lang="en-US" sz="1600" dirty="0">
+                <a:solidFill>
+                  <a:srgbClr val="000000"/>
+                </a:solidFill>
+                <a:latin typeface="Courier" charset="0"/>
+                <a:ea typeface="Courier" charset="0"/>
+                <a:cs typeface="Courier" charset="0"/>
+              </a:rPr>
+              <a:t>  "</a:t>
+            </a:r>
+            <a:r>
+              <a:rPr lang="en-US" sz="1600" dirty="0" err="1">
+                <a:solidFill>
+                  <a:srgbClr val="000000"/>
+                </a:solidFill>
+                <a:latin typeface="Courier" charset="0"/>
+                <a:ea typeface="Courier" charset="0"/>
+                <a:cs typeface="Courier" charset="0"/>
+              </a:rPr>
+              <a:t>rdfs:subClassOf</a:t>
+            </a:r>
+            <a:r>
+              <a:rPr lang="en-US" sz="1600" dirty="0">
+                <a:solidFill>
+                  <a:srgbClr val="000000"/>
+                </a:solidFill>
+                <a:latin typeface="Courier" charset="0"/>
+                <a:ea typeface="Courier" charset="0"/>
+                <a:cs typeface="Courier" charset="0"/>
+              </a:rPr>
+              <a:t>": "</a:t>
+            </a:r>
+            <a:r>
+              <a:rPr lang="en-US" sz="1600" dirty="0" err="1">
+                <a:solidFill>
+                  <a:srgbClr val="000000"/>
+                </a:solidFill>
+                <a:latin typeface="Courier" charset="0"/>
+                <a:ea typeface="Courier" charset="0"/>
+                <a:cs typeface="Courier" charset="0"/>
+              </a:rPr>
+              <a:t>odm:Capability</a:t>
+            </a:r>
+            <a:r>
+              <a:rPr lang="en-US" sz="1600" dirty="0">
+                <a:solidFill>
+                  <a:srgbClr val="000000"/>
+                </a:solidFill>
+                <a:latin typeface="Courier" charset="0"/>
+                <a:ea typeface="Courier" charset="0"/>
+                <a:cs typeface="Courier" charset="0"/>
+              </a:rPr>
+              <a:t>",</a:t>
+            </a:r>
+          </a:p>
+          <a:p>
+            <a:r>
+              <a:rPr lang="en-US" sz="1600" dirty="0">
+                <a:solidFill>
+                  <a:srgbClr val="000000"/>
+                </a:solidFill>
+                <a:latin typeface="Courier" charset="0"/>
+                <a:ea typeface="Courier" charset="0"/>
+                <a:cs typeface="Courier" charset="0"/>
+              </a:rPr>
+              <a:t>  "</a:t>
+            </a:r>
+            <a:r>
+              <a:rPr lang="en-US" sz="1600" dirty="0" err="1">
+                <a:solidFill>
+                  <a:srgbClr val="000000"/>
+                </a:solidFill>
+                <a:latin typeface="Courier" charset="0"/>
+                <a:ea typeface="Courier" charset="0"/>
+                <a:cs typeface="Courier" charset="0"/>
+              </a:rPr>
+              <a:t>rdfs:comment</a:t>
+            </a:r>
+            <a:r>
+              <a:rPr lang="en-US" sz="1600" dirty="0">
+                <a:solidFill>
+                  <a:srgbClr val="000000"/>
+                </a:solidFill>
+                <a:latin typeface="Courier" charset="0"/>
+                <a:ea typeface="Courier" charset="0"/>
+                <a:cs typeface="Courier" charset="0"/>
+              </a:rPr>
+              <a:t>": "Basic On/Off Switch Capability",</a:t>
+            </a:r>
+          </a:p>
+          <a:p>
+            <a:r>
+              <a:rPr lang="en-US" sz="1600" dirty="0">
+                <a:solidFill>
+                  <a:srgbClr val="000000"/>
+                </a:solidFill>
+                <a:latin typeface="Courier" charset="0"/>
+                <a:ea typeface="Courier" charset="0"/>
+                <a:cs typeface="Courier" charset="0"/>
+              </a:rPr>
+              <a:t>  "</a:t>
+            </a:r>
+            <a:r>
+              <a:rPr lang="en-US" sz="1600" dirty="0" err="1">
+                <a:solidFill>
+                  <a:srgbClr val="000000"/>
+                </a:solidFill>
+                <a:latin typeface="Courier" charset="0"/>
+                <a:ea typeface="Courier" charset="0"/>
+                <a:cs typeface="Courier" charset="0"/>
+              </a:rPr>
+              <a:t>rdfs:label</a:t>
+            </a:r>
+            <a:r>
+              <a:rPr lang="en-US" sz="1600" dirty="0">
+                <a:solidFill>
+                  <a:srgbClr val="000000"/>
+                </a:solidFill>
+                <a:latin typeface="Courier" charset="0"/>
+                <a:ea typeface="Courier" charset="0"/>
+                <a:cs typeface="Courier" charset="0"/>
+              </a:rPr>
+              <a:t>": "SmartThings Switch Capability",</a:t>
+            </a:r>
+          </a:p>
+          <a:p>
+            <a:r>
+              <a:rPr lang="en-US" sz="1600" dirty="0">
+                <a:solidFill>
+                  <a:srgbClr val="000000"/>
+                </a:solidFill>
+                <a:latin typeface="Courier" charset="0"/>
+                <a:ea typeface="Courier" charset="0"/>
+                <a:cs typeface="Courier" charset="0"/>
+              </a:rPr>
+              <a:t>  "</a:t>
+            </a:r>
+            <a:r>
+              <a:rPr lang="en-US" sz="1600" dirty="0" err="1">
+                <a:solidFill>
+                  <a:srgbClr val="000000"/>
+                </a:solidFill>
+                <a:latin typeface="Courier" charset="0"/>
+                <a:ea typeface="Courier" charset="0"/>
+                <a:cs typeface="Courier" charset="0"/>
+              </a:rPr>
+              <a:t>odm:hasInteractionAffordance</a:t>
+            </a:r>
+            <a:r>
+              <a:rPr lang="en-US" sz="1600" dirty="0">
+                <a:solidFill>
+                  <a:srgbClr val="000000"/>
+                </a:solidFill>
+                <a:latin typeface="Courier" charset="0"/>
+                <a:ea typeface="Courier" charset="0"/>
+                <a:cs typeface="Courier" charset="0"/>
+              </a:rPr>
+              <a:t>": [</a:t>
+            </a:r>
+          </a:p>
+          <a:p>
+            <a:r>
+              <a:rPr lang="en-US" sz="1600" dirty="0">
+                <a:solidFill>
+                  <a:srgbClr val="000000"/>
+                </a:solidFill>
+                <a:latin typeface="Courier" charset="0"/>
+                <a:ea typeface="Courier" charset="0"/>
+                <a:cs typeface="Courier" charset="0"/>
+              </a:rPr>
+              <a:t>    "</a:t>
+            </a:r>
+            <a:r>
+              <a:rPr lang="en-US" sz="1600" dirty="0" err="1">
+                <a:solidFill>
+                  <a:srgbClr val="000000"/>
+                </a:solidFill>
+                <a:latin typeface="Courier" charset="0"/>
+                <a:ea typeface="Courier" charset="0"/>
+                <a:cs typeface="Courier" charset="0"/>
+              </a:rPr>
+              <a:t>st:Switch.valueProperty</a:t>
+            </a:r>
+            <a:r>
+              <a:rPr lang="en-US" sz="1600" dirty="0">
+                <a:solidFill>
+                  <a:srgbClr val="000000"/>
+                </a:solidFill>
+                <a:latin typeface="Courier" charset="0"/>
+                <a:ea typeface="Courier" charset="0"/>
+                <a:cs typeface="Courier" charset="0"/>
+              </a:rPr>
+              <a:t>",</a:t>
+            </a:r>
+          </a:p>
+          <a:p>
+            <a:r>
+              <a:rPr lang="en-US" sz="1600" dirty="0">
+                <a:solidFill>
+                  <a:srgbClr val="000000"/>
+                </a:solidFill>
+                <a:latin typeface="Courier" charset="0"/>
+                <a:ea typeface="Courier" charset="0"/>
+                <a:cs typeface="Courier" charset="0"/>
+              </a:rPr>
+              <a:t>    "</a:t>
+            </a:r>
+            <a:r>
+              <a:rPr lang="en-US" sz="1600" dirty="0" err="1">
+                <a:solidFill>
+                  <a:srgbClr val="000000"/>
+                </a:solidFill>
+                <a:latin typeface="Courier" charset="0"/>
+                <a:ea typeface="Courier" charset="0"/>
+                <a:cs typeface="Courier" charset="0"/>
+              </a:rPr>
+              <a:t>st:Switch.onAction</a:t>
+            </a:r>
+            <a:r>
+              <a:rPr lang="en-US" sz="1600" dirty="0">
+                <a:solidFill>
+                  <a:srgbClr val="000000"/>
+                </a:solidFill>
+                <a:latin typeface="Courier" charset="0"/>
+                <a:ea typeface="Courier" charset="0"/>
+                <a:cs typeface="Courier" charset="0"/>
+              </a:rPr>
+              <a:t>",</a:t>
+            </a:r>
+          </a:p>
+          <a:p>
+            <a:r>
+              <a:rPr lang="en-US" sz="1600" dirty="0">
+                <a:solidFill>
+                  <a:srgbClr val="000000"/>
+                </a:solidFill>
+                <a:latin typeface="Courier" charset="0"/>
+                <a:ea typeface="Courier" charset="0"/>
+                <a:cs typeface="Courier" charset="0"/>
+              </a:rPr>
+              <a:t>    "</a:t>
+            </a:r>
+            <a:r>
+              <a:rPr lang="en-US" sz="1600" dirty="0" err="1">
+                <a:solidFill>
+                  <a:srgbClr val="000000"/>
+                </a:solidFill>
+                <a:latin typeface="Courier" charset="0"/>
+                <a:ea typeface="Courier" charset="0"/>
+                <a:cs typeface="Courier" charset="0"/>
+              </a:rPr>
+              <a:t>st:Switch.offAction</a:t>
+            </a:r>
+            <a:r>
+              <a:rPr lang="en-US" sz="1600" dirty="0">
+                <a:solidFill>
+                  <a:srgbClr val="000000"/>
+                </a:solidFill>
+                <a:latin typeface="Courier" charset="0"/>
+                <a:ea typeface="Courier" charset="0"/>
+                <a:cs typeface="Courier" charset="0"/>
+              </a:rPr>
+              <a:t>"</a:t>
+            </a:r>
+          </a:p>
+          <a:p>
+            <a:r>
+              <a:rPr lang="en-US" sz="1600" dirty="0">
+                <a:solidFill>
+                  <a:srgbClr val="000000"/>
+                </a:solidFill>
+                <a:latin typeface="Courier" charset="0"/>
+                <a:ea typeface="Courier" charset="0"/>
+                <a:cs typeface="Courier" charset="0"/>
+              </a:rPr>
+              <a:t>  ]</a:t>
+            </a:r>
+          </a:p>
+          <a:p>
+            <a:r>
+              <a:rPr lang="en-US" sz="1600" dirty="0">
                 <a:solidFill>
                   <a:srgbClr val="000000"/>
                 </a:solidFill>
@@ -9673,10 +9348,339 @@
               </a:rPr>
               <a:t>},</a:t>
             </a:r>
-            <a:endParaRPr lang="is-IS" sz="1600" dirty="0">
+          </a:p>
+          <a:p>
+            <a:r>
+              <a:rPr lang="en-US" sz="1600" dirty="0">
+                <a:solidFill>
+                  <a:srgbClr val="000000"/>
+                </a:solidFill>
+                <a:latin typeface="Courier" charset="0"/>
+                <a:ea typeface="Courier" charset="0"/>
+                <a:cs typeface="Courier" charset="0"/>
+              </a:rPr>
+              <a:t>{</a:t>
+            </a:r>
+          </a:p>
+          <a:p>
+            <a:r>
+              <a:rPr lang="en-US" sz="1600" dirty="0">
+                <a:solidFill>
+                  <a:srgbClr val="000000"/>
+                </a:solidFill>
+                <a:latin typeface="Courier" charset="0"/>
+                <a:ea typeface="Courier" charset="0"/>
+                <a:cs typeface="Courier" charset="0"/>
+              </a:rPr>
+              <a:t>  "@id": "</a:t>
+            </a:r>
+            <a:r>
+              <a:rPr lang="en-US" sz="1600" dirty="0" err="1">
+                <a:solidFill>
+                  <a:srgbClr val="000000"/>
+                </a:solidFill>
+                <a:latin typeface="Courier" charset="0"/>
+                <a:ea typeface="Courier" charset="0"/>
+                <a:cs typeface="Courier" charset="0"/>
+              </a:rPr>
+              <a:t>st:SwitchLevelCapability</a:t>
+            </a:r>
+            <a:r>
+              <a:rPr lang="en-US" sz="1600" dirty="0">
+                <a:solidFill>
+                  <a:srgbClr val="000000"/>
+                </a:solidFill>
+                <a:latin typeface="Courier" charset="0"/>
+                <a:ea typeface="Courier" charset="0"/>
+                <a:cs typeface="Courier" charset="0"/>
+              </a:rPr>
+              <a:t>",</a:t>
+            </a:r>
+          </a:p>
+          <a:p>
+            <a:r>
+              <a:rPr lang="en-US" sz="1600" dirty="0">
+                <a:solidFill>
+                  <a:srgbClr val="000000"/>
+                </a:solidFill>
+                <a:latin typeface="Courier" charset="0"/>
+                <a:ea typeface="Courier" charset="0"/>
+                <a:cs typeface="Courier" charset="0"/>
+              </a:rPr>
+              <a:t>  "</a:t>
+            </a:r>
+            <a:r>
+              <a:rPr lang="en-US" sz="1600" dirty="0" err="1">
+                <a:solidFill>
+                  <a:srgbClr val="000000"/>
+                </a:solidFill>
+                <a:latin typeface="Courier" charset="0"/>
+                <a:ea typeface="Courier" charset="0"/>
+                <a:cs typeface="Courier" charset="0"/>
+              </a:rPr>
+              <a:t>rdfs:subClassOf</a:t>
+            </a:r>
+            <a:r>
+              <a:rPr lang="en-US" sz="1600" dirty="0">
+                <a:solidFill>
+                  <a:srgbClr val="000000"/>
+                </a:solidFill>
+                <a:latin typeface="Courier" charset="0"/>
+                <a:ea typeface="Courier" charset="0"/>
+                <a:cs typeface="Courier" charset="0"/>
+              </a:rPr>
+              <a:t>": "</a:t>
+            </a:r>
+            <a:r>
+              <a:rPr lang="en-US" sz="1600" dirty="0" err="1">
+                <a:solidFill>
+                  <a:srgbClr val="000000"/>
+                </a:solidFill>
+                <a:latin typeface="Courier" charset="0"/>
+                <a:ea typeface="Courier" charset="0"/>
+                <a:cs typeface="Courier" charset="0"/>
+              </a:rPr>
+              <a:t>odm:Capability</a:t>
+            </a:r>
+            <a:r>
+              <a:rPr lang="en-US" sz="1600" dirty="0">
+                <a:solidFill>
+                  <a:srgbClr val="000000"/>
+                </a:solidFill>
+                <a:latin typeface="Courier" charset="0"/>
+                <a:ea typeface="Courier" charset="0"/>
+                <a:cs typeface="Courier" charset="0"/>
+              </a:rPr>
+              <a:t>",</a:t>
+            </a:r>
+          </a:p>
+          <a:p>
+            <a:r>
+              <a:rPr lang="en-US" sz="1600" dirty="0">
+                <a:solidFill>
+                  <a:srgbClr val="000000"/>
+                </a:solidFill>
+                <a:latin typeface="Courier" charset="0"/>
+                <a:ea typeface="Courier" charset="0"/>
+                <a:cs typeface="Courier" charset="0"/>
+              </a:rPr>
+              <a:t>  "</a:t>
+            </a:r>
+            <a:r>
+              <a:rPr lang="en-US" sz="1600" dirty="0" err="1">
+                <a:solidFill>
+                  <a:srgbClr val="000000"/>
+                </a:solidFill>
+                <a:latin typeface="Courier" charset="0"/>
+                <a:ea typeface="Courier" charset="0"/>
+                <a:cs typeface="Courier" charset="0"/>
+              </a:rPr>
+              <a:t>rdfs:comment</a:t>
+            </a:r>
+            <a:r>
+              <a:rPr lang="en-US" sz="1600" dirty="0">
+                <a:solidFill>
+                  <a:srgbClr val="000000"/>
+                </a:solidFill>
+                <a:latin typeface="Courier" charset="0"/>
+                <a:ea typeface="Courier" charset="0"/>
+                <a:cs typeface="Courier" charset="0"/>
+              </a:rPr>
+              <a:t>": "Capability to control the level",</a:t>
+            </a:r>
+          </a:p>
+          <a:p>
+            <a:r>
+              <a:rPr lang="en-US" sz="1600" dirty="0">
+                <a:solidFill>
+                  <a:srgbClr val="000000"/>
+                </a:solidFill>
+                <a:latin typeface="Courier" charset="0"/>
+                <a:ea typeface="Courier" charset="0"/>
+                <a:cs typeface="Courier" charset="0"/>
+              </a:rPr>
+              <a:t>  "</a:t>
+            </a:r>
+            <a:r>
+              <a:rPr lang="en-US" sz="1600" dirty="0" err="1">
+                <a:solidFill>
+                  <a:srgbClr val="000000"/>
+                </a:solidFill>
+                <a:latin typeface="Courier" charset="0"/>
+                <a:ea typeface="Courier" charset="0"/>
+                <a:cs typeface="Courier" charset="0"/>
+              </a:rPr>
+              <a:t>rdfs:label</a:t>
+            </a:r>
+            <a:r>
+              <a:rPr lang="en-US" sz="1600" dirty="0">
+                <a:solidFill>
+                  <a:srgbClr val="000000"/>
+                </a:solidFill>
+                <a:latin typeface="Courier" charset="0"/>
+                <a:ea typeface="Courier" charset="0"/>
+                <a:cs typeface="Courier" charset="0"/>
+              </a:rPr>
+              <a:t>": "SmartThings </a:t>
+            </a:r>
+            <a:r>
+              <a:rPr lang="en-US" sz="1600" dirty="0" err="1">
+                <a:solidFill>
+                  <a:srgbClr val="000000"/>
+                </a:solidFill>
+                <a:latin typeface="Courier" charset="0"/>
+                <a:ea typeface="Courier" charset="0"/>
+                <a:cs typeface="Courier" charset="0"/>
+              </a:rPr>
+              <a:t>SwitchLevel</a:t>
+            </a:r>
+            <a:r>
+              <a:rPr lang="en-US" sz="1600" dirty="0">
+                <a:solidFill>
+                  <a:srgbClr val="000000"/>
+                </a:solidFill>
+                <a:latin typeface="Courier" charset="0"/>
+                <a:ea typeface="Courier" charset="0"/>
+                <a:cs typeface="Courier" charset="0"/>
+              </a:rPr>
+              <a:t> Capability",</a:t>
+            </a:r>
+          </a:p>
+          <a:p>
+            <a:r>
+              <a:rPr lang="en-US" sz="1600" dirty="0">
+                <a:solidFill>
+                  <a:srgbClr val="000000"/>
+                </a:solidFill>
+                <a:latin typeface="Courier" charset="0"/>
+                <a:ea typeface="Courier" charset="0"/>
+                <a:cs typeface="Courier" charset="0"/>
+              </a:rPr>
+              <a:t>  "</a:t>
+            </a:r>
+            <a:r>
+              <a:rPr lang="en-US" sz="1600" dirty="0" err="1">
+                <a:solidFill>
+                  <a:srgbClr val="000000"/>
+                </a:solidFill>
+                <a:latin typeface="Courier" charset="0"/>
+                <a:ea typeface="Courier" charset="0"/>
+                <a:cs typeface="Courier" charset="0"/>
+              </a:rPr>
+              <a:t>odm:hasInteractionAffordance</a:t>
+            </a:r>
+            <a:r>
+              <a:rPr lang="en-US" sz="1600" dirty="0">
+                <a:solidFill>
+                  <a:srgbClr val="000000"/>
+                </a:solidFill>
+                <a:latin typeface="Courier" charset="0"/>
+                <a:ea typeface="Courier" charset="0"/>
+                <a:cs typeface="Courier" charset="0"/>
+              </a:rPr>
+              <a:t>": [</a:t>
+            </a:r>
+          </a:p>
+          <a:p>
+            <a:r>
+              <a:rPr lang="en-US" sz="1600" dirty="0">
+                <a:solidFill>
+                  <a:srgbClr val="000000"/>
+                </a:solidFill>
+                <a:latin typeface="Courier" charset="0"/>
+                <a:ea typeface="Courier" charset="0"/>
+                <a:cs typeface="Courier" charset="0"/>
+              </a:rPr>
+              <a:t>    "</a:t>
+            </a:r>
+            <a:r>
+              <a:rPr lang="en-US" sz="1600" dirty="0" err="1">
+                <a:solidFill>
+                  <a:srgbClr val="000000"/>
+                </a:solidFill>
+                <a:latin typeface="Courier" charset="0"/>
+                <a:ea typeface="Courier" charset="0"/>
+                <a:cs typeface="Courier" charset="0"/>
+              </a:rPr>
+              <a:t>st:SwitchLevel.levelProperty</a:t>
+            </a:r>
+            <a:r>
+              <a:rPr lang="en-US" sz="1600" dirty="0">
+                <a:solidFill>
+                  <a:srgbClr val="000000"/>
+                </a:solidFill>
+                <a:latin typeface="Courier" charset="0"/>
+                <a:ea typeface="Courier" charset="0"/>
+                <a:cs typeface="Courier" charset="0"/>
+              </a:rPr>
+              <a:t>",</a:t>
+            </a:r>
+          </a:p>
+          <a:p>
+            <a:r>
+              <a:rPr lang="en-US" sz="1600" dirty="0">
+                <a:solidFill>
+                  <a:srgbClr val="000000"/>
+                </a:solidFill>
+                <a:latin typeface="Courier" charset="0"/>
+                <a:ea typeface="Courier" charset="0"/>
+                <a:cs typeface="Courier" charset="0"/>
+              </a:rPr>
+              <a:t>    "</a:t>
+            </a:r>
+            <a:r>
+              <a:rPr lang="en-US" sz="1600" dirty="0" err="1">
+                <a:solidFill>
+                  <a:srgbClr val="000000"/>
+                </a:solidFill>
+                <a:latin typeface="Courier" charset="0"/>
+                <a:ea typeface="Courier" charset="0"/>
+                <a:cs typeface="Courier" charset="0"/>
+              </a:rPr>
+              <a:t>st:SwitchLevel.setLevelAction</a:t>
+            </a:r>
+            <a:r>
+              <a:rPr lang="en-US" sz="1600" dirty="0">
+                <a:solidFill>
+                  <a:srgbClr val="000000"/>
+                </a:solidFill>
+                <a:latin typeface="Courier" charset="0"/>
+                <a:ea typeface="Courier" charset="0"/>
+                <a:cs typeface="Courier" charset="0"/>
+              </a:rPr>
+              <a:t>"</a:t>
+            </a:r>
+          </a:p>
+          <a:p>
+            <a:r>
+              <a:rPr lang="en-US" sz="1600" dirty="0">
+                <a:solidFill>
+                  <a:srgbClr val="000000"/>
+                </a:solidFill>
+                <a:latin typeface="Courier" charset="0"/>
+                <a:ea typeface="Courier" charset="0"/>
+                <a:cs typeface="Courier" charset="0"/>
+              </a:rPr>
+              <a:t>  ]</a:t>
+            </a:r>
+          </a:p>
+          <a:p>
+            <a:r>
+              <a:rPr lang="en-US" sz="1600" dirty="0">
+                <a:solidFill>
+                  <a:srgbClr val="000000"/>
+                </a:solidFill>
+                <a:latin typeface="Courier" charset="0"/>
+                <a:ea typeface="Courier" charset="0"/>
+                <a:cs typeface="Courier" charset="0"/>
+              </a:rPr>
+              <a:t>}</a:t>
+            </a:r>
+            <a:endParaRPr lang="en-US" sz="1600" b="0" i="0" dirty="0">
               <a:solidFill>
                 <a:srgbClr val="000000"/>
               </a:solidFill>
+              <a:effectLst/>
               <a:latin typeface="Courier" charset="0"/>
               <a:ea typeface="Courier" charset="0"/>
               <a:cs typeface="Courier" charset="0"/>
@@ -9687,7 +9691,7 @@
     </p:spTree>
     <p:extLst>
       <p:ext uri="{BB962C8B-B14F-4D97-AF65-F5344CB8AC3E}">
-        <p14:creationId xmlns:p14="http://schemas.microsoft.com/office/powerpoint/2010/main" val="1775335110"/>
+        <p14:creationId xmlns:p14="http://schemas.microsoft.com/office/powerpoint/2010/main" val="1185219346"/>
       </p:ext>
     </p:extLst>
   </p:cSld>
